--- a/help/data-sheets/assets/DMeEnterpriseSupportDatasheet_2022 (1).pptx
+++ b/help/data-sheets/assets/DMeEnterpriseSupportDatasheet_2022 (1).pptx
@@ -559,7 +559,7 @@
           <a:p>
             <a:fld id="{CCB2A597-803A-C244-97E2-A01066125D19}" type="datetimeFigureOut">
               <a:rPr lang="en-US" smtClean="0"/>
-              <a:t>3/3/2022</a:t>
+              <a:t>3/24/22</a:t>
             </a:fld>
             <a:endParaRPr lang="en-US"/>
           </a:p>
@@ -1256,7 +1256,7 @@
           <a:p>
             <a:fld id="{1D8BD707-D9CF-40AE-B4C6-C98DA3205C09}" type="datetimeFigureOut">
               <a:rPr lang="en-US"/>
-              <a:t>3/3/2022</a:t>
+              <a:t>3/24/22</a:t>
             </a:fld>
             <a:endParaRPr lang="en-US"/>
           </a:p>
@@ -1496,7 +1496,7 @@
           <a:p>
             <a:fld id="{1D8BD707-D9CF-40AE-B4C6-C98DA3205C09}" type="datetimeFigureOut">
               <a:rPr lang="en-US"/>
-              <a:t>3/3/2022</a:t>
+              <a:t>3/24/22</a:t>
             </a:fld>
             <a:endParaRPr lang="en-US"/>
           </a:p>
@@ -1749,7 +1749,7 @@
           <a:p>
             <a:fld id="{1D8BD707-D9CF-40AE-B4C6-C98DA3205C09}" type="datetimeFigureOut">
               <a:rPr lang="en-US"/>
-              <a:t>3/3/2022</a:t>
+              <a:t>3/24/22</a:t>
             </a:fld>
             <a:endParaRPr lang="en-US"/>
           </a:p>
@@ -1936,7 +1936,7 @@
           <a:p>
             <a:fld id="{1D8BD707-D9CF-40AE-B4C6-C98DA3205C09}" type="datetimeFigureOut">
               <a:rPr lang="en-US"/>
-              <a:t>3/3/2022</a:t>
+              <a:t>3/24/22</a:t>
             </a:fld>
             <a:endParaRPr lang="en-US"/>
           </a:p>
@@ -2094,7 +2094,7 @@
           <a:p>
             <a:fld id="{1D8BD707-D9CF-40AE-B4C6-C98DA3205C09}" type="datetimeFigureOut">
               <a:rPr lang="en-US"/>
-              <a:t>3/3/2022</a:t>
+              <a:t>3/24/22</a:t>
             </a:fld>
             <a:endParaRPr lang="en-US"/>
           </a:p>
@@ -2352,7 +2352,7 @@
           <a:p>
             <a:fld id="{1D8BD707-D9CF-40AE-B4C6-C98DA3205C09}" type="datetimeFigureOut">
               <a:rPr lang="en-US"/>
-              <a:t>3/3/2022</a:t>
+              <a:t>3/24/22</a:t>
             </a:fld>
             <a:endParaRPr lang="en-US"/>
           </a:p>
@@ -2605,28 +2605,10 @@
               </a:spcBef>
             </a:pPr>
             <a:r>
-              <a:rPr sz="2300" dirty="0">
+              <a:rPr lang="ja-jp" sz="2300" dirty="0">
                 <a:latin typeface="Adobe Clean" panose="020B0503020404020204" pitchFamily="34" charset="0"/>
               </a:rPr>
-              <a:t>ADOBE</a:t>
-            </a:r>
-            <a:r>
-              <a:rPr lang="en-US" sz="2300" dirty="0">
-                <a:latin typeface="Adobe Clean" panose="020B0503020404020204" pitchFamily="34" charset="0"/>
-              </a:rPr>
-              <a:t> </a:t>
-            </a:r>
-            <a:r>
-              <a:rPr sz="2300" dirty="0">
-                <a:latin typeface="Adobe Clean" panose="020B0503020404020204" pitchFamily="34" charset="0"/>
-              </a:rPr>
-              <a:t>SUPPORT</a:t>
-            </a:r>
-            <a:r>
-              <a:rPr lang="en-US" sz="2300" dirty="0">
-                <a:latin typeface="Adobe Clean" panose="020B0503020404020204" pitchFamily="34" charset="0"/>
-              </a:rPr>
-              <a:t> PLANS</a:t>
+              <a:t>Adobe 支持计划</a:t>
             </a:r>
             <a:endParaRPr sz="2300" dirty="0">
               <a:latin typeface="Adobe Clean" panose="020B0503020404020204" pitchFamily="34" charset="0"/>
@@ -2664,7 +2646,7 @@
               </a:spcBef>
             </a:pPr>
             <a:r>
-              <a:rPr sz="1400" b="1" u="sng" spc="15" dirty="0">
+              <a:rPr lang="ja-jp" sz="1400" b="1" u="sng" spc="15" dirty="0">
                 <a:solidFill>
                   <a:srgbClr val="020302"/>
                 </a:solidFill>
@@ -2676,10 +2658,10 @@
                 <a:latin typeface="Adobe Clean"/>
                 <a:cs typeface="Adobe Clean"/>
               </a:rPr>
-              <a:t>S</a:t>
-            </a:r>
-            <a:r>
-              <a:rPr sz="1400" b="1" u="sng" spc="5" dirty="0">
+              <a:t>服</a:t>
+            </a:r>
+            <a:r>
+              <a:rPr lang="ja-jp" sz="1400" b="1" u="sng" spc="5" dirty="0">
                 <a:solidFill>
                   <a:srgbClr val="020302"/>
                 </a:solidFill>
@@ -2691,10 +2673,10 @@
                 <a:latin typeface="Adobe Clean"/>
                 <a:cs typeface="Adobe Clean"/>
               </a:rPr>
-              <a:t>er</a:t>
-            </a:r>
-            <a:r>
-              <a:rPr sz="1400" b="1" u="sng" spc="10" dirty="0">
+              <a:t>务</a:t>
+            </a:r>
+            <a:r>
+              <a:rPr lang="ja-jp" sz="1400" b="1" u="sng" spc="-15" dirty="0">
                 <a:solidFill>
                   <a:srgbClr val="020302"/>
                 </a:solidFill>
@@ -2706,10 +2688,10 @@
                 <a:latin typeface="Adobe Clean"/>
                 <a:cs typeface="Adobe Clean"/>
               </a:rPr>
-              <a:t>vi</a:t>
-            </a:r>
-            <a:r>
-              <a:rPr sz="1400" b="1" u="sng" spc="5" dirty="0">
+              <a:t>水</a:t>
+            </a:r>
+            <a:r>
+              <a:rPr lang="ja-jp" sz="1400" b="1" u="sng" spc="15" dirty="0">
                 <a:solidFill>
                   <a:srgbClr val="020302"/>
                 </a:solidFill>
@@ -2721,10 +2703,10 @@
                 <a:latin typeface="Adobe Clean"/>
                 <a:cs typeface="Adobe Clean"/>
               </a:rPr>
-              <a:t>c</a:t>
-            </a:r>
-            <a:r>
-              <a:rPr sz="1400" b="1" u="sng" dirty="0">
+              <a:t>平</a:t>
+            </a:r>
+            <a:r>
+              <a:rPr lang="ja-jp" sz="1400" b="1" u="sng" spc="-55" dirty="0">
                 <a:solidFill>
                   <a:srgbClr val="020302"/>
                 </a:solidFill>
@@ -2736,10 +2718,10 @@
                 <a:latin typeface="Adobe Clean"/>
                 <a:cs typeface="Adobe Clean"/>
               </a:rPr>
-              <a:t>e</a:t>
-            </a:r>
-            <a:r>
-              <a:rPr sz="1400" b="1" u="sng" spc="20" dirty="0">
+              <a:t>目</a:t>
+            </a:r>
+            <a:r>
+              <a:rPr lang="ja-jp" sz="1400" b="1" u="sng" spc="-40" dirty="0">
                 <a:solidFill>
                   <a:srgbClr val="020302"/>
                 </a:solidFill>
@@ -2751,10 +2733,10 @@
                 <a:latin typeface="Adobe Clean"/>
                 <a:cs typeface="Adobe Clean"/>
               </a:rPr>
-              <a:t> </a:t>
-            </a:r>
-            <a:r>
-              <a:rPr sz="1400" b="1" u="sng" spc="-15" dirty="0">
+              <a:t>标</a:t>
+            </a:r>
+            <a:r>
+              <a:rPr lang="ja-jp" sz="1400" b="1" u="sng" dirty="0">
                 <a:solidFill>
                   <a:srgbClr val="020302"/>
                 </a:solidFill>
@@ -2766,10 +2748,10 @@
                 <a:latin typeface="Adobe Clean"/>
                 <a:cs typeface="Adobe Clean"/>
               </a:rPr>
-              <a:t>Le</a:t>
-            </a:r>
-            <a:r>
-              <a:rPr sz="1400" b="1" u="sng" spc="-10" dirty="0">
+              <a:t>：</a:t>
+            </a:r>
+            <a:r>
+              <a:rPr lang="ja-jp" sz="1400" b="1" u="sng" spc="-15" dirty="0">
                 <a:solidFill>
                   <a:srgbClr val="020302"/>
                 </a:solidFill>
@@ -2781,10 +2763,10 @@
                 <a:latin typeface="Adobe Clean"/>
                 <a:cs typeface="Adobe Clean"/>
               </a:rPr>
-              <a:t>v</a:t>
-            </a:r>
-            <a:r>
-              <a:rPr sz="1400" b="1" u="sng" spc="-15" dirty="0">
+              <a:t>初</a:t>
+            </a:r>
+            <a:r>
+              <a:rPr lang="ja-jp" sz="1400" b="1" u="sng" spc="-10" dirty="0">
                 <a:solidFill>
                   <a:srgbClr val="020302"/>
                 </a:solidFill>
@@ -2796,10 +2778,10 @@
                 <a:latin typeface="Adobe Clean"/>
                 <a:cs typeface="Adobe Clean"/>
               </a:rPr>
-              <a:t>e</a:t>
-            </a:r>
-            <a:r>
-              <a:rPr sz="1400" b="1" u="sng" dirty="0">
+              <a:t>始</a:t>
+            </a:r>
+            <a:r>
+              <a:rPr lang="ja-jp" sz="1400" b="1" u="sng" spc="-15" dirty="0">
                 <a:solidFill>
                   <a:srgbClr val="020302"/>
                 </a:solidFill>
@@ -2811,337 +2793,7 @@
                 <a:latin typeface="Adobe Clean"/>
                 <a:cs typeface="Adobe Clean"/>
               </a:rPr>
-              <a:t>l</a:t>
-            </a:r>
-            <a:r>
-              <a:rPr sz="1400" b="1" u="sng" spc="-15" dirty="0">
-                <a:solidFill>
-                  <a:srgbClr val="020302"/>
-                </a:solidFill>
-                <a:uFill>
-                  <a:solidFill>
-                    <a:srgbClr val="020302"/>
-                  </a:solidFill>
-                </a:uFill>
-                <a:latin typeface="Adobe Clean"/>
-                <a:cs typeface="Adobe Clean"/>
-              </a:rPr>
-              <a:t> </a:t>
-            </a:r>
-            <a:r>
-              <a:rPr sz="1400" b="1" u="sng" spc="-55" dirty="0">
-                <a:solidFill>
-                  <a:srgbClr val="020302"/>
-                </a:solidFill>
-                <a:uFill>
-                  <a:solidFill>
-                    <a:srgbClr val="020302"/>
-                  </a:solidFill>
-                </a:uFill>
-                <a:latin typeface="Adobe Clean"/>
-                <a:cs typeface="Adobe Clean"/>
-              </a:rPr>
-              <a:t>T</a:t>
-            </a:r>
-            <a:r>
-              <a:rPr sz="1400" b="1" u="sng" spc="-40" dirty="0">
-                <a:solidFill>
-                  <a:srgbClr val="020302"/>
-                </a:solidFill>
-                <a:uFill>
-                  <a:solidFill>
-                    <a:srgbClr val="020302"/>
-                  </a:solidFill>
-                </a:uFill>
-                <a:latin typeface="Adobe Clean"/>
-                <a:cs typeface="Adobe Clean"/>
-              </a:rPr>
-              <a:t>a</a:t>
-            </a:r>
-            <a:r>
-              <a:rPr sz="1400" b="1" u="sng" spc="-45" dirty="0">
-                <a:solidFill>
-                  <a:srgbClr val="020302"/>
-                </a:solidFill>
-                <a:uFill>
-                  <a:solidFill>
-                    <a:srgbClr val="020302"/>
-                  </a:solidFill>
-                </a:uFill>
-                <a:latin typeface="Adobe Clean"/>
-                <a:cs typeface="Adobe Clean"/>
-              </a:rPr>
-              <a:t>r</a:t>
-            </a:r>
-            <a:r>
-              <a:rPr sz="1400" b="1" u="sng" spc="-40" dirty="0">
-                <a:solidFill>
-                  <a:srgbClr val="020302"/>
-                </a:solidFill>
-                <a:uFill>
-                  <a:solidFill>
-                    <a:srgbClr val="020302"/>
-                  </a:solidFill>
-                </a:uFill>
-                <a:latin typeface="Adobe Clean"/>
-                <a:cs typeface="Adobe Clean"/>
-              </a:rPr>
-              <a:t>g</a:t>
-            </a:r>
-            <a:r>
-              <a:rPr sz="1400" b="1" u="sng" spc="-50" dirty="0">
-                <a:solidFill>
-                  <a:srgbClr val="020302"/>
-                </a:solidFill>
-                <a:uFill>
-                  <a:solidFill>
-                    <a:srgbClr val="020302"/>
-                  </a:solidFill>
-                </a:uFill>
-                <a:latin typeface="Adobe Clean"/>
-                <a:cs typeface="Adobe Clean"/>
-              </a:rPr>
-              <a:t>et</a:t>
-            </a:r>
-            <a:r>
-              <a:rPr sz="1400" b="1" u="sng" spc="-45" dirty="0">
-                <a:solidFill>
-                  <a:srgbClr val="020302"/>
-                </a:solidFill>
-                <a:uFill>
-                  <a:solidFill>
-                    <a:srgbClr val="020302"/>
-                  </a:solidFill>
-                </a:uFill>
-                <a:latin typeface="Adobe Clean"/>
-                <a:cs typeface="Adobe Clean"/>
-              </a:rPr>
-              <a:t>s</a:t>
-            </a:r>
-            <a:r>
-              <a:rPr sz="1400" b="1" u="sng" dirty="0">
-                <a:solidFill>
-                  <a:srgbClr val="020302"/>
-                </a:solidFill>
-                <a:uFill>
-                  <a:solidFill>
-                    <a:srgbClr val="020302"/>
-                  </a:solidFill>
-                </a:uFill>
-                <a:latin typeface="Adobe Clean"/>
-                <a:cs typeface="Adobe Clean"/>
-              </a:rPr>
-              <a:t>:</a:t>
-            </a:r>
-            <a:r>
-              <a:rPr sz="1400" b="1" u="sng" spc="-85" dirty="0">
-                <a:solidFill>
-                  <a:srgbClr val="020302"/>
-                </a:solidFill>
-                <a:uFill>
-                  <a:solidFill>
-                    <a:srgbClr val="020302"/>
-                  </a:solidFill>
-                </a:uFill>
-                <a:latin typeface="Adobe Clean"/>
-                <a:cs typeface="Adobe Clean"/>
-              </a:rPr>
-              <a:t> </a:t>
-            </a:r>
-            <a:r>
-              <a:rPr sz="1400" b="1" u="sng" spc="-15" dirty="0">
-                <a:solidFill>
-                  <a:srgbClr val="020302"/>
-                </a:solidFill>
-                <a:uFill>
-                  <a:solidFill>
-                    <a:srgbClr val="020302"/>
-                  </a:solidFill>
-                </a:uFill>
-                <a:latin typeface="Adobe Clean"/>
-                <a:cs typeface="Adobe Clean"/>
-              </a:rPr>
-              <a:t>I</a:t>
-            </a:r>
-            <a:r>
-              <a:rPr sz="1400" b="1" u="sng" spc="-10" dirty="0">
-                <a:solidFill>
-                  <a:srgbClr val="020302"/>
-                </a:solidFill>
-                <a:uFill>
-                  <a:solidFill>
-                    <a:srgbClr val="020302"/>
-                  </a:solidFill>
-                </a:uFill>
-                <a:latin typeface="Adobe Clean"/>
-                <a:cs typeface="Adobe Clean"/>
-              </a:rPr>
-              <a:t>ni</a:t>
-            </a:r>
-            <a:r>
-              <a:rPr sz="1400" b="1" u="sng" spc="-15" dirty="0">
-                <a:solidFill>
-                  <a:srgbClr val="020302"/>
-                </a:solidFill>
-                <a:uFill>
-                  <a:solidFill>
-                    <a:srgbClr val="020302"/>
-                  </a:solidFill>
-                </a:uFill>
-                <a:latin typeface="Adobe Clean"/>
-                <a:cs typeface="Adobe Clean"/>
-              </a:rPr>
-              <a:t>t</a:t>
-            </a:r>
-            <a:r>
-              <a:rPr sz="1400" b="1" u="sng" spc="-10" dirty="0">
-                <a:solidFill>
-                  <a:srgbClr val="020302"/>
-                </a:solidFill>
-                <a:uFill>
-                  <a:solidFill>
-                    <a:srgbClr val="020302"/>
-                  </a:solidFill>
-                </a:uFill>
-                <a:latin typeface="Adobe Clean"/>
-                <a:cs typeface="Adobe Clean"/>
-              </a:rPr>
-              <a:t>i</a:t>
-            </a:r>
-            <a:r>
-              <a:rPr sz="1400" b="1" u="sng" spc="-5" dirty="0">
-                <a:solidFill>
-                  <a:srgbClr val="020302"/>
-                </a:solidFill>
-                <a:uFill>
-                  <a:solidFill>
-                    <a:srgbClr val="020302"/>
-                  </a:solidFill>
-                </a:uFill>
-                <a:latin typeface="Adobe Clean"/>
-                <a:cs typeface="Adobe Clean"/>
-              </a:rPr>
-              <a:t>a</a:t>
-            </a:r>
-            <a:r>
-              <a:rPr sz="1400" b="1" u="sng" dirty="0">
-                <a:solidFill>
-                  <a:srgbClr val="020302"/>
-                </a:solidFill>
-                <a:uFill>
-                  <a:solidFill>
-                    <a:srgbClr val="020302"/>
-                  </a:solidFill>
-                </a:uFill>
-                <a:latin typeface="Adobe Clean"/>
-                <a:cs typeface="Adobe Clean"/>
-              </a:rPr>
-              <a:t>l</a:t>
-            </a:r>
-            <a:r>
-              <a:rPr sz="1400" b="1" u="sng" spc="-145" dirty="0">
-                <a:solidFill>
-                  <a:srgbClr val="020302"/>
-                </a:solidFill>
-                <a:uFill>
-                  <a:solidFill>
-                    <a:srgbClr val="020302"/>
-                  </a:solidFill>
-                </a:uFill>
-                <a:latin typeface="Adobe Clean"/>
-                <a:cs typeface="Adobe Clean"/>
-              </a:rPr>
-              <a:t> </a:t>
-            </a:r>
-            <a:r>
-              <a:rPr sz="1400" b="1" u="sng" spc="-15" dirty="0">
-                <a:solidFill>
-                  <a:srgbClr val="020302"/>
-                </a:solidFill>
-                <a:uFill>
-                  <a:solidFill>
-                    <a:srgbClr val="020302"/>
-                  </a:solidFill>
-                </a:uFill>
-                <a:latin typeface="Adobe Clean"/>
-                <a:cs typeface="Adobe Clean"/>
-              </a:rPr>
-              <a:t>R</a:t>
-            </a:r>
-            <a:r>
-              <a:rPr sz="1400" b="1" u="sng" spc="-20" dirty="0">
-                <a:solidFill>
-                  <a:srgbClr val="020302"/>
-                </a:solidFill>
-                <a:uFill>
-                  <a:solidFill>
-                    <a:srgbClr val="020302"/>
-                  </a:solidFill>
-                </a:uFill>
-                <a:latin typeface="Adobe Clean"/>
-                <a:cs typeface="Adobe Clean"/>
-              </a:rPr>
-              <a:t>e</a:t>
-            </a:r>
-            <a:r>
-              <a:rPr sz="1400" b="1" u="sng" spc="-15" dirty="0">
-                <a:solidFill>
-                  <a:srgbClr val="020302"/>
-                </a:solidFill>
-                <a:uFill>
-                  <a:solidFill>
-                    <a:srgbClr val="020302"/>
-                  </a:solidFill>
-                </a:uFill>
-                <a:latin typeface="Adobe Clean"/>
-                <a:cs typeface="Adobe Clean"/>
-              </a:rPr>
-              <a:t>s</a:t>
-            </a:r>
-            <a:r>
-              <a:rPr sz="1400" b="1" u="sng" spc="-20" dirty="0">
-                <a:solidFill>
-                  <a:srgbClr val="020302"/>
-                </a:solidFill>
-                <a:uFill>
-                  <a:solidFill>
-                    <a:srgbClr val="020302"/>
-                  </a:solidFill>
-                </a:uFill>
-                <a:latin typeface="Adobe Clean"/>
-                <a:cs typeface="Adobe Clean"/>
-              </a:rPr>
-              <a:t>p</a:t>
-            </a:r>
-            <a:r>
-              <a:rPr sz="1400" b="1" u="sng" spc="-15" dirty="0">
-                <a:solidFill>
-                  <a:srgbClr val="020302"/>
-                </a:solidFill>
-                <a:uFill>
-                  <a:solidFill>
-                    <a:srgbClr val="020302"/>
-                  </a:solidFill>
-                </a:uFill>
-                <a:latin typeface="Adobe Clean"/>
-                <a:cs typeface="Adobe Clean"/>
-              </a:rPr>
-              <a:t>ons</a:t>
-            </a:r>
-            <a:r>
-              <a:rPr sz="1400" b="1" u="sng" dirty="0">
-                <a:solidFill>
-                  <a:srgbClr val="020302"/>
-                </a:solidFill>
-                <a:uFill>
-                  <a:solidFill>
-                    <a:srgbClr val="020302"/>
-                  </a:solidFill>
-                </a:uFill>
-                <a:latin typeface="Adobe Clean"/>
-                <a:cs typeface="Adobe Clean"/>
-              </a:rPr>
-              <a:t>e</a:t>
+              <a:t>响应</a:t>
             </a:r>
             <a:endParaRPr sz="1400" u="sng" dirty="0">
               <a:latin typeface="Adobe Clean"/>
@@ -3206,39 +2858,35 @@
               </a:spcBef>
             </a:pPr>
             <a:r>
-              <a:rPr spc="-10" dirty="0"/>
-              <a:t>©202</a:t>
-            </a:r>
-            <a:r>
-              <a:rPr lang="en-US" spc="-10" dirty="0"/>
-              <a:t>2 </a:t>
-            </a:r>
-            <a:r>
-              <a:rPr spc="-5" dirty="0"/>
-              <a:t>Adobe. All</a:t>
-            </a:r>
-            <a:r>
-              <a:rPr spc="-10" dirty="0"/>
+              <a:rPr lang="ja-jp" spc="-10" dirty="0"/>
+              <a:t>©2022</a:t>
+            </a:r>
+            <a:r>
+              <a:rPr lang="ja-jp" spc="-5" dirty="0"/>
+              <a:t> Adobe.All</a:t>
+            </a:r>
+            <a:r>
+              <a:rPr lang="ja-jp" spc="-10" dirty="0"/>
               <a:t> Rights</a:t>
             </a:r>
             <a:r>
-              <a:rPr spc="-5" dirty="0"/>
+              <a:rPr lang="ja-jp" spc="-5" dirty="0"/>
               <a:t> </a:t>
             </a:r>
             <a:r>
-              <a:rPr spc="-10" dirty="0"/>
+              <a:rPr lang="ja-jp" spc="-10" dirty="0"/>
               <a:t>Reserved.</a:t>
             </a:r>
             <a:r>
-              <a:rPr spc="-5" dirty="0"/>
-              <a:t> Adobe</a:t>
-            </a:r>
-            <a:r>
-              <a:rPr spc="60" dirty="0"/>
+              <a:rPr lang="ja-jp" spc="-5" dirty="0"/>
+              <a:t>Adobe</a:t>
+            </a:r>
+            <a:r>
+              <a:rPr lang="ja-jp" spc="60" dirty="0"/>
               <a:t> </a:t>
             </a:r>
             <a:r>
-              <a:rPr spc="-10" dirty="0"/>
+              <a:rPr lang="ja-jp" spc="-10" dirty="0"/>
               <a:t>Confidential.</a:t>
             </a:r>
           </a:p>
@@ -3273,13 +2921,13 @@
           <a:lstStyle/>
           <a:p>
             <a:r>
-              <a:rPr lang="en-US" sz="700" i="1" dirty="0">
+              <a:rPr lang="ja-jp" sz="700" i="1" dirty="0">
                 <a:solidFill>
                   <a:schemeClr val="bg1"/>
                 </a:solidFill>
                 <a:latin typeface="Adobe Clean" panose="020B0503020404020204" pitchFamily="34" charset="0"/>
               </a:rPr>
-              <a:t>Adobe Creative Cloud / Adobe Document Cloud (including Adobe Sign)</a:t>
+              <a:t>Adobe Creative Cloud / Adobe Document Cloud（包括 Adobe Sign）</a:t>
             </a:r>
           </a:p>
         </p:txBody>
@@ -3299,7 +2947,7 @@
         <p:spPr>
           <a:xfrm>
             <a:off x="122477" y="593716"/>
-            <a:ext cx="6035427" cy="1255472"/>
+            <a:ext cx="6035427" cy="947695"/>
           </a:xfrm>
           <a:prstGeom prst="rect">
             <a:avLst/>
@@ -3320,16 +2968,16 @@
               </a:spcBef>
             </a:pPr>
             <a:r>
-              <a:rPr lang="en-US" sz="1200" dirty="0">
+              <a:rPr lang="ja-jp" sz="1200" dirty="0">
                 <a:solidFill>
                   <a:schemeClr val="bg1"/>
                 </a:solidFill>
                 <a:latin typeface="Adobe Clean Light"/>
               </a:rPr>
-              <a:t>Standard | Business |</a:t>
-            </a:r>
-            <a:r>
-              <a:rPr lang="en-US" sz="1200" b="1" dirty="0">
+              <a:t>标准 | 商业 |</a:t>
+            </a:r>
+            <a:r>
+              <a:rPr lang="ja-jp" sz="1200" b="1" dirty="0">
                 <a:solidFill>
                   <a:schemeClr val="bg1"/>
                 </a:solidFill>
@@ -3338,15 +2986,15 @@
               <a:t> </a:t>
             </a:r>
             <a:r>
-              <a:rPr lang="en-US" sz="1200" b="1" dirty="0">
+              <a:rPr lang="ja-jp" sz="1200" b="1" dirty="0">
                 <a:solidFill>
                   <a:schemeClr val="bg1"/>
                 </a:solidFill>
               </a:rPr>
-              <a:t>Enterprise</a:t>
-            </a:r>
-            <a:r>
-              <a:rPr lang="en-US" sz="1200" b="1" dirty="0">
+              <a:t>企业</a:t>
+            </a:r>
+            <a:r>
+              <a:rPr lang="ja-jp" sz="1200" b="1" dirty="0">
                 <a:solidFill>
                   <a:schemeClr val="bg1"/>
                 </a:solidFill>
@@ -3355,27 +3003,169 @@
               <a:t> </a:t>
             </a:r>
             <a:r>
-              <a:rPr lang="en-US" sz="1200" dirty="0">
+              <a:rPr lang="ja-jp" sz="1200" dirty="0">
                 <a:solidFill>
                   <a:schemeClr val="bg1"/>
                 </a:solidFill>
                 <a:latin typeface="Adobe Clean Light"/>
               </a:rPr>
-              <a:t>| Elite</a:t>
+              <a:t>| Elite </a:t>
             </a:r>
             <a:br>
-              <a:rPr lang="en-US" sz="900" dirty="0">
-                <a:latin typeface="Adobe Clean Light" panose="020B0303020404020204" pitchFamily="34" charset="0"/>
-              </a:rPr>
+              <a:rPr dirty="0"/>
             </a:br>
             <a:r>
-              <a:rPr lang="en-US" sz="1000" dirty="0">
+              <a:rPr lang="ja-jp" sz="1000" dirty="0">
                 <a:solidFill>
                   <a:schemeClr val="bg1"/>
                 </a:solidFill>
                 <a:latin typeface="Adobe Clean SemiLight"/>
               </a:rPr>
-              <a:t>Adobe provides a comprehensive range of technical resources to help support your business included as part of your Adobe enterprise subscription. This is enhanced with the ENTERPRISE support plan. ENTERPRISE customers will benefit from our Named Support Engineer service, where a designated technical contact in the Adobe Support Team with deep experience in your solution will work in partnership with you and your technical teams to ensure timely resolution of all support requests. Your support team can also help coordinate and arrange delivery of the additional ENTERPRISE benefits ensuring minimal disruption to your business at the most critical times.  ENTERPRISE support plan customers can also take advantage of our detailed and in-depth technical product documentation and current release notes. </a:t>
+              <a:t>Adobe 提供了一系列技术资源来帮助支持您的</a:t>
+            </a:r>
+            <a:r>
+              <a:rPr lang="ja-jp" sz="1000">
+                <a:solidFill>
+                  <a:schemeClr val="bg1"/>
+                </a:solidFill>
+                <a:latin typeface="Adobe Clean SemiLight"/>
+              </a:rPr>
+              <a:t>业务</a:t>
+            </a:r>
+            <a:r>
+              <a:rPr lang="ja-JP" altLang="en-US" sz="1000">
+                <a:solidFill>
+                  <a:schemeClr val="bg1"/>
+                </a:solidFill>
+                <a:latin typeface="Adobe Clean SemiLight"/>
+              </a:rPr>
+              <a:t>、</a:t>
+            </a:r>
+            <a:r>
+              <a:rPr lang="ja-jp" sz="1000">
+                <a:solidFill>
+                  <a:schemeClr val="bg1"/>
+                </a:solidFill>
+                <a:latin typeface="Adobe Clean SemiLight"/>
+              </a:rPr>
+              <a:t>这</a:t>
+            </a:r>
+            <a:r>
+              <a:rPr lang="ja-jp" sz="1000" dirty="0">
+                <a:solidFill>
+                  <a:schemeClr val="bg1"/>
+                </a:solidFill>
+                <a:latin typeface="Adobe Clean SemiLight"/>
+              </a:rPr>
+              <a:t>些资源包含在您的 Adobe 企业订阅中。企业支持计划强化了此种支持。企业客户将得益于我们的指定支持工程师</a:t>
+            </a:r>
+            <a:r>
+              <a:rPr lang="ja-jp" sz="1000">
+                <a:solidFill>
+                  <a:schemeClr val="bg1"/>
+                </a:solidFill>
+                <a:latin typeface="Adobe Clean SemiLight"/>
+              </a:rPr>
+              <a:t>服务</a:t>
+            </a:r>
+            <a:r>
+              <a:rPr lang="ja-JP" altLang="en-US" sz="1000">
+                <a:solidFill>
+                  <a:schemeClr val="bg1"/>
+                </a:solidFill>
+                <a:latin typeface="Adobe Clean SemiLight"/>
+              </a:rPr>
+              <a:t>、</a:t>
+            </a:r>
+            <a:r>
+              <a:rPr lang="ja-jp" sz="1000">
+                <a:solidFill>
+                  <a:schemeClr val="bg1"/>
+                </a:solidFill>
+                <a:latin typeface="Adobe Clean SemiLight"/>
+              </a:rPr>
+              <a:t>在</a:t>
+            </a:r>
+            <a:r>
+              <a:rPr lang="ja-jp" sz="1000" dirty="0">
+                <a:solidFill>
+                  <a:schemeClr val="bg1"/>
+                </a:solidFill>
+                <a:latin typeface="Adobe Clean SemiLight"/>
+              </a:rPr>
+              <a:t>该服</a:t>
+            </a:r>
+            <a:r>
+              <a:rPr lang="ja-jp" sz="1000">
+                <a:solidFill>
+                  <a:schemeClr val="bg1"/>
+                </a:solidFill>
+                <a:latin typeface="Adobe Clean SemiLight"/>
+              </a:rPr>
+              <a:t>务中</a:t>
+            </a:r>
+            <a:r>
+              <a:rPr lang="ja-JP" altLang="en-US" sz="1000">
+                <a:solidFill>
+                  <a:schemeClr val="bg1"/>
+                </a:solidFill>
+                <a:latin typeface="Adobe Clean SemiLight"/>
+              </a:rPr>
+              <a:t>、</a:t>
+            </a:r>
+            <a:r>
+              <a:rPr lang="ja-jp" sz="1000">
+                <a:solidFill>
+                  <a:schemeClr val="bg1"/>
+                </a:solidFill>
+                <a:latin typeface="Adobe Clean SemiLight"/>
+              </a:rPr>
+              <a:t>A</a:t>
+            </a:r>
+            <a:r>
+              <a:rPr lang="ja-jp" sz="1000" dirty="0">
+                <a:solidFill>
+                  <a:schemeClr val="bg1"/>
+                </a:solidFill>
+                <a:latin typeface="Adobe Clean SemiLight"/>
+              </a:rPr>
+              <a:t>dobe 支持团队中对您的解决方案拥有丰富经验的指定技术联系人将与您和您的技术团队通力合作以确保及时解决所有支持请求。您的支持团队还可以帮助协调和安排其他企业权益的</a:t>
+            </a:r>
+            <a:r>
+              <a:rPr lang="ja-jp" sz="1000">
+                <a:solidFill>
+                  <a:schemeClr val="bg1"/>
+                </a:solidFill>
+                <a:latin typeface="Adobe Clean SemiLight"/>
+              </a:rPr>
+              <a:t>交付</a:t>
+            </a:r>
+            <a:r>
+              <a:rPr lang="ja-JP" altLang="en-US" sz="1000">
+                <a:solidFill>
+                  <a:schemeClr val="bg1"/>
+                </a:solidFill>
+                <a:latin typeface="Adobe Clean SemiLight"/>
+              </a:rPr>
+              <a:t>、</a:t>
+            </a:r>
+            <a:r>
+              <a:rPr lang="ja-jp" sz="1000">
+                <a:solidFill>
+                  <a:schemeClr val="bg1"/>
+                </a:solidFill>
+                <a:latin typeface="Adobe Clean SemiLight"/>
+              </a:rPr>
+              <a:t>确</a:t>
+            </a:r>
+            <a:r>
+              <a:rPr lang="ja-jp" sz="1000" dirty="0">
+                <a:solidFill>
+                  <a:schemeClr val="bg1"/>
+                </a:solidFill>
+                <a:latin typeface="Adobe Clean SemiLight"/>
+              </a:rPr>
+              <a:t>保在最关键的时刻对业务造成的干扰最小。企业支持计划客户还可以使用我们详细而深入的技术产品文档和当前发行说明。</a:t>
             </a:r>
             <a:endParaRPr lang="en-US" sz="900" dirty="0">
               <a:solidFill>
@@ -3491,14 +3281,14 @@
                         <a:defRPr/>
                       </a:pPr>
                       <a:r>
-                        <a:rPr lang="en-US" sz="1200" spc="0" dirty="0">
+                        <a:rPr lang="ja-jp" sz="1200" spc="0" dirty="0">
                           <a:solidFill>
                             <a:srgbClr val="404040"/>
                           </a:solidFill>
                           <a:latin typeface="Adobe Clean"/>
                           <a:cs typeface="Adobe Clean"/>
                         </a:rPr>
-                        <a:t>Standard  Support</a:t>
+                        <a:t>标准支持</a:t>
                       </a:r>
                       <a:endParaRPr lang="en-US" sz="1200" spc="0" dirty="0">
                         <a:latin typeface="Adobe Clean"/>
@@ -3544,24 +3334,14 @@
                         </a:spcBef>
                       </a:pPr>
                       <a:r>
-                        <a:rPr lang="en-US" sz="1200" spc="0" dirty="0">
+                        <a:rPr lang="ja-jp" sz="1200" spc="0" dirty="0">
                           <a:solidFill>
                             <a:srgbClr val="FFFFFF"/>
                           </a:solidFill>
                           <a:latin typeface="Adobe Clean"/>
                           <a:cs typeface="Adobe Clean"/>
                         </a:rPr>
-                        <a:t>Enterprise </a:t>
-                      </a:r>
-                      <a:r>
-                        <a:rPr sz="1200" spc="0" dirty="0">
-                          <a:solidFill>
-                            <a:srgbClr val="FFFFFF"/>
-                          </a:solidFill>
-                          <a:latin typeface="Adobe Clean"/>
-                          <a:cs typeface="Adobe Clean"/>
-                        </a:rPr>
-                        <a:t>Support</a:t>
+                        <a:t>企业支持</a:t>
                       </a:r>
                       <a:endParaRPr sz="1200" spc="0" dirty="0">
                         <a:latin typeface="Adobe Clean"/>
@@ -3715,13 +3495,13 @@
                         <a:defRPr/>
                       </a:pPr>
                       <a:r>
-                        <a:rPr lang="en-US" sz="1200" b="1" i="1" dirty="0">
+                        <a:rPr lang="ja-jp" sz="1200" b="1" i="1" dirty="0">
                           <a:solidFill>
                             <a:schemeClr val="bg1"/>
                           </a:solidFill>
                           <a:latin typeface="Adobe Clean" panose="020B0503020404020204" pitchFamily="34" charset="0"/>
                         </a:rPr>
-                        <a:t>Paid Support ($)</a:t>
+                        <a:t>付费支持 ($)</a:t>
                       </a:r>
                     </a:p>
                   </a:txBody>
@@ -3785,14 +3565,14 @@
                         </a:spcBef>
                       </a:pPr>
                       <a:r>
-                        <a:rPr lang="en-US" sz="1200" b="1" i="0" spc="0" dirty="0">
+                        <a:rPr lang="ja-jp" sz="1200" b="1" i="0" spc="0" dirty="0">
                           <a:solidFill>
                             <a:schemeClr val="bg1"/>
                           </a:solidFill>
                           <a:latin typeface="Adobe Clean" panose="020B0503020404020204" pitchFamily="34" charset="0"/>
                           <a:cs typeface="AdobeClean-Light"/>
                         </a:rPr>
-                        <a:t>Assigned Experts</a:t>
+                        <a:t>分配的专家</a:t>
                       </a:r>
                       <a:endParaRPr sz="1200" b="1" i="0" spc="0" dirty="0">
                         <a:solidFill>
@@ -3847,14 +3627,14 @@
                         </a:spcBef>
                       </a:pPr>
                       <a:r>
-                        <a:rPr sz="1100" spc="0" dirty="0">
+                        <a:rPr lang="ja-jp" sz="1100" spc="0" dirty="0">
                           <a:solidFill>
                             <a:srgbClr val="020302"/>
                           </a:solidFill>
                           <a:latin typeface="AdobeClean-Light"/>
                           <a:cs typeface="AdobeClean-Light"/>
                         </a:rPr>
-                        <a:t>Account Support Lead</a:t>
+                        <a:t>客户支持主管</a:t>
                       </a:r>
                       <a:endParaRPr sz="1100" spc="0" dirty="0">
                         <a:latin typeface="AdobeClean-Light"/>
@@ -4021,14 +3801,14 @@
                         </a:spcBef>
                       </a:pPr>
                       <a:r>
-                        <a:rPr sz="1100" spc="0" dirty="0">
+                        <a:rPr lang="ja-jp" sz="1100" spc="0" dirty="0">
                           <a:solidFill>
                             <a:srgbClr val="020302"/>
                           </a:solidFill>
                           <a:latin typeface="AdobeClean-Light"/>
                           <a:cs typeface="AdobeClean-Light"/>
                         </a:rPr>
-                        <a:t>Named Support Engineer</a:t>
+                        <a:t>指定的支持工程师</a:t>
                       </a:r>
                       <a:endParaRPr sz="1100" spc="0" dirty="0">
                         <a:latin typeface="AdobeClean-Light"/>
@@ -4094,7 +3874,7 @@
                         </a:spcBef>
                       </a:pPr>
                       <a:r>
-                        <a:rPr sz="900" spc="0" dirty="0">
+                        <a:rPr lang="ja-jp" sz="900" spc="0" dirty="0">
                           <a:solidFill>
                             <a:srgbClr val="020302"/>
                           </a:solidFill>
@@ -4187,14 +3967,14 @@
                         </a:spcBef>
                       </a:pPr>
                       <a:r>
-                        <a:rPr sz="1100" spc="0" dirty="0">
+                        <a:rPr lang="ja-jp" sz="1100" spc="0" dirty="0">
                           <a:solidFill>
                             <a:srgbClr val="020302"/>
                           </a:solidFill>
                           <a:latin typeface="AdobeClean-Light"/>
                           <a:cs typeface="AdobeClean-Light"/>
                         </a:rPr>
-                        <a:t>Technical Account Manager</a:t>
+                        <a:t>技术客户经理</a:t>
                       </a:r>
                       <a:endParaRPr sz="1100" spc="0" dirty="0">
                         <a:latin typeface="AdobeClean-Light"/>
@@ -4317,14 +4097,14 @@
                         </a:spcBef>
                       </a:pPr>
                       <a:r>
-                        <a:rPr lang="en-US" sz="1200" b="1" i="0" spc="0" dirty="0">
+                        <a:rPr lang="ja-jp" sz="1200" b="1" i="0" spc="0" dirty="0">
                           <a:solidFill>
                             <a:schemeClr val="bg1"/>
                           </a:solidFill>
                           <a:latin typeface="Adobe Clean" panose="020B0503020404020204" pitchFamily="34" charset="0"/>
                           <a:cs typeface="AdobeClean-Light"/>
                         </a:rPr>
-                        <a:t>Support Services</a:t>
+                        <a:t>支持服务</a:t>
                       </a:r>
                       <a:endParaRPr sz="1200" b="1" i="0" spc="0" dirty="0">
                         <a:solidFill>
@@ -4379,14 +4159,14 @@
                         </a:spcBef>
                       </a:pPr>
                       <a:r>
-                        <a:rPr lang="en-US" sz="1100" spc="0" dirty="0">
+                        <a:rPr lang="ja-jp" sz="1100" spc="0" dirty="0">
                           <a:solidFill>
                             <a:srgbClr val="020302"/>
                           </a:solidFill>
                           <a:latin typeface="AdobeClean-Light"/>
                           <a:cs typeface="AdobeClean-Light"/>
                         </a:rPr>
-                        <a:t>24x7 Self-Help Support </a:t>
+                        <a:t>全天候自助支持</a:t>
                       </a:r>
                       <a:endParaRPr lang="en-US" sz="1100" spc="0" dirty="0">
                         <a:latin typeface="AdobeClean-Light"/>
@@ -4429,7 +4209,7 @@
                         </a:spcBef>
                       </a:pPr>
                       <a:r>
-                        <a:rPr sz="900" dirty="0">
+                        <a:rPr lang="ja-jp" sz="900" dirty="0">
                           <a:solidFill>
                             <a:srgbClr val="020302"/>
                           </a:solidFill>
@@ -4489,7 +4269,7 @@
                         <a:defRPr/>
                       </a:pPr>
                       <a:r>
-                        <a:rPr kumimoji="0" lang="en-US" sz="900" b="0" i="0" u="none" strike="noStrike" kern="0" cap="none" spc="0" normalizeH="0" baseline="0" noProof="0" dirty="0">
+                        <a:rPr kumimoji="0" lang="ja-jp" sz="900" b="0" i="0" u="none" strike="noStrike" kern="0" cap="none" spc="0" normalizeH="0" baseline="0" noProof="0" dirty="0">
                           <a:ln>
                             <a:noFill/>
                           </a:ln>
@@ -4601,14 +4381,14 @@
                         </a:spcBef>
                       </a:pPr>
                       <a:r>
-                        <a:rPr lang="en-US" sz="1100" b="0" i="0" spc="0" dirty="0">
+                        <a:rPr lang="ja-jp" sz="1100" b="0" i="0" spc="0" dirty="0">
                           <a:solidFill>
                             <a:srgbClr val="020302"/>
                           </a:solidFill>
                           <a:latin typeface="Adobe Clean Light" panose="020B0303020404020204" pitchFamily="34" charset="0"/>
                           <a:cs typeface="AdobeClean-Light"/>
                         </a:rPr>
-                        <a:t>24x7 Support via Chat / Phone</a:t>
+                        <a:t>全天候会话/电话支持</a:t>
                       </a:r>
                       <a:endParaRPr sz="1100" b="0" i="0" spc="0" dirty="0">
                         <a:latin typeface="Adobe Clean Light" panose="020B0303020404020204" pitchFamily="34" charset="0"/>
@@ -4645,7 +4425,7 @@
                         </a:spcBef>
                       </a:pPr>
                       <a:r>
-                        <a:rPr sz="900" dirty="0">
+                        <a:rPr lang="ja-jp" sz="900" dirty="0">
                           <a:solidFill>
                             <a:srgbClr val="020302"/>
                           </a:solidFill>
@@ -4687,7 +4467,7 @@
                         </a:spcBef>
                       </a:pPr>
                       <a:r>
-                        <a:rPr sz="900" spc="0" dirty="0">
+                        <a:rPr lang="ja-jp" sz="900" spc="0" dirty="0">
                           <a:solidFill>
                             <a:srgbClr val="020302"/>
                           </a:solidFill>
@@ -4780,11 +4560,11 @@
                         </a:spcBef>
                       </a:pPr>
                       <a:r>
-                        <a:rPr lang="en-US" sz="1100" spc="0" dirty="0">
+                        <a:rPr lang="ja-jp" sz="1100" spc="0" dirty="0">
                           <a:latin typeface="AdobeClean-Light"/>
                           <a:cs typeface="AdobeClean-Light"/>
                         </a:rPr>
-                        <a:t>Web Case Submissions </a:t>
+                        <a:t>网络案例提交</a:t>
                       </a:r>
                       <a:endParaRPr sz="1100" spc="0" dirty="0">
                         <a:latin typeface="AdobeClean-Light"/>
@@ -4827,7 +4607,7 @@
                         </a:spcBef>
                       </a:pPr>
                       <a:r>
-                        <a:rPr sz="900" dirty="0">
+                        <a:rPr lang="ja-jp" sz="900" dirty="0">
                           <a:solidFill>
                             <a:srgbClr val="020302"/>
                           </a:solidFill>
@@ -4869,7 +4649,7 @@
                         </a:spcBef>
                       </a:pPr>
                       <a:r>
-                        <a:rPr sz="900" spc="0" dirty="0">
+                        <a:rPr lang="ja-jp" sz="900" spc="0" dirty="0">
                           <a:solidFill>
                             <a:srgbClr val="020302"/>
                           </a:solidFill>
@@ -4953,14 +4733,14 @@
                         </a:spcBef>
                       </a:pPr>
                       <a:r>
-                        <a:rPr lang="en-US" sz="1100" spc="0" dirty="0">
+                        <a:rPr lang="ja-jp" sz="1100" spc="0" dirty="0">
                           <a:solidFill>
                             <a:srgbClr val="020302"/>
                           </a:solidFill>
                           <a:latin typeface="AdobeClean-Light"/>
                           <a:cs typeface="AdobeClean-Light"/>
                         </a:rPr>
-                        <a:t>Priority Case Routing</a:t>
+                        <a:t>优先级案例路由</a:t>
                       </a:r>
                       <a:endParaRPr sz="1100" spc="0" dirty="0">
                         <a:latin typeface="AdobeClean-Light"/>
@@ -5029,7 +4809,7 @@
                         </a:spcBef>
                       </a:pPr>
                       <a:r>
-                        <a:rPr sz="900" spc="0" dirty="0">
+                        <a:rPr lang="ja-jp" sz="900" spc="0" dirty="0">
                           <a:solidFill>
                             <a:srgbClr val="020302"/>
                           </a:solidFill>
@@ -5122,11 +4902,11 @@
                         <a:defRPr/>
                       </a:pPr>
                       <a:r>
-                        <a:rPr lang="en-US" sz="1100" spc="0" dirty="0">
+                        <a:rPr lang="ja-jp" sz="1100" spc="0" dirty="0">
                           <a:latin typeface="AdobeClean-Light"/>
                           <a:cs typeface="AdobeClean-Light"/>
                         </a:rPr>
-                        <a:t>Accelerated Issue Prioritization</a:t>
+                        <a:t>已加快问题优先处理</a:t>
                       </a:r>
                     </a:p>
                   </a:txBody>
@@ -5200,7 +4980,7 @@
                         <a:defRPr/>
                       </a:pPr>
                       <a:r>
-                        <a:rPr lang="en-US" sz="900" spc="0" dirty="0">
+                        <a:rPr lang="ja-jp" sz="900" spc="0" dirty="0">
                           <a:solidFill>
                             <a:srgbClr val="020302"/>
                           </a:solidFill>
@@ -5273,11 +5053,11 @@
                         </a:spcBef>
                       </a:pPr>
                       <a:r>
-                        <a:rPr lang="en-US" sz="1100" spc="0" dirty="0">
+                        <a:rPr lang="ja-jp" sz="1100" spc="0" dirty="0">
                           <a:latin typeface="AdobeClean-Light"/>
                           <a:cs typeface="AdobeClean-Light"/>
                         </a:rPr>
-                        <a:t>Escalation Management</a:t>
+                        <a:t>上报管理</a:t>
                       </a:r>
                       <a:endParaRPr sz="1100" spc="0" dirty="0">
                         <a:latin typeface="AdobeClean-Light"/>
@@ -5343,7 +5123,7 @@
                         </a:spcBef>
                       </a:pPr>
                       <a:r>
-                        <a:rPr sz="900" spc="0" dirty="0">
+                        <a:rPr lang="ja-jp" sz="900" spc="0" dirty="0">
                           <a:solidFill>
                             <a:srgbClr val="020302"/>
                           </a:solidFill>
@@ -5397,11 +5177,11 @@
                         </a:spcBef>
                       </a:pPr>
                       <a:r>
-                        <a:rPr lang="en-US" sz="1100" spc="0" dirty="0">
+                        <a:rPr lang="ja-jp" sz="1100" spc="0" dirty="0">
                           <a:latin typeface="AdobeClean-Light"/>
                           <a:cs typeface="AdobeClean-Light"/>
                         </a:rPr>
-                        <a:t>Proactive Case Monitoring</a:t>
+                        <a:t>主动案例监控</a:t>
                       </a:r>
                       <a:endParaRPr sz="1100" spc="0" dirty="0">
                         <a:latin typeface="AdobeClean-Light"/>
@@ -5473,7 +5253,7 @@
                         </a:spcBef>
                       </a:pPr>
                       <a:r>
-                        <a:rPr sz="900" spc="0" dirty="0">
+                        <a:rPr lang="ja-jp" sz="900" spc="0" dirty="0">
                           <a:solidFill>
                             <a:srgbClr val="020302"/>
                           </a:solidFill>
@@ -5539,13 +5319,13 @@
                         <a:buNone/>
                       </a:pPr>
                       <a:r>
-                        <a:rPr lang="en-US" sz="1100" b="0" i="0" u="none" strike="noStrike" spc="0" noProof="0" dirty="0">
+                        <a:rPr lang="ja-jp" sz="1100" b="0" i="0" u="none" strike="noStrike" spc="0" noProof="0" dirty="0">
                           <a:solidFill>
                             <a:srgbClr val="020302"/>
                           </a:solidFill>
                           <a:latin typeface="Adobe Clean Light"/>
                         </a:rPr>
-                        <a:t>In-Region Support Option</a:t>
+                        <a:t>区域内支持选项</a:t>
                       </a:r>
                       <a:endParaRPr dirty="0"/>
                     </a:p>
@@ -5623,7 +5403,7 @@
                         <a:defRPr/>
                       </a:pPr>
                       <a:r>
-                        <a:rPr lang="en-US" sz="900" spc="0" dirty="0">
+                        <a:rPr lang="ja-jp" sz="900" spc="0" dirty="0">
                           <a:solidFill>
                             <a:srgbClr val="020302"/>
                           </a:solidFill>
@@ -5716,14 +5496,14 @@
                         </a:spcBef>
                       </a:pPr>
                       <a:r>
-                        <a:rPr lang="en-US" sz="1100" spc="0" dirty="0">
+                        <a:rPr lang="ja-jp" sz="1100" spc="0" dirty="0">
                           <a:solidFill>
                             <a:srgbClr val="020302"/>
                           </a:solidFill>
                           <a:latin typeface="AdobeClean-Light"/>
                           <a:cs typeface="AdobeClean-Light"/>
                         </a:rPr>
-                        <a:t>Service Reviews</a:t>
+                        <a:t>服务审查</a:t>
                       </a:r>
                       <a:endParaRPr sz="1100" spc="0" dirty="0">
                         <a:latin typeface="AdobeClean-Light"/>
@@ -5795,24 +5575,14 @@
                         </a:spcBef>
                       </a:pPr>
                       <a:r>
-                        <a:rPr sz="900" spc="0" dirty="0">
+                        <a:rPr lang="ja-jp" sz="900" spc="0" dirty="0">
                           <a:solidFill>
                             <a:srgbClr val="020302"/>
                           </a:solidFill>
                           <a:latin typeface="AdobeClean-Light"/>
                           <a:cs typeface="AdobeClean-Light"/>
                         </a:rPr>
-                        <a:t>2</a:t>
-                      </a:r>
-                      <a:r>
-                        <a:rPr lang="en-US" sz="900" spc="0" dirty="0">
-                          <a:solidFill>
-                            <a:srgbClr val="020302"/>
-                          </a:solidFill>
-                          <a:latin typeface="AdobeClean-Light"/>
-                          <a:cs typeface="AdobeClean-Light"/>
-                        </a:rPr>
-                        <a:t>/year</a:t>
+                        <a:t>2 次/年</a:t>
                       </a:r>
                       <a:endParaRPr sz="900" spc="0" dirty="0">
                         <a:latin typeface="AdobeClean-Light"/>
@@ -5889,11 +5659,11 @@
                         </a:spcBef>
                       </a:pPr>
                       <a:r>
-                        <a:rPr lang="en-US" sz="1100" spc="0" dirty="0">
+                        <a:rPr lang="ja-jp" sz="1100" spc="0" dirty="0">
                           <a:latin typeface="AdobeClean-Light"/>
                           <a:cs typeface="AdobeClean-Light"/>
                         </a:rPr>
-                        <a:t>Case Reviews</a:t>
+                        <a:t>案例审查</a:t>
                       </a:r>
                       <a:endParaRPr sz="1100" spc="0" dirty="0">
                         <a:latin typeface="AdobeClean-Light"/>
@@ -5959,11 +5729,11 @@
                         </a:spcBef>
                       </a:pPr>
                       <a:r>
-                        <a:rPr lang="en-US" sz="900" spc="0" dirty="0">
+                        <a:rPr lang="ja-jp" sz="900" spc="0" dirty="0">
                           <a:latin typeface="AdobeClean-Light"/>
                           <a:cs typeface="AdobeClean-Light"/>
                         </a:rPr>
-                        <a:t>1/month</a:t>
+                        <a:t>1 次/月</a:t>
                       </a:r>
                       <a:endParaRPr sz="900" spc="0" dirty="0">
                         <a:latin typeface="AdobeClean-Light"/>
@@ -6038,11 +5808,11 @@
                         <a:defRPr/>
                       </a:pPr>
                       <a:r>
-                        <a:rPr lang="en-US" sz="1100" spc="0" dirty="0">
+                        <a:rPr lang="ja-jp" sz="1100" spc="0" dirty="0">
                           <a:latin typeface="AdobeClean-Light"/>
                           <a:cs typeface="AdobeClean-Light"/>
                         </a:rPr>
-                        <a:t>Solution Review</a:t>
+                        <a:t>解决方案审查</a:t>
                       </a:r>
                     </a:p>
                   </a:txBody>
@@ -6185,11 +5955,11 @@
                         <a:defRPr/>
                       </a:pPr>
                       <a:r>
-                        <a:rPr lang="en-US" sz="1100" spc="0" dirty="0">
+                        <a:rPr lang="ja-jp" sz="1100" spc="0" dirty="0">
                           <a:latin typeface="AdobeClean-Light"/>
                           <a:cs typeface="AdobeClean-Light"/>
                         </a:rPr>
-                        <a:t>Roadmap Review </a:t>
+                        <a:t>路线图审查</a:t>
                       </a:r>
                     </a:p>
                   </a:txBody>
@@ -6363,14 +6133,14 @@
                         <a:defRPr/>
                       </a:pPr>
                       <a:r>
-                        <a:rPr lang="en-US" sz="1100" spc="0" dirty="0">
+                        <a:rPr lang="ja-jp" sz="1100" spc="0" dirty="0">
                           <a:solidFill>
                             <a:srgbClr val="020302"/>
                           </a:solidFill>
                           <a:latin typeface="AdobeClean-Light"/>
                           <a:cs typeface="AdobeClean-Light"/>
                         </a:rPr>
-                        <a:t>Additional Named Support Contacts</a:t>
+                        <a:t>其他指定的支持联系人</a:t>
                       </a:r>
                       <a:endParaRPr lang="en-US" sz="1100" spc="0" dirty="0">
                         <a:latin typeface="AdobeClean-Light"/>
@@ -6570,11 +6340,11 @@
                         </a:spcBef>
                       </a:pPr>
                       <a:r>
-                        <a:rPr lang="en-US" sz="1100" spc="0" dirty="0">
+                        <a:rPr lang="ja-jp" sz="1100" spc="0" dirty="0">
                           <a:latin typeface="AdobeClean-Light"/>
                           <a:cs typeface="AdobeClean-Light"/>
                         </a:rPr>
-                        <a:t>Upgrade/Migration Planning</a:t>
+                        <a:t>升级/迁移规划</a:t>
                       </a:r>
                       <a:endParaRPr sz="1100" spc="0" dirty="0">
                         <a:latin typeface="AdobeClean-Light"/>
@@ -6749,11 +6519,11 @@
                         <a:defRPr/>
                       </a:pPr>
                       <a:r>
-                        <a:rPr lang="en-US" sz="1100" b="0" i="0" spc="0" dirty="0">
+                        <a:rPr lang="ja-jp" sz="1100" b="0" i="0" spc="0" dirty="0">
                           <a:latin typeface="Adobe Clean Light" panose="020B0303020404020204" pitchFamily="34" charset="0"/>
                           <a:cs typeface="AdobeClean-Light"/>
                         </a:rPr>
-                        <a:t>Release Preparation and Planning</a:t>
+                        <a:t>发布准备和规划</a:t>
                       </a:r>
                     </a:p>
                   </a:txBody>
@@ -6954,11 +6724,11 @@
                         </a:spcBef>
                       </a:pPr>
                       <a:r>
-                        <a:rPr lang="en-US" sz="1100" spc="0" dirty="0">
+                        <a:rPr lang="ja-jp" sz="1100" spc="0" dirty="0">
                           <a:latin typeface="AdobeClean-Light"/>
                           <a:cs typeface="AdobeClean-Light"/>
                         </a:rPr>
-                        <a:t>Executive Sponsor</a:t>
+                        <a:t>执行发起人</a:t>
                       </a:r>
                       <a:endParaRPr sz="1100" spc="0" dirty="0">
                         <a:latin typeface="AdobeClean-Light"/>
@@ -7124,7 +6894,7 @@
         </p:nvGraphicFramePr>
         <p:xfrm>
           <a:off x="121146" y="7483227"/>
-          <a:ext cx="7498851" cy="2361428"/>
+          <a:ext cx="7498851" cy="2103437"/>
         </p:xfrm>
         <a:graphic>
           <a:graphicData uri="http://schemas.openxmlformats.org/drawingml/2006/table">
@@ -7184,14 +6954,14 @@
                         </a:spcBef>
                       </a:pPr>
                       <a:r>
-                        <a:rPr sz="1000" spc="0" dirty="0">
+                        <a:rPr lang="ja-jp" sz="1000" spc="0" dirty="0">
                           <a:solidFill>
                             <a:srgbClr val="020302"/>
                           </a:solidFill>
                           <a:latin typeface="Adobe Clean"/>
                           <a:cs typeface="Adobe Clean"/>
                         </a:rPr>
-                        <a:t>Priority</a:t>
+                        <a:t>优先级</a:t>
                       </a:r>
                       <a:endParaRPr sz="1000" spc="0" dirty="0">
                         <a:latin typeface="Adobe Clean"/>
@@ -7243,44 +7013,14 @@
                         </a:spcBef>
                       </a:pPr>
                       <a:r>
-                        <a:rPr lang="en-US" sz="900" spc="0" dirty="0">
+                        <a:rPr lang="ja-jp" sz="900" spc="0" dirty="0">
                           <a:solidFill>
                             <a:srgbClr val="020302"/>
                           </a:solidFill>
                           <a:latin typeface="Adobe Clean"/>
                           <a:cs typeface="Adobe Clean"/>
                         </a:rPr>
-                        <a:t>Standard</a:t>
-                      </a:r>
-                      <a:r>
-                        <a:rPr sz="900" spc="0" dirty="0">
-                          <a:solidFill>
-                            <a:srgbClr val="020302"/>
-                          </a:solidFill>
-                          <a:latin typeface="Adobe Clean"/>
-                          <a:cs typeface="Adobe Clean"/>
-                        </a:rPr>
-                        <a:t> </a:t>
-                      </a:r>
-                      <a:r>
-                        <a:rPr lang="en-US" sz="900" spc="0" dirty="0">
-                          <a:solidFill>
-                            <a:srgbClr val="020302"/>
-                          </a:solidFill>
-                          <a:latin typeface="Adobe Clean"/>
-                          <a:cs typeface="Adobe Clean"/>
-                        </a:rPr>
-                        <a:t> </a:t>
-                      </a:r>
-                      <a:r>
-                        <a:rPr sz="900" spc="0" dirty="0">
-                          <a:solidFill>
-                            <a:srgbClr val="020302"/>
-                          </a:solidFill>
-                          <a:latin typeface="Adobe Clean"/>
-                          <a:cs typeface="Adobe Clean"/>
-                        </a:rPr>
-                        <a:t>Support</a:t>
+                        <a:t>标准支持</a:t>
                       </a:r>
                       <a:endParaRPr sz="900" spc="0" dirty="0">
                         <a:latin typeface="Adobe Clean"/>
@@ -7335,34 +7075,14 @@
                         </a:spcBef>
                       </a:pPr>
                       <a:r>
-                        <a:rPr sz="900" spc="0" dirty="0">
+                        <a:rPr lang="ja-jp" sz="900" spc="0" dirty="0">
                           <a:solidFill>
                             <a:srgbClr val="FFFFFF"/>
                           </a:solidFill>
                           <a:latin typeface="Adobe Clean"/>
                           <a:cs typeface="Adobe Clean"/>
                         </a:rPr>
-                        <a:t>Business</a:t>
-                      </a:r>
-                      <a:r>
-                        <a:rPr lang="en-US" sz="900" spc="0" dirty="0">
-                          <a:solidFill>
-                            <a:srgbClr val="FFFFFF"/>
-                          </a:solidFill>
-                          <a:latin typeface="Adobe Clean"/>
-                          <a:cs typeface="Adobe Clean"/>
-                        </a:rPr>
-                        <a:t> </a:t>
-                      </a:r>
-                      <a:r>
-                        <a:rPr sz="900" spc="0" dirty="0">
-                          <a:solidFill>
-                            <a:srgbClr val="FFFFFF"/>
-                          </a:solidFill>
-                          <a:latin typeface="Adobe Clean"/>
-                          <a:cs typeface="Adobe Clean"/>
-                        </a:rPr>
-                        <a:t>Support</a:t>
+                        <a:t>商业支持</a:t>
                       </a:r>
                       <a:endParaRPr sz="900" spc="0" dirty="0">
                         <a:latin typeface="Adobe Clean"/>
@@ -7414,34 +7134,14 @@
                         </a:spcBef>
                       </a:pPr>
                       <a:r>
-                        <a:rPr sz="900" spc="0" dirty="0">
+                        <a:rPr lang="ja-jp" sz="900" spc="0" dirty="0">
                           <a:solidFill>
                             <a:srgbClr val="FFFFFF"/>
                           </a:solidFill>
                           <a:latin typeface="Adobe Clean"/>
                           <a:cs typeface="Adobe Clean"/>
                         </a:rPr>
-                        <a:t>Enterprise </a:t>
-                      </a:r>
-                      <a:r>
-                        <a:rPr lang="en-US" sz="900" spc="0" dirty="0">
-                          <a:solidFill>
-                            <a:srgbClr val="FFFFFF"/>
-                          </a:solidFill>
-                          <a:latin typeface="Adobe Clean"/>
-                          <a:cs typeface="Adobe Clean"/>
-                        </a:rPr>
-                        <a:t> </a:t>
-                      </a:r>
-                      <a:r>
-                        <a:rPr sz="900" spc="0" dirty="0">
-                          <a:solidFill>
-                            <a:srgbClr val="FFFFFF"/>
-                          </a:solidFill>
-                          <a:latin typeface="Adobe Clean"/>
-                          <a:cs typeface="Adobe Clean"/>
-                        </a:rPr>
-                        <a:t>Support</a:t>
+                        <a:t>企业支持</a:t>
                       </a:r>
                       <a:endParaRPr sz="900" spc="0" dirty="0">
                         <a:latin typeface="Adobe Clean"/>
@@ -7493,34 +7193,14 @@
                         </a:spcBef>
                       </a:pPr>
                       <a:r>
-                        <a:rPr sz="900" spc="0" dirty="0">
+                        <a:rPr lang="ja-jp" sz="900" spc="0" dirty="0">
                           <a:solidFill>
                             <a:srgbClr val="FFFFFF"/>
                           </a:solidFill>
                           <a:latin typeface="Adobe Clean"/>
                           <a:cs typeface="Adobe Clean"/>
                         </a:rPr>
-                        <a:t>Elite</a:t>
-                      </a:r>
-                      <a:r>
-                        <a:rPr lang="en-US" sz="900" spc="0" dirty="0">
-                          <a:solidFill>
-                            <a:srgbClr val="FFFFFF"/>
-                          </a:solidFill>
-                          <a:latin typeface="Adobe Clean"/>
-                          <a:cs typeface="Adobe Clean"/>
-                        </a:rPr>
-                        <a:t> </a:t>
-                      </a:r>
-                      <a:r>
-                        <a:rPr sz="900" spc="0" dirty="0">
-                          <a:solidFill>
-                            <a:srgbClr val="FFFFFF"/>
-                          </a:solidFill>
-                          <a:latin typeface="Adobe Clean"/>
-                          <a:cs typeface="Adobe Clean"/>
-                        </a:rPr>
-                        <a:t>Support</a:t>
+                        <a:t>高级支持</a:t>
                       </a:r>
                       <a:endParaRPr sz="900" spc="0" dirty="0">
                         <a:latin typeface="Adobe Clean"/>
@@ -7579,14 +7259,14 @@
                         </a:spcBef>
                       </a:pPr>
                       <a:r>
-                        <a:rPr sz="900" b="1" spc="0" dirty="0">
+                        <a:rPr lang="ja-jp" sz="900" b="1" spc="0" dirty="0">
                           <a:solidFill>
                             <a:srgbClr val="020302"/>
                           </a:solidFill>
                           <a:latin typeface="Adobe Clean"/>
                           <a:cs typeface="Adobe Clean"/>
                         </a:rPr>
-                        <a:t>PRIORITY 1</a:t>
+                        <a:t>优先级 1</a:t>
                       </a:r>
                       <a:endParaRPr sz="900" spc="0" dirty="0">
                         <a:latin typeface="Adobe Clean"/>
@@ -7603,14 +7283,54 @@
                         </a:spcBef>
                       </a:pPr>
                       <a:r>
-                        <a:rPr lang="en-US" sz="900" b="0" i="0" spc="0" dirty="0">
+                        <a:rPr lang="ja-jp" sz="900" b="0" i="0" spc="0" dirty="0">
                           <a:solidFill>
                             <a:srgbClr val="000000"/>
                           </a:solidFill>
                           <a:effectLst/>
                           <a:latin typeface="Adobe Clean Light" panose="020B0303020404020204" pitchFamily="34" charset="0"/>
                         </a:rPr>
-                        <a:t>Customer's production business functions are down or have significant data loss or service degradation and immediate attention is required to restore functionality and usability. </a:t>
+                        <a:t>客户的生产业务功能中断或发生重大数据丢失或服务</a:t>
+                      </a:r>
+                      <a:r>
+                        <a:rPr lang="ja-jp" sz="900" b="0" i="0" spc="0">
+                          <a:solidFill>
+                            <a:srgbClr val="000000"/>
+                          </a:solidFill>
+                          <a:effectLst/>
+                          <a:latin typeface="Adobe Clean Light" panose="020B0303020404020204" pitchFamily="34" charset="0"/>
+                        </a:rPr>
+                        <a:t>降级</a:t>
+                      </a:r>
+                      <a:r>
+                        <a:rPr lang="ja-JP" altLang="en-US" sz="900" b="0" i="0" spc="0">
+                          <a:solidFill>
+                            <a:srgbClr val="000000"/>
+                          </a:solidFill>
+                          <a:effectLst/>
+                          <a:latin typeface="Adobe Clean Light" panose="020B0303020404020204" pitchFamily="34" charset="0"/>
+                        </a:rPr>
+                        <a:t>、</a:t>
+                      </a:r>
+                      <a:r>
+                        <a:rPr lang="ja-jp" sz="900" b="0" i="0" spc="0">
+                          <a:solidFill>
+                            <a:srgbClr val="000000"/>
+                          </a:solidFill>
+                          <a:effectLst/>
+                          <a:latin typeface="Adobe Clean Light" panose="020B0303020404020204" pitchFamily="34" charset="0"/>
+                        </a:rPr>
+                        <a:t>需</a:t>
+                      </a:r>
+                      <a:r>
+                        <a:rPr lang="ja-jp" sz="900" b="0" i="0" spc="0" dirty="0">
+                          <a:solidFill>
+                            <a:srgbClr val="000000"/>
+                          </a:solidFill>
+                          <a:effectLst/>
+                          <a:latin typeface="Adobe Clean Light" panose="020B0303020404020204" pitchFamily="34" charset="0"/>
+                        </a:rPr>
+                        <a:t>要立即关注以恢复功能和可用性。</a:t>
                       </a:r>
                       <a:endParaRPr sz="900" spc="0" dirty="0">
                         <a:latin typeface="AdobeClean-Light"/>
@@ -7662,14 +7382,14 @@
                         </a:spcBef>
                       </a:pPr>
                       <a:r>
-                        <a:rPr lang="en-US" sz="900" spc="0" dirty="0">
+                        <a:rPr lang="ja-jp" sz="900" spc="0" dirty="0">
                           <a:solidFill>
                             <a:srgbClr val="020302"/>
                           </a:solidFill>
                           <a:latin typeface="AdobeClean-Light"/>
                           <a:cs typeface="AdobeClean-Light"/>
                         </a:rPr>
-                        <a:t>24x7 /</a:t>
+                        <a:t>全天候 /</a:t>
                       </a:r>
                     </a:p>
                     <a:p>
@@ -7682,14 +7402,14 @@
                         </a:spcBef>
                       </a:pPr>
                       <a:r>
-                        <a:rPr lang="en-US" sz="900" spc="0" dirty="0">
+                        <a:rPr lang="ja-jp" sz="900" spc="0" dirty="0">
                           <a:solidFill>
                             <a:srgbClr val="020302"/>
                           </a:solidFill>
                           <a:latin typeface="AdobeClean-Light"/>
                           <a:cs typeface="AdobeClean-Light"/>
                         </a:rPr>
-                        <a:t> 30 minutes</a:t>
+                        <a:t>30 分钟</a:t>
                       </a:r>
                       <a:endParaRPr lang="en-US" sz="900" spc="0" dirty="0">
                         <a:latin typeface="AdobeClean-Light"/>
@@ -7739,10 +7459,58 @@
                         <a:tabLst/>
                       </a:pPr>
                       <a:r>
-                        <a:rPr lang="en-US" sz="1000" i="0" spc="0" dirty="0">
+                        <a:rPr lang="ja-jp" sz="1000" i="0" spc="0" dirty="0">
                           <a:latin typeface="AdobeClean-Light"/>
                         </a:rPr>
-                        <a:t>Customers who purchase a Support Plan for applicable Adobe Products and Services receive priority case routing that fast-tracks cases to Adobe’s Support Engineers. </a:t>
+                        <a:t>为适用的 Adobe 产品和服务购买支持计划的客户将获得优先级案例</a:t>
+                      </a:r>
+                      <a:r>
+                        <a:rPr lang="ja-jp" sz="1000" i="0" spc="0">
+                          <a:latin typeface="AdobeClean-Light"/>
+                        </a:rPr>
+                        <a:t>路由</a:t>
+                      </a:r>
+                      <a:r>
+                        <a:rPr lang="ja-JP" altLang="en-US" sz="1000" i="0" spc="0">
+                          <a:latin typeface="AdobeClean-Light"/>
+                        </a:rPr>
+                        <a:t>、</a:t>
+                      </a:r>
+                      <a:r>
+                        <a:rPr lang="ja-jp" sz="1000" i="0" spc="0">
+                          <a:latin typeface="AdobeClean-Light"/>
+                        </a:rPr>
+                        <a:t>可</a:t>
+                      </a:r>
+                      <a:r>
+                        <a:rPr lang="ja-jp" sz="1000" i="0" spc="0" dirty="0">
+                          <a:latin typeface="AdobeClean-Light"/>
+                        </a:rPr>
+                        <a:t>快速跟踪</a:t>
+                      </a:r>
+                      <a:r>
+                        <a:rPr lang="ja-jp" sz="1000" i="0" spc="0">
+                          <a:latin typeface="AdobeClean-Light"/>
+                        </a:rPr>
+                        <a:t>案例</a:t>
+                      </a:r>
+                      <a:r>
+                        <a:rPr lang="ja-JP" altLang="en-US" sz="1000" i="0" spc="0">
+                          <a:latin typeface="AdobeClean-Light"/>
+                        </a:rPr>
+                        <a:t>、</a:t>
+                      </a:r>
+                      <a:r>
+                        <a:rPr lang="ja-jp" sz="1000" i="0" spc="0">
+                          <a:latin typeface="AdobeClean-Light"/>
+                        </a:rPr>
+                        <a:t>并</a:t>
+                      </a:r>
+                      <a:r>
+                        <a:rPr lang="ja-jp" sz="1000" i="0" spc="0" dirty="0">
+                          <a:latin typeface="AdobeClean-Light"/>
+                        </a:rPr>
+                        <a:t>将其发送给 Adobe 的支持工程师。</a:t>
                       </a:r>
                     </a:p>
                   </a:txBody>
@@ -7790,7 +7558,7 @@
                         </a:spcBef>
                       </a:pPr>
                       <a:r>
-                        <a:rPr sz="900" spc="0" dirty="0">
+                        <a:rPr lang="ja-jp" sz="900" spc="0" dirty="0">
                           <a:solidFill>
                             <a:srgbClr val="020302"/>
                           </a:solidFill>
@@ -7800,59 +7568,7 @@
                           <a:latin typeface="AdobeClean-Light"/>
                           <a:cs typeface="AdobeClean-Light"/>
                         </a:rPr>
-                        <a:t>24x7 /  </a:t>
-                      </a:r>
-                      <a:r>
-                        <a:rPr lang="en-US" sz="900" spc="0" dirty="0">
-                          <a:solidFill>
-                            <a:srgbClr val="020302"/>
-                          </a:solidFill>
-                          <a:highlight>
-                            <a:srgbClr val="FFFF00"/>
-                          </a:highlight>
-                          <a:latin typeface="AdobeClean-Light"/>
-                          <a:cs typeface="AdobeClean-Light"/>
-                        </a:rPr>
-                        <a:t>         </a:t>
-                      </a:r>
-                      <a:r>
-                        <a:rPr sz="900" spc="0" dirty="0">
-                          <a:solidFill>
-                            <a:srgbClr val="020302"/>
-                          </a:solidFill>
-                          <a:highlight>
-                            <a:srgbClr val="FFFF00"/>
-                          </a:highlight>
-                          <a:latin typeface="AdobeClean-Light"/>
-                          <a:cs typeface="AdobeClean-Light"/>
-                        </a:rPr>
-                        <a:t>30</a:t>
-                      </a:r>
-                      <a:r>
-                        <a:rPr lang="en-US" sz="900" spc="0" dirty="0">
-                          <a:solidFill>
-                            <a:srgbClr val="020302"/>
-                          </a:solidFill>
-                          <a:highlight>
-                            <a:srgbClr val="FFFF00"/>
-                          </a:highlight>
-                          <a:latin typeface="AdobeClean-Light"/>
-                          <a:cs typeface="AdobeClean-Light"/>
-                        </a:rPr>
-                        <a:t> </a:t>
-                      </a:r>
-                      <a:r>
-                        <a:rPr sz="900" spc="0" dirty="0">
-                          <a:solidFill>
-                            <a:srgbClr val="020302"/>
-                          </a:solidFill>
-                          <a:highlight>
-                            <a:srgbClr val="FFFF00"/>
-                          </a:highlight>
-                          <a:latin typeface="AdobeClean-Light"/>
-                          <a:cs typeface="AdobeClean-Light"/>
-                        </a:rPr>
-                        <a:t>minutes</a:t>
+                        <a:t>全天候/30 分钟</a:t>
                       </a:r>
                       <a:endParaRPr sz="900" spc="0" dirty="0">
                         <a:highlight>
@@ -7904,7 +7620,7 @@
                         </a:spcBef>
                       </a:pPr>
                       <a:r>
-                        <a:rPr sz="900" spc="0" dirty="0">
+                        <a:rPr lang="ja-jp" sz="900" spc="0" dirty="0">
                           <a:solidFill>
                             <a:srgbClr val="020302"/>
                           </a:solidFill>
@@ -7914,59 +7630,7 @@
                           <a:latin typeface="AdobeClean-Light"/>
                           <a:cs typeface="AdobeClean-Light"/>
                         </a:rPr>
-                        <a:t>24x7 / </a:t>
-                      </a:r>
-                      <a:r>
-                        <a:rPr lang="en-US" sz="900" spc="0" dirty="0">
-                          <a:solidFill>
-                            <a:srgbClr val="020302"/>
-                          </a:solidFill>
-                          <a:highlight>
-                            <a:srgbClr val="FFFF00"/>
-                          </a:highlight>
-                          <a:latin typeface="AdobeClean-Light"/>
-                          <a:cs typeface="AdobeClean-Light"/>
-                        </a:rPr>
-                        <a:t>       </a:t>
-                      </a:r>
-                      <a:r>
-                        <a:rPr sz="900" spc="0" dirty="0">
-                          <a:solidFill>
-                            <a:srgbClr val="020302"/>
-                          </a:solidFill>
-                          <a:highlight>
-                            <a:srgbClr val="FFFF00"/>
-                          </a:highlight>
-                          <a:latin typeface="AdobeClean-Light"/>
-                          <a:cs typeface="AdobeClean-Light"/>
-                        </a:rPr>
-                        <a:t> 15</a:t>
-                      </a:r>
-                      <a:r>
-                        <a:rPr lang="en-US" sz="900" spc="0" dirty="0">
-                          <a:solidFill>
-                            <a:srgbClr val="020302"/>
-                          </a:solidFill>
-                          <a:highlight>
-                            <a:srgbClr val="FFFF00"/>
-                          </a:highlight>
-                          <a:latin typeface="AdobeClean-Light"/>
-                          <a:cs typeface="AdobeClean-Light"/>
-                        </a:rPr>
-                        <a:t> </a:t>
-                      </a:r>
-                      <a:r>
-                        <a:rPr sz="900" spc="0" dirty="0">
-                          <a:solidFill>
-                            <a:srgbClr val="020302"/>
-                          </a:solidFill>
-                          <a:highlight>
-                            <a:srgbClr val="FFFF00"/>
-                          </a:highlight>
-                          <a:latin typeface="AdobeClean-Light"/>
-                          <a:cs typeface="AdobeClean-Light"/>
-                        </a:rPr>
-                        <a:t>minutes</a:t>
+                        <a:t>全天候/15 分钟</a:t>
                       </a:r>
                       <a:endParaRPr sz="900" spc="0" dirty="0">
                         <a:highlight>
@@ -8025,14 +7689,14 @@
                         </a:spcBef>
                       </a:pPr>
                       <a:r>
-                        <a:rPr sz="900" b="1" spc="0" dirty="0">
+                        <a:rPr lang="ja-jp" sz="900" b="1" spc="0" dirty="0">
                           <a:solidFill>
                             <a:srgbClr val="020302"/>
                           </a:solidFill>
                           <a:latin typeface="Adobe Clean"/>
                           <a:cs typeface="Adobe Clean"/>
                         </a:rPr>
-                        <a:t>PRIORITY 2</a:t>
+                        <a:t>优先级 2</a:t>
                       </a:r>
                       <a:endParaRPr sz="900" spc="0" dirty="0">
                         <a:latin typeface="Adobe Clean"/>
@@ -8058,14 +7722,54 @@
                         <a:defRPr/>
                       </a:pPr>
                       <a:r>
-                        <a:rPr lang="en-US" sz="900" b="0" i="0" spc="0" dirty="0">
+                        <a:rPr lang="ja-jp" sz="900" b="0" i="0" spc="0" dirty="0">
                           <a:solidFill>
                             <a:srgbClr val="000000"/>
                           </a:solidFill>
                           <a:effectLst/>
                           <a:latin typeface="Adobe Clean Light" panose="020B0303020404020204" pitchFamily="34" charset="0"/>
                         </a:rPr>
-                        <a:t>Customer's business functions have major service degradation or potential data loss, or a major feature is impacted.  </a:t>
+                        <a:t>客户的企业功能发生重大服务降级或潜在数据</a:t>
+                      </a:r>
+                      <a:r>
+                        <a:rPr lang="ja-jp" sz="900" b="0" i="0" spc="0">
+                          <a:solidFill>
+                            <a:srgbClr val="000000"/>
+                          </a:solidFill>
+                          <a:effectLst/>
+                          <a:latin typeface="Adobe Clean Light" panose="020B0303020404020204" pitchFamily="34" charset="0"/>
+                        </a:rPr>
+                        <a:t>丢失</a:t>
+                      </a:r>
+                      <a:r>
+                        <a:rPr lang="ja-JP" altLang="en-US" sz="900" b="0" i="0" spc="0">
+                          <a:solidFill>
+                            <a:srgbClr val="000000"/>
+                          </a:solidFill>
+                          <a:effectLst/>
+                          <a:latin typeface="Adobe Clean Light" panose="020B0303020404020204" pitchFamily="34" charset="0"/>
+                        </a:rPr>
+                        <a:t>、</a:t>
+                      </a:r>
+                      <a:r>
+                        <a:rPr lang="ja-jp" sz="900" b="0" i="0" spc="0">
+                          <a:solidFill>
+                            <a:srgbClr val="000000"/>
+                          </a:solidFill>
+                          <a:effectLst/>
+                          <a:latin typeface="Adobe Clean Light" panose="020B0303020404020204" pitchFamily="34" charset="0"/>
+                        </a:rPr>
+                        <a:t>或</a:t>
+                      </a:r>
+                      <a:r>
+                        <a:rPr lang="ja-jp" sz="900" b="0" i="0" spc="0" dirty="0">
+                          <a:solidFill>
+                            <a:srgbClr val="000000"/>
+                          </a:solidFill>
+                          <a:effectLst/>
+                          <a:latin typeface="Adobe Clean Light" panose="020B0303020404020204" pitchFamily="34" charset="0"/>
+                        </a:rPr>
+                        <a:t>主要功能受到影响。</a:t>
                       </a:r>
                       <a:endParaRPr sz="900" b="0" i="0" spc="0" dirty="0">
                         <a:latin typeface="Adobe Clean Light" panose="020B0303020404020204" pitchFamily="34" charset="0"/>
@@ -8117,14 +7821,14 @@
                         </a:spcBef>
                       </a:pPr>
                       <a:r>
-                        <a:rPr lang="en-US" sz="900" spc="0" dirty="0">
+                        <a:rPr lang="ja-jp" sz="900" spc="0" dirty="0">
                           <a:solidFill>
                             <a:srgbClr val="020302"/>
                           </a:solidFill>
                           <a:latin typeface="AdobeClean-Light"/>
                           <a:cs typeface="AdobeClean-Light"/>
                         </a:rPr>
-                        <a:t>      24x7 /</a:t>
+                        <a:t>      全天候/</a:t>
                       </a:r>
                     </a:p>
                     <a:p>
@@ -8137,14 +7841,14 @@
                         </a:spcBef>
                       </a:pPr>
                       <a:r>
-                        <a:rPr lang="en-US" sz="900" spc="0" dirty="0">
+                        <a:rPr lang="ja-jp" sz="900" spc="0" dirty="0">
                           <a:solidFill>
                             <a:srgbClr val="020302"/>
                           </a:solidFill>
                           <a:latin typeface="AdobeClean-Light"/>
                           <a:cs typeface="AdobeClean-Light"/>
                         </a:rPr>
-                        <a:t>     1 hour</a:t>
+                        <a:t>     1 小时</a:t>
                       </a:r>
                       <a:endParaRPr lang="en-US" sz="900" spc="0" dirty="0">
                         <a:latin typeface="AdobeClean-Light"/>
@@ -8350,24 +8054,14 @@
                         </a:spcBef>
                       </a:pPr>
                       <a:r>
-                        <a:rPr sz="900" b="1" spc="0" dirty="0">
+                        <a:rPr lang="ja-jp" sz="900" b="1" spc="0" dirty="0">
                           <a:solidFill>
                             <a:srgbClr val="020302"/>
                           </a:solidFill>
                           <a:latin typeface="Adobe Clean"/>
                           <a:cs typeface="Adobe Clean"/>
                         </a:rPr>
-                        <a:t>PRIORITY</a:t>
-                      </a:r>
-                      <a:r>
-                        <a:rPr lang="en-US" sz="900" b="1" spc="0" dirty="0">
-                          <a:solidFill>
-                            <a:srgbClr val="020302"/>
-                          </a:solidFill>
-                          <a:latin typeface="Adobe Clean"/>
-                          <a:cs typeface="Adobe Clean"/>
-                        </a:rPr>
-                        <a:t> 3</a:t>
+                        <a:t>优先级 3</a:t>
                       </a:r>
                       <a:endParaRPr lang="en-US" sz="900" spc="0" dirty="0">
                         <a:latin typeface="Adobe Clean"/>
@@ -8393,7 +8087,7 @@
                         <a:defRPr/>
                       </a:pPr>
                       <a:r>
-                        <a:rPr kumimoji="0" lang="en-US" sz="900" b="0" i="0" u="none" strike="noStrike" kern="1200" cap="none" spc="0" normalizeH="0" baseline="0" noProof="0" dirty="0">
+                        <a:rPr kumimoji="0" lang="ja-jp" sz="900" b="0" i="0" u="none" strike="noStrike" kern="1200" cap="none" spc="0" normalizeH="0" baseline="0" noProof="0" dirty="0">
                           <a:ln>
                             <a:noFill/>
                           </a:ln>
@@ -8407,7 +8101,75 @@
                           <a:ea typeface="+mn-ea"/>
                           <a:cs typeface="+mn-cs"/>
                         </a:rPr>
-                        <a:t>Customer's business functions have minor service degradation but there exists a solution/workaround allowing business functions to continue normally. </a:t>
+                        <a:t>客户的企业功能发生轻微的服务</a:t>
+                      </a:r>
+                      <a:r>
+                        <a:rPr kumimoji="0" lang="ja-jp" sz="900" b="0" i="0" u="none" strike="noStrike" kern="1200" cap="none" spc="0" normalizeH="0" baseline="0" noProof="0">
+                          <a:ln>
+                            <a:noFill/>
+                          </a:ln>
+                          <a:solidFill>
+                            <a:srgbClr val="000000"/>
+                          </a:solidFill>
+                          <a:effectLst/>
+                          <a:uLnTx/>
+                          <a:uFillTx/>
+                          <a:latin typeface="Adobe Clean Light" panose="020B0303020404020204" pitchFamily="34" charset="0"/>
+                          <a:ea typeface="+mn-ea"/>
+                          <a:cs typeface="+mn-cs"/>
+                        </a:rPr>
+                        <a:t>降级</a:t>
+                      </a:r>
+                      <a:r>
+                        <a:rPr kumimoji="0" lang="ja-JP" altLang="en-US" sz="900" b="0" i="0" u="none" strike="noStrike" kern="1200" cap="none" spc="0" normalizeH="0" baseline="0" noProof="0">
+                          <a:ln>
+                            <a:noFill/>
+                          </a:ln>
+                          <a:solidFill>
+                            <a:srgbClr val="000000"/>
+                          </a:solidFill>
+                          <a:effectLst/>
+                          <a:uLnTx/>
+                          <a:uFillTx/>
+                          <a:latin typeface="Adobe Clean Light" panose="020B0303020404020204" pitchFamily="34" charset="0"/>
+                          <a:ea typeface="+mn-ea"/>
+                          <a:cs typeface="+mn-cs"/>
+                        </a:rPr>
+                        <a:t>、</a:t>
+                      </a:r>
+                      <a:r>
+                        <a:rPr kumimoji="0" lang="ja-jp" sz="900" b="0" i="0" u="none" strike="noStrike" kern="1200" cap="none" spc="0" normalizeH="0" baseline="0" noProof="0">
+                          <a:ln>
+                            <a:noFill/>
+                          </a:ln>
+                          <a:solidFill>
+                            <a:srgbClr val="000000"/>
+                          </a:solidFill>
+                          <a:effectLst/>
+                          <a:uLnTx/>
+                          <a:uFillTx/>
+                          <a:latin typeface="Adobe Clean Light" panose="020B0303020404020204" pitchFamily="34" charset="0"/>
+                          <a:ea typeface="+mn-ea"/>
+                          <a:cs typeface="+mn-cs"/>
+                        </a:rPr>
+                        <a:t>但</a:t>
+                      </a:r>
+                      <a:r>
+                        <a:rPr kumimoji="0" lang="ja-jp" sz="900" b="0" i="0" u="none" strike="noStrike" kern="1200" cap="none" spc="0" normalizeH="0" baseline="0" noProof="0" dirty="0">
+                          <a:ln>
+                            <a:noFill/>
+                          </a:ln>
+                          <a:solidFill>
+                            <a:srgbClr val="000000"/>
+                          </a:solidFill>
+                          <a:effectLst/>
+                          <a:uLnTx/>
+                          <a:uFillTx/>
+                          <a:latin typeface="Adobe Clean Light" panose="020B0303020404020204" pitchFamily="34" charset="0"/>
+                          <a:ea typeface="+mn-ea"/>
+                          <a:cs typeface="+mn-cs"/>
+                        </a:rPr>
+                        <a:t>拥有可让企业功能继续有效的解决方案/解决方法。</a:t>
                       </a:r>
                       <a:endParaRPr lang="en-US" sz="900" b="0" i="0" spc="0" dirty="0">
                         <a:latin typeface="Adobe Clean Light" panose="020B0303020404020204" pitchFamily="34" charset="0"/>
@@ -8462,14 +8224,14 @@
                         </a:tabLst>
                       </a:pPr>
                       <a:r>
-                        <a:rPr lang="en-US" sz="900" spc="0" dirty="0">
+                        <a:rPr lang="ja-jp" sz="900" spc="0" dirty="0">
                           <a:solidFill>
                             <a:srgbClr val="020302"/>
                           </a:solidFill>
                           <a:latin typeface="AdobeClean-Light"/>
                           <a:cs typeface="AdobeClean-Light"/>
                         </a:rPr>
-                        <a:t>Business day /   </a:t>
+                        <a:t>工作日/   </a:t>
                       </a:r>
                     </a:p>
                     <a:p>
@@ -8482,14 +8244,14 @@
                         </a:spcBef>
                       </a:pPr>
                       <a:r>
-                        <a:rPr lang="en-US" sz="900" spc="0" dirty="0">
+                        <a:rPr lang="ja-jp" sz="900" spc="0" dirty="0">
                           <a:solidFill>
                             <a:srgbClr val="020302"/>
                           </a:solidFill>
                           <a:latin typeface="AdobeClean-Light"/>
                           <a:cs typeface="AdobeClean-Light"/>
                         </a:rPr>
-                        <a:t>4 hours</a:t>
+                        <a:t>4 小时</a:t>
                       </a:r>
                       <a:endParaRPr lang="en-US" sz="900" spc="0" dirty="0">
                         <a:latin typeface="AdobeClean-Light"/>
@@ -8695,14 +8457,14 @@
                         </a:spcBef>
                       </a:pPr>
                       <a:r>
-                        <a:rPr sz="900" b="1" spc="0" dirty="0">
+                        <a:rPr lang="ja-jp" sz="900" b="1" spc="0" dirty="0">
                           <a:solidFill>
                             <a:srgbClr val="020302"/>
                           </a:solidFill>
                           <a:latin typeface="Adobe Clean"/>
                           <a:cs typeface="Adobe Clean"/>
                         </a:rPr>
-                        <a:t>PRIORITY 4</a:t>
+                        <a:t>优先级 4</a:t>
                       </a:r>
                       <a:endParaRPr sz="900" spc="0" dirty="0">
                         <a:latin typeface="Adobe Clean"/>
@@ -8728,14 +8490,14 @@
                         <a:defRPr/>
                       </a:pPr>
                       <a:r>
-                        <a:rPr lang="en-US" sz="900" b="0" i="0" spc="0" dirty="0">
+                        <a:rPr lang="ja-jp" sz="900" b="0" i="0" spc="0" dirty="0">
                           <a:solidFill>
                             <a:srgbClr val="000000"/>
                           </a:solidFill>
                           <a:effectLst/>
                           <a:latin typeface="Adobe Clean Light" panose="020B0303020404020204" pitchFamily="34" charset="0"/>
                         </a:rPr>
-                        <a:t>General question regarding current product functionality or an enhancement request.</a:t>
+                        <a:t>有关当前产品功能或增强请求的常见问题。</a:t>
                       </a:r>
                       <a:endParaRPr sz="900" b="0" i="0" spc="0" dirty="0">
                         <a:latin typeface="Adobe Clean Light" panose="020B0303020404020204" pitchFamily="34" charset="0"/>
@@ -8790,14 +8552,14 @@
                         </a:tabLst>
                       </a:pPr>
                       <a:r>
-                        <a:rPr lang="en-US" sz="900" spc="0" dirty="0">
+                        <a:rPr lang="ja-jp" sz="900" spc="0" dirty="0">
                           <a:solidFill>
                             <a:srgbClr val="020302"/>
                           </a:solidFill>
                           <a:latin typeface="AdobeClean-Light"/>
                           <a:cs typeface="AdobeClean-Light"/>
                         </a:rPr>
-                        <a:t>  Business day /   </a:t>
+                        <a:t>  工作日/   </a:t>
                       </a:r>
                     </a:p>
                     <a:p>
@@ -8810,14 +8572,14 @@
                         </a:spcBef>
                       </a:pPr>
                       <a:r>
-                        <a:rPr lang="en-US" sz="900" spc="0" dirty="0">
+                        <a:rPr lang="ja-jp" sz="900" spc="0" dirty="0">
                           <a:solidFill>
                             <a:srgbClr val="020302"/>
                           </a:solidFill>
                           <a:latin typeface="AdobeClean-Light"/>
                           <a:cs typeface="AdobeClean-Light"/>
                         </a:rPr>
-                        <a:t>1 day </a:t>
+                        <a:t>1 天</a:t>
                       </a:r>
                       <a:endParaRPr lang="en-US" sz="900" spc="0" dirty="0">
                         <a:latin typeface="AdobeClean-Light"/>
@@ -9100,14 +8862,14 @@
               </a:spcBef>
             </a:pPr>
             <a:r>
-              <a:rPr lang="en-US" sz="1400" b="1" spc="-10" dirty="0">
+              <a:rPr lang="ja-jp" sz="1400" b="1" spc="-10" dirty="0">
                 <a:solidFill>
                   <a:srgbClr val="020302"/>
                 </a:solidFill>
                 <a:latin typeface="Adobe Clean"/>
                 <a:cs typeface="Adobe Clean"/>
               </a:rPr>
-              <a:t>Enterprise Support Features</a:t>
+              <a:t>企业支持功能</a:t>
             </a:r>
             <a:endParaRPr lang="en-US" sz="1400" dirty="0">
               <a:latin typeface="Adobe Clean"/>
@@ -9152,144 +8914,44 @@
               </a:spcBef>
             </a:pPr>
             <a:r>
-              <a:rPr sz="1200" b="1" spc="-20" dirty="0">
+              <a:rPr lang="ja-jp" sz="1200" b="1" spc="-20" dirty="0">
                 <a:solidFill>
                   <a:srgbClr val="020302"/>
                 </a:solidFill>
                 <a:latin typeface="Adobe Clean"/>
                 <a:cs typeface="Adobe Clean"/>
               </a:rPr>
-              <a:t>S</a:t>
-            </a:r>
-            <a:r>
-              <a:rPr sz="1200" b="1" spc="-25" dirty="0">
+              <a:t>服</a:t>
+            </a:r>
+            <a:r>
+              <a:rPr lang="ja-jp" sz="1200" b="1" spc="-25" dirty="0">
                 <a:solidFill>
                   <a:srgbClr val="020302"/>
                 </a:solidFill>
                 <a:latin typeface="Adobe Clean"/>
                 <a:cs typeface="Adobe Clean"/>
               </a:rPr>
-              <a:t>e</a:t>
-            </a:r>
-            <a:r>
-              <a:rPr sz="1200" b="1" spc="-20" dirty="0">
+              <a:t>务</a:t>
+            </a:r>
+            <a:r>
+              <a:rPr lang="ja-jp" sz="1200" b="1" spc="-20" dirty="0">
                 <a:solidFill>
                   <a:srgbClr val="020302"/>
                 </a:solidFill>
                 <a:latin typeface="Adobe Clean"/>
                 <a:cs typeface="Adobe Clean"/>
               </a:rPr>
-              <a:t>r</a:t>
-            </a:r>
-            <a:r>
-              <a:rPr sz="1200" b="1" spc="-25" dirty="0">
+              <a:t>审</a:t>
+            </a:r>
+            <a:r>
+              <a:rPr lang="ja-jp" sz="1200" b="1" spc="-25" dirty="0">
                 <a:solidFill>
                   <a:srgbClr val="020302"/>
                 </a:solidFill>
                 <a:latin typeface="Adobe Clean"/>
                 <a:cs typeface="Adobe Clean"/>
               </a:rPr>
-              <a:t>v</a:t>
-            </a:r>
-            <a:r>
-              <a:rPr sz="1200" b="1" spc="-20" dirty="0">
-                <a:solidFill>
-                  <a:srgbClr val="020302"/>
-                </a:solidFill>
-                <a:latin typeface="Adobe Clean"/>
-                <a:cs typeface="Adobe Clean"/>
-              </a:rPr>
-              <a:t>i</a:t>
-            </a:r>
-            <a:r>
-              <a:rPr sz="1200" b="1" spc="-30" dirty="0">
-                <a:solidFill>
-                  <a:srgbClr val="020302"/>
-                </a:solidFill>
-                <a:latin typeface="Adobe Clean"/>
-                <a:cs typeface="Adobe Clean"/>
-              </a:rPr>
-              <a:t>c</a:t>
-            </a:r>
-            <a:r>
-              <a:rPr sz="1200" b="1" dirty="0">
-                <a:solidFill>
-                  <a:srgbClr val="020302"/>
-                </a:solidFill>
-                <a:latin typeface="Adobe Clean"/>
-                <a:cs typeface="Adobe Clean"/>
-              </a:rPr>
-              <a:t>e</a:t>
-            </a:r>
-            <a:r>
-              <a:rPr sz="1200" b="1" spc="-80" dirty="0">
-                <a:solidFill>
-                  <a:srgbClr val="020302"/>
-                </a:solidFill>
-                <a:latin typeface="Adobe Clean"/>
-                <a:cs typeface="Adobe Clean"/>
-              </a:rPr>
-              <a:t> </a:t>
-            </a:r>
-            <a:r>
-              <a:rPr sz="1200" b="1" spc="-20" dirty="0">
-                <a:solidFill>
-                  <a:srgbClr val="020302"/>
-                </a:solidFill>
-                <a:latin typeface="Adobe Clean"/>
-                <a:cs typeface="Adobe Clean"/>
-              </a:rPr>
-              <a:t>R</a:t>
-            </a:r>
-            <a:r>
-              <a:rPr sz="1200" b="1" spc="-25" dirty="0">
-                <a:solidFill>
-                  <a:srgbClr val="020302"/>
-                </a:solidFill>
-                <a:latin typeface="Adobe Clean"/>
-                <a:cs typeface="Adobe Clean"/>
-              </a:rPr>
-              <a:t>e</a:t>
-            </a:r>
-            <a:r>
-              <a:rPr sz="1200" b="1" spc="-30" dirty="0">
-                <a:solidFill>
-                  <a:srgbClr val="020302"/>
-                </a:solidFill>
-                <a:latin typeface="Adobe Clean"/>
-                <a:cs typeface="Adobe Clean"/>
-              </a:rPr>
-              <a:t>v</a:t>
-            </a:r>
-            <a:r>
-              <a:rPr sz="1200" b="1" spc="-20" dirty="0">
-                <a:solidFill>
-                  <a:srgbClr val="020302"/>
-                </a:solidFill>
-                <a:latin typeface="Adobe Clean"/>
-                <a:cs typeface="Adobe Clean"/>
-              </a:rPr>
-              <a:t>i</a:t>
-            </a:r>
-            <a:r>
-              <a:rPr sz="1200" b="1" spc="-25" dirty="0">
-                <a:solidFill>
-                  <a:srgbClr val="020302"/>
-                </a:solidFill>
-                <a:latin typeface="Adobe Clean"/>
-                <a:cs typeface="Adobe Clean"/>
-              </a:rPr>
-              <a:t>ew</a:t>
-            </a:r>
-            <a:r>
-              <a:rPr sz="1200" b="1" dirty="0">
-                <a:solidFill>
-                  <a:srgbClr val="020302"/>
-                </a:solidFill>
-                <a:latin typeface="Adobe Clean"/>
-                <a:cs typeface="Adobe Clean"/>
-              </a:rPr>
-              <a:t>s</a:t>
+              <a:t>查</a:t>
             </a:r>
             <a:endParaRPr sz="1200" dirty="0">
               <a:latin typeface="Adobe Clean"/>
@@ -9334,10 +8996,10 @@
               </a:spcBef>
             </a:pPr>
             <a:r>
-              <a:rPr lang="en-US" sz="1000" dirty="0">
+              <a:rPr lang="ja-jp" sz="1000" dirty="0">
                 <a:latin typeface="Adobe Clean Light" panose="020B0303020404020204" pitchFamily="34" charset="0"/>
               </a:rPr>
-              <a:t>Comprehensive bi-annual review of Enterprise program services, benefits and support performance. May be combined with other strategic business reviews held with Adobe.</a:t>
+              <a:t>对企业计划服务、权益和支持表现进行一年两次的全面审查。可能与 Adobe 举办的其他战略性业务审查相结合。</a:t>
             </a:r>
             <a:endParaRPr lang="en-US" sz="1000" dirty="0">
               <a:latin typeface="Adobe Clean Light" panose="020B0303020404020204" pitchFamily="34" charset="0"/>
@@ -9382,94 +9044,44 @@
               </a:spcBef>
             </a:pPr>
             <a:r>
-              <a:rPr lang="en-US" sz="1200" b="1" spc="-20" dirty="0">
+              <a:rPr lang="ja-jp" sz="1200" b="1" spc="-20" dirty="0">
                 <a:solidFill>
                   <a:srgbClr val="020302"/>
                 </a:solidFill>
                 <a:latin typeface="Adobe Clean"/>
                 <a:cs typeface="Adobe Clean"/>
               </a:rPr>
-              <a:t>Cas</a:t>
-            </a:r>
-            <a:r>
-              <a:rPr sz="1200" b="1" dirty="0">
+              <a:t>案</a:t>
+            </a:r>
+            <a:r>
+              <a:rPr lang="ja-jp" sz="1200" b="1" dirty="0">
                 <a:solidFill>
                   <a:srgbClr val="020302"/>
                 </a:solidFill>
                 <a:latin typeface="Adobe Clean"/>
                 <a:cs typeface="Adobe Clean"/>
               </a:rPr>
-              <a:t>e</a:t>
-            </a:r>
-            <a:r>
-              <a:rPr sz="1200" b="1" spc="-80" dirty="0">
+              <a:t>例</a:t>
+            </a:r>
+            <a:r>
+              <a:rPr lang="ja-jp" sz="1200" b="1" spc="-20" dirty="0">
                 <a:solidFill>
                   <a:srgbClr val="020302"/>
                 </a:solidFill>
                 <a:latin typeface="Adobe Clean"/>
                 <a:cs typeface="Adobe Clean"/>
               </a:rPr>
-              <a:t> </a:t>
-            </a:r>
-            <a:r>
-              <a:rPr sz="1200" b="1" spc="-20" dirty="0">
+              <a:t>审</a:t>
+            </a:r>
+            <a:r>
+              <a:rPr lang="ja-jp" sz="1200" b="1" spc="-25" dirty="0">
                 <a:solidFill>
                   <a:srgbClr val="020302"/>
                 </a:solidFill>
                 <a:latin typeface="Adobe Clean"/>
                 <a:cs typeface="Adobe Clean"/>
               </a:rPr>
-              <a:t>R</a:t>
-            </a:r>
-            <a:r>
-              <a:rPr sz="1200" b="1" spc="-25" dirty="0">
-                <a:solidFill>
-                  <a:srgbClr val="020302"/>
-                </a:solidFill>
-                <a:latin typeface="Adobe Clean"/>
-                <a:cs typeface="Adobe Clean"/>
-              </a:rPr>
-              <a:t>e</a:t>
-            </a:r>
-            <a:r>
-              <a:rPr sz="1200" b="1" spc="-30" dirty="0">
-                <a:solidFill>
-                  <a:srgbClr val="020302"/>
-                </a:solidFill>
-                <a:latin typeface="Adobe Clean"/>
-                <a:cs typeface="Adobe Clean"/>
-              </a:rPr>
-              <a:t>v</a:t>
-            </a:r>
-            <a:r>
-              <a:rPr sz="1200" b="1" spc="-20" dirty="0">
-                <a:solidFill>
-                  <a:srgbClr val="020302"/>
-                </a:solidFill>
-                <a:latin typeface="Adobe Clean"/>
-                <a:cs typeface="Adobe Clean"/>
-              </a:rPr>
-              <a:t>i</a:t>
-            </a:r>
-            <a:r>
-              <a:rPr sz="1200" b="1" spc="-25" dirty="0">
-                <a:solidFill>
-                  <a:srgbClr val="020302"/>
-                </a:solidFill>
-                <a:latin typeface="Adobe Clean"/>
-                <a:cs typeface="Adobe Clean"/>
-              </a:rPr>
-              <a:t>ew</a:t>
-            </a:r>
-            <a:r>
-              <a:rPr sz="1200" b="1" dirty="0">
-                <a:solidFill>
-                  <a:srgbClr val="020302"/>
-                </a:solidFill>
-                <a:latin typeface="Adobe Clean"/>
-                <a:cs typeface="Adobe Clean"/>
-              </a:rPr>
-              <a:t>s</a:t>
+              <a:t>查</a:t>
             </a:r>
             <a:endParaRPr sz="1200" dirty="0">
               <a:latin typeface="Adobe Clean"/>
@@ -9493,7 +9105,7 @@
         <p:spPr>
           <a:xfrm>
             <a:off x="5356260" y="3033091"/>
-            <a:ext cx="2231236" cy="782265"/>
+            <a:ext cx="2231236" cy="474489"/>
           </a:xfrm>
           <a:prstGeom prst="rect">
             <a:avLst/>
@@ -9514,21 +9126,45 @@
               </a:spcBef>
             </a:pPr>
             <a:r>
-              <a:rPr lang="en-US" sz="1000" dirty="0">
+              <a:rPr lang="ja-jp" sz="1000" spc="-20" dirty="0">
                 <a:latin typeface="Adobe Clean Light" panose="020B0303020404020204" pitchFamily="34" charset="0"/>
               </a:rPr>
-              <a:t>Regularly scheduled reviews of open support requests, ensuring customer alignment on case description, business impact, status, priority and agreement on next steps required to ensure a timely resolution</a:t>
-            </a:r>
-            <a:r>
-              <a:rPr lang="en-US" sz="1000" dirty="0">
+              <a:t>定期审查开放支持</a:t>
+            </a:r>
+            <a:r>
+              <a:rPr lang="ja-jp" sz="1000" spc="-20">
+                <a:latin typeface="Adobe Clean Light" panose="020B0303020404020204" pitchFamily="34" charset="0"/>
+              </a:rPr>
+              <a:t>请求</a:t>
+            </a:r>
+            <a:r>
+              <a:rPr lang="ja-JP" altLang="en-US" sz="1000" spc="-20">
+                <a:latin typeface="Adobe Clean Light" panose="020B0303020404020204" pitchFamily="34" charset="0"/>
+              </a:rPr>
+              <a:t>、</a:t>
+            </a:r>
+            <a:r>
+              <a:rPr lang="ja-jp" sz="1000" spc="-20">
+                <a:latin typeface="Adobe Clean Light" panose="020B0303020404020204" pitchFamily="34" charset="0"/>
+              </a:rPr>
+              <a:t>确</a:t>
+            </a:r>
+            <a:r>
+              <a:rPr lang="ja-jp" sz="1000" spc="-20" dirty="0">
+                <a:latin typeface="Adobe Clean Light" panose="020B0303020404020204" pitchFamily="34" charset="0"/>
+              </a:rPr>
+              <a:t>保客户在案例描述、业务影响、状态、优先级以及确保及时解决所需的后续步骤方面达成一致</a:t>
+            </a:r>
+            <a:r>
+              <a:rPr lang="ja-jp" sz="1000" spc="-20" dirty="0">
                 <a:solidFill>
                   <a:srgbClr val="4B4B4B"/>
                 </a:solidFill>
                 <a:latin typeface="Adobe Clean Light" panose="020B0303020404020204" pitchFamily="34" charset="0"/>
               </a:rPr>
-              <a:t>.</a:t>
-            </a:r>
-            <a:endParaRPr sz="1000" dirty="0">
+              <a:t>。</a:t>
+            </a:r>
+            <a:endParaRPr sz="1000" spc="-20" dirty="0">
               <a:latin typeface="Adobe Clean Light" panose="020B0303020404020204" pitchFamily="34" charset="0"/>
               <a:cs typeface="AdobeClean-Light"/>
             </a:endParaRPr>
@@ -9746,14 +9382,14 @@
               </a:spcBef>
             </a:pPr>
             <a:r>
-              <a:rPr lang="en-US" sz="1400" b="1" spc="-10" dirty="0">
+              <a:rPr lang="ja-jp" sz="1400" b="1" spc="-10" dirty="0">
                 <a:solidFill>
                   <a:srgbClr val="020302"/>
                 </a:solidFill>
                 <a:latin typeface="Adobe Clean"/>
                 <a:cs typeface="Adobe Clean"/>
               </a:rPr>
-              <a:t>Standard Support Features</a:t>
+              <a:t>标准支持功能</a:t>
             </a:r>
             <a:endParaRPr lang="en-US" sz="1400" dirty="0">
               <a:latin typeface="Adobe Clean"/>
@@ -9943,14 +9579,14 @@
               </a:spcBef>
             </a:pPr>
             <a:r>
-              <a:rPr lang="en-US" sz="1200" b="1" spc="-20">
+              <a:rPr lang="ja-jp" sz="1200" b="1" spc="-20">
                 <a:solidFill>
                   <a:srgbClr val="020302"/>
                 </a:solidFill>
                 <a:latin typeface="Adobe Clean"/>
                 <a:cs typeface="Adobe Clean"/>
               </a:rPr>
-              <a:t>In-Region Support Option</a:t>
+              <a:t>区域内支持选项</a:t>
             </a:r>
             <a:endParaRPr lang="en-US" sz="1200">
               <a:latin typeface="Adobe Clean"/>
@@ -9994,10 +9630,10 @@
               </a:spcBef>
             </a:pPr>
             <a:r>
-              <a:rPr lang="en-US" sz="1000" dirty="0">
+              <a:rPr lang="ja-jp" sz="1000" dirty="0">
                 <a:latin typeface="Adobe Clean Light" panose="020B0303020404020204" pitchFamily="34" charset="0"/>
               </a:rPr>
-              <a:t>Receive support from members of our Adobe Support Team located within your global region. This may include in-country and/or in-language support. </a:t>
+              <a:t>从您所在的全球区域内 Adobe 支持团队成员处获得支持。这可能包括国内和/或语言支持。</a:t>
             </a:r>
           </a:p>
         </p:txBody>
@@ -10095,12 +9731,12 @@
               </a:spcAft>
             </a:pPr>
             <a:r>
-              <a:rPr lang="en-US" sz="1200" b="1" dirty="0">
+              <a:rPr lang="ja-jp" sz="1200" b="1" dirty="0">
                 <a:latin typeface="Adobe Clean" panose="020B0503020404020204" pitchFamily="34" charset="0"/>
                 <a:ea typeface="Open Sans" pitchFamily="34" charset="0"/>
                 <a:cs typeface="Open Sans" pitchFamily="34" charset="0"/>
               </a:rPr>
-              <a:t>Community Forums</a:t>
+              <a:t>社区论坛</a:t>
             </a:r>
           </a:p>
         </p:txBody>
@@ -10120,7 +9756,7 @@
         <p:spPr>
           <a:xfrm>
             <a:off x="405282" y="7089855"/>
-            <a:ext cx="2148840" cy="959237"/>
+            <a:ext cx="2148840" cy="651460"/>
           </a:xfrm>
           <a:prstGeom prst="rect">
             <a:avLst/>
@@ -10133,13 +9769,49 @@
           <a:lstStyle/>
           <a:p>
             <a:r>
-              <a:rPr lang="en-US" sz="1000" dirty="0">
+              <a:rPr lang="ja-jp" sz="1000" dirty="0">
                 <a:solidFill>
                   <a:srgbClr val="000000"/>
                 </a:solidFill>
                 <a:latin typeface="Adobe Clean Light" panose="020B0303020404020204" pitchFamily="34" charset="0"/>
               </a:rPr>
-              <a:t>Continuous online access to a growing database of technical solutions, product documentation, FAQs and more. Connect with other customers on Adobe Community to share best practices and lessons learned..</a:t>
+              <a:t>持续在线访问包括技术解决方案、产品文档、常见问题解答等的不断增长的数据库。在 Adobe 社区与其他客户</a:t>
+            </a:r>
+            <a:r>
+              <a:rPr lang="ja-jp" sz="1000">
+                <a:solidFill>
+                  <a:srgbClr val="000000"/>
+                </a:solidFill>
+                <a:latin typeface="Adobe Clean Light" panose="020B0303020404020204" pitchFamily="34" charset="0"/>
+              </a:rPr>
+              <a:t>联系</a:t>
+            </a:r>
+            <a:r>
+              <a:rPr lang="ja-JP" altLang="en-US" sz="1000">
+                <a:solidFill>
+                  <a:srgbClr val="000000"/>
+                </a:solidFill>
+                <a:latin typeface="Adobe Clean Light" panose="020B0303020404020204" pitchFamily="34" charset="0"/>
+              </a:rPr>
+              <a:t>、</a:t>
+            </a:r>
+            <a:r>
+              <a:rPr lang="ja-jp" sz="1000">
+                <a:solidFill>
+                  <a:srgbClr val="000000"/>
+                </a:solidFill>
+                <a:latin typeface="Adobe Clean Light" panose="020B0303020404020204" pitchFamily="34" charset="0"/>
+              </a:rPr>
+              <a:t>共</a:t>
+            </a:r>
+            <a:r>
+              <a:rPr lang="ja-jp" sz="1000" dirty="0">
+                <a:solidFill>
+                  <a:srgbClr val="000000"/>
+                </a:solidFill>
+                <a:latin typeface="Adobe Clean Light" panose="020B0303020404020204" pitchFamily="34" charset="0"/>
+              </a:rPr>
+              <a:t>享最佳实践和经验教训...</a:t>
             </a:r>
           </a:p>
         </p:txBody>
@@ -10182,12 +9854,12 @@
               </a:spcAft>
             </a:pPr>
             <a:r>
-              <a:rPr lang="en-US" sz="1200" b="1" dirty="0">
+              <a:rPr lang="ja-jp" sz="1200" b="1" dirty="0">
                 <a:latin typeface="Adobe Clean" panose="020B0503020404020204" pitchFamily="34" charset="0"/>
                 <a:ea typeface="Open Sans" pitchFamily="34" charset="0"/>
                 <a:cs typeface="Open Sans" pitchFamily="34" charset="0"/>
               </a:rPr>
-              <a:t>Self-Help Portal</a:t>
+              <a:t>自助门户</a:t>
             </a:r>
           </a:p>
         </p:txBody>
@@ -10207,7 +9879,7 @@
         <p:spPr>
           <a:xfrm>
             <a:off x="2894025" y="7079726"/>
-            <a:ext cx="2148840" cy="805349"/>
+            <a:ext cx="2148840" cy="497572"/>
           </a:xfrm>
           <a:prstGeom prst="rect">
             <a:avLst/>
@@ -10220,13 +9892,85 @@
           <a:lstStyle/>
           <a:p>
             <a:r>
-              <a:rPr lang="en-US" sz="1000" dirty="0">
+              <a:rPr lang="ja-jp" sz="1000" dirty="0">
                 <a:solidFill>
                   <a:srgbClr val="000000"/>
                 </a:solidFill>
                 <a:latin typeface="Adobe Clean Light" panose="020B0303020404020204" pitchFamily="34" charset="0"/>
               </a:rPr>
-              <a:t>On-demand access to the online Self-help Support Portal review case status, and browse other resources, like our  news and alerts, knowledge base, featured tips, and more.</a:t>
+              <a:t>按需访问在线自助支持</a:t>
+            </a:r>
+            <a:r>
+              <a:rPr lang="ja-jp" sz="1000">
+                <a:solidFill>
+                  <a:srgbClr val="000000"/>
+                </a:solidFill>
+                <a:latin typeface="Adobe Clean Light" panose="020B0303020404020204" pitchFamily="34" charset="0"/>
+              </a:rPr>
+              <a:t>门户</a:t>
+            </a:r>
+            <a:r>
+              <a:rPr lang="ja-JP" altLang="en-US" sz="1000">
+                <a:solidFill>
+                  <a:srgbClr val="000000"/>
+                </a:solidFill>
+                <a:latin typeface="Adobe Clean Light" panose="020B0303020404020204" pitchFamily="34" charset="0"/>
+              </a:rPr>
+              <a:t>、</a:t>
+            </a:r>
+            <a:r>
+              <a:rPr lang="ja-jp" sz="1000">
+                <a:solidFill>
+                  <a:srgbClr val="000000"/>
+                </a:solidFill>
+                <a:latin typeface="Adobe Clean Light" panose="020B0303020404020204" pitchFamily="34" charset="0"/>
+              </a:rPr>
+              <a:t>查</a:t>
+            </a:r>
+            <a:r>
+              <a:rPr lang="ja-jp" sz="1000" dirty="0">
+                <a:solidFill>
+                  <a:srgbClr val="000000"/>
+                </a:solidFill>
+                <a:latin typeface="Adobe Clean Light" panose="020B0303020404020204" pitchFamily="34" charset="0"/>
+              </a:rPr>
+              <a:t>看案例状态并浏览其他</a:t>
+            </a:r>
+            <a:r>
+              <a:rPr lang="ja-jp" sz="1000">
+                <a:solidFill>
+                  <a:srgbClr val="000000"/>
+                </a:solidFill>
+                <a:latin typeface="Adobe Clean Light" panose="020B0303020404020204" pitchFamily="34" charset="0"/>
+              </a:rPr>
+              <a:t>资源</a:t>
+            </a:r>
+            <a:r>
+              <a:rPr lang="ja-JP" altLang="en-US" sz="1000">
+                <a:solidFill>
+                  <a:srgbClr val="000000"/>
+                </a:solidFill>
+                <a:latin typeface="Adobe Clean Light" panose="020B0303020404020204" pitchFamily="34" charset="0"/>
+              </a:rPr>
+              <a:t>、</a:t>
+            </a:r>
+            <a:r>
+              <a:rPr lang="ja-jp" sz="1000">
+                <a:solidFill>
+                  <a:srgbClr val="000000"/>
+                </a:solidFill>
+                <a:latin typeface="Adobe Clean Light" panose="020B0303020404020204" pitchFamily="34" charset="0"/>
+              </a:rPr>
+              <a:t>例</a:t>
+            </a:r>
+            <a:r>
+              <a:rPr lang="ja-jp" sz="1000" dirty="0">
+                <a:solidFill>
+                  <a:srgbClr val="000000"/>
+                </a:solidFill>
+                <a:latin typeface="Adobe Clean Light" panose="020B0303020404020204" pitchFamily="34" charset="0"/>
+              </a:rPr>
+              <a:t>如我们的新闻和通知、知识库、特定提示等。</a:t>
             </a:r>
           </a:p>
         </p:txBody>
@@ -10270,104 +10014,84 @@
               </a:tabLst>
             </a:pPr>
             <a:r>
-              <a:rPr lang="en-US" sz="1000" spc="-20" dirty="0">
+              <a:rPr lang="ja-jp" sz="1000" spc="-20" dirty="0">
                 <a:solidFill>
                   <a:srgbClr val="020302"/>
                 </a:solidFill>
                 <a:latin typeface="AdobeClean-Light"/>
                 <a:cs typeface="AdobeClean-Light"/>
               </a:rPr>
-              <a:t>Authorized Users (Admins) can start a chat session with Adobe Support </a:t>
-            </a:r>
-            <a:r>
-              <a:rPr lang="en-US" sz="1000" spc="-5" dirty="0">
+              <a:t>授权用户（管理员）可以通过 Adobe 支持启动聊天会话</a:t>
+            </a:r>
+            <a:r>
+              <a:rPr lang="ja-jp" sz="1000" spc="-5" dirty="0">
                 <a:solidFill>
                   <a:srgbClr val="020302"/>
                 </a:solidFill>
                 <a:latin typeface="AdobeClean-Light"/>
                 <a:cs typeface="AdobeClean-Light"/>
               </a:rPr>
-              <a:t>to </a:t>
-            </a:r>
-            <a:r>
-              <a:rPr lang="en-US" sz="1000" spc="-10" dirty="0">
+              <a:t>以</a:t>
+            </a:r>
+            <a:r>
+              <a:rPr lang="ja-jp" sz="1000" spc="-10" dirty="0">
                 <a:solidFill>
                   <a:srgbClr val="020302"/>
                 </a:solidFill>
                 <a:latin typeface="AdobeClean-Light"/>
                 <a:cs typeface="AdobeClean-Light"/>
               </a:rPr>
-              <a:t>get </a:t>
-            </a:r>
-            <a:r>
-              <a:rPr lang="en-US" sz="1000" spc="-20" dirty="0">
+              <a:t>获取</a:t>
+            </a:r>
+            <a:r>
+              <a:rPr lang="ja-jp" sz="1000" spc="-20" dirty="0">
                 <a:solidFill>
                   <a:srgbClr val="020302"/>
                 </a:solidFill>
                 <a:latin typeface="AdobeClean-Light"/>
                 <a:cs typeface="AdobeClean-Light"/>
               </a:rPr>
-              <a:t>answers</a:t>
-            </a:r>
-            <a:r>
-              <a:rPr lang="en-US" sz="1000" spc="-45" dirty="0">
+              <a:t>答案</a:t>
+            </a:r>
+            <a:r>
+              <a:rPr lang="ja-jp" sz="1000" spc="-45" dirty="0">
                 <a:solidFill>
                   <a:srgbClr val="020302"/>
                 </a:solidFill>
                 <a:latin typeface="AdobeClean-Light"/>
                 <a:cs typeface="AdobeClean-Light"/>
               </a:rPr>
-              <a:t> and </a:t>
-            </a:r>
-            <a:r>
-              <a:rPr lang="en-US" sz="1000" spc="-15" dirty="0">
+              <a:t>并</a:t>
+            </a:r>
+            <a:r>
+              <a:rPr lang="ja-jp" sz="1000" spc="-15" dirty="0">
                 <a:solidFill>
                   <a:srgbClr val="020302"/>
                 </a:solidFill>
                 <a:latin typeface="AdobeClean-Light"/>
                 <a:cs typeface="AdobeClean-Light"/>
               </a:rPr>
-              <a:t>help </a:t>
-            </a:r>
-            <a:r>
-              <a:rPr lang="en-US" sz="1000" spc="-10" dirty="0">
+              <a:t>帮助</a:t>
+            </a:r>
+            <a:r>
+              <a:rPr lang="ja-jp" sz="1000" spc="-10" dirty="0">
                 <a:solidFill>
                   <a:srgbClr val="020302"/>
                 </a:solidFill>
                 <a:latin typeface="AdobeClean-Light"/>
                 <a:cs typeface="AdobeClean-Light"/>
               </a:rPr>
-              <a:t>with</a:t>
-            </a:r>
-            <a:r>
-              <a:rPr lang="en-US" sz="1000" spc="85" dirty="0">
+              <a:t>提交</a:t>
+            </a:r>
+            <a:r>
+              <a:rPr lang="ja-jp" sz="1000" spc="-20" dirty="0">
                 <a:solidFill>
                   <a:srgbClr val="020302"/>
                 </a:solidFill>
                 <a:latin typeface="AdobeClean-Light"/>
                 <a:cs typeface="AdobeClean-Light"/>
               </a:rPr>
-              <a:t> </a:t>
-            </a:r>
-            <a:r>
-              <a:rPr lang="en-US" sz="1000" spc="-10" dirty="0">
-                <a:solidFill>
-                  <a:srgbClr val="020302"/>
-                </a:solidFill>
-                <a:latin typeface="AdobeClean-Light"/>
-                <a:cs typeface="AdobeClean-Light"/>
-              </a:rPr>
-              <a:t>case </a:t>
-            </a:r>
-            <a:r>
-              <a:rPr lang="en-US" sz="1000" spc="-20" dirty="0">
-                <a:solidFill>
-                  <a:srgbClr val="020302"/>
-                </a:solidFill>
-                <a:latin typeface="AdobeClean-Light"/>
-                <a:cs typeface="AdobeClean-Light"/>
-              </a:rPr>
-              <a:t>submission.</a:t>
+              <a:t>案例。</a:t>
             </a:r>
           </a:p>
           <a:p>
@@ -10383,14 +10107,14 @@
               </a:tabLst>
             </a:pPr>
             <a:r>
-              <a:rPr lang="en-US" sz="1000" i="1" spc="-10" dirty="0">
+              <a:rPr lang="ja-jp" sz="1000" i="1" spc="-10" dirty="0">
                 <a:solidFill>
                   <a:srgbClr val="7A7A7A"/>
                 </a:solidFill>
                 <a:latin typeface="AdobeClean-LightIt"/>
                 <a:cs typeface="AdobeClean-LightIt"/>
               </a:rPr>
-              <a:t>Subject to local hours</a:t>
+              <a:t>以当地时间为准</a:t>
             </a:r>
             <a:endParaRPr lang="en-US" sz="1000" dirty="0">
               <a:latin typeface="AdobeClean-Light"/>
@@ -10437,12 +10161,12 @@
               </a:spcAft>
             </a:pPr>
             <a:r>
-              <a:rPr lang="en-US" sz="1200" b="1" dirty="0">
+              <a:rPr lang="ja-jp" sz="1200" b="1" dirty="0">
                 <a:latin typeface="Adobe Clean" panose="020B0503020404020204" pitchFamily="34" charset="0"/>
                 <a:ea typeface="Open Sans" pitchFamily="34" charset="0"/>
                 <a:cs typeface="Open Sans" pitchFamily="34" charset="0"/>
               </a:rPr>
-              <a:t>Chat Support</a:t>
+              <a:t>聊天支持</a:t>
             </a:r>
           </a:p>
         </p:txBody>
@@ -10485,12 +10209,12 @@
               </a:spcAft>
             </a:pPr>
             <a:r>
-              <a:rPr lang="en-US" sz="1200" b="1" dirty="0">
+              <a:rPr lang="ja-jp" sz="1200" b="1" dirty="0">
                 <a:latin typeface="Adobe Clean" panose="020B0503020404020204" pitchFamily="34" charset="0"/>
                 <a:ea typeface="Open Sans" pitchFamily="34" charset="0"/>
                 <a:cs typeface="Open Sans" pitchFamily="34" charset="0"/>
               </a:rPr>
-              <a:t>Phone Support</a:t>
+              <a:t>电话支持</a:t>
             </a:r>
           </a:p>
         </p:txBody>
@@ -10523,111 +10247,91 @@
           <a:lstStyle/>
           <a:p>
             <a:r>
-              <a:rPr lang="en-US" sz="1000" dirty="0">
+              <a:rPr lang="ja-jp" sz="1000" dirty="0">
                 <a:solidFill>
                   <a:srgbClr val="020302"/>
                 </a:solidFill>
                 <a:latin typeface="AdobeClean-Light"/>
               </a:rPr>
-              <a:t>Authorized Users (Admins) </a:t>
-            </a:r>
-            <a:r>
-              <a:rPr lang="en-US" sz="1000" dirty="0">
+              <a:t>授权用户（管理员）</a:t>
+            </a:r>
+            <a:r>
+              <a:rPr lang="ja-jp" sz="1000" dirty="0">
                 <a:latin typeface="Adobe Clean Light"/>
               </a:rPr>
-              <a:t>can call Adobe Support via phone </a:t>
-            </a:r>
-            <a:r>
-              <a:rPr lang="en-US" sz="1000" spc="-5" dirty="0">
+              <a:t>可以通过电话调用 Adobe 支持</a:t>
+            </a:r>
+            <a:r>
+              <a:rPr lang="ja-jp" sz="1000" spc="-5" dirty="0">
                 <a:solidFill>
                   <a:srgbClr val="020302"/>
                 </a:solidFill>
                 <a:latin typeface="AdobeClean-Light"/>
                 <a:cs typeface="AdobeClean-Light"/>
               </a:rPr>
-              <a:t>to </a:t>
-            </a:r>
-            <a:r>
-              <a:rPr lang="en-US" sz="1000" spc="-10" dirty="0">
+              <a:t>以</a:t>
+            </a:r>
+            <a:r>
+              <a:rPr lang="ja-jp" sz="1000" spc="-10" dirty="0">
                 <a:solidFill>
                   <a:srgbClr val="020302"/>
                 </a:solidFill>
                 <a:latin typeface="AdobeClean-Light"/>
                 <a:cs typeface="AdobeClean-Light"/>
               </a:rPr>
-              <a:t>get </a:t>
-            </a:r>
-            <a:r>
-              <a:rPr lang="en-US" sz="1000" spc="-20" dirty="0">
+              <a:t>获取</a:t>
+            </a:r>
+            <a:r>
+              <a:rPr lang="ja-jp" sz="1000" spc="-20" dirty="0">
                 <a:solidFill>
                   <a:srgbClr val="020302"/>
                 </a:solidFill>
                 <a:latin typeface="AdobeClean-Light"/>
                 <a:cs typeface="AdobeClean-Light"/>
               </a:rPr>
-              <a:t>answers</a:t>
-            </a:r>
-            <a:r>
-              <a:rPr lang="en-US" sz="1000" spc="-45" dirty="0">
+              <a:t>答案</a:t>
+            </a:r>
+            <a:r>
+              <a:rPr lang="ja-jp" sz="1000" spc="-45" dirty="0">
                 <a:solidFill>
                   <a:srgbClr val="020302"/>
                 </a:solidFill>
                 <a:latin typeface="AdobeClean-Light"/>
                 <a:cs typeface="AdobeClean-Light"/>
               </a:rPr>
-              <a:t> and</a:t>
-            </a:r>
-            <a:r>
-              <a:rPr lang="en-US" sz="1000" dirty="0">
+              <a:t>并</a:t>
+            </a:r>
+            <a:r>
+              <a:rPr lang="ja-jp" sz="1000" spc="-15" dirty="0">
                 <a:solidFill>
                   <a:srgbClr val="020302"/>
                 </a:solidFill>
                 <a:latin typeface="AdobeClean-Light"/>
                 <a:cs typeface="AdobeClean-Light"/>
               </a:rPr>
-              <a:t> </a:t>
-            </a:r>
-            <a:r>
-              <a:rPr lang="en-US" sz="1000" spc="-15" dirty="0">
+              <a:t>帮助</a:t>
+            </a:r>
+            <a:r>
+              <a:rPr lang="ja-jp" sz="1000" spc="-20" dirty="0">
                 <a:solidFill>
                   <a:srgbClr val="020302"/>
                 </a:solidFill>
                 <a:latin typeface="AdobeClean-Light"/>
                 <a:cs typeface="AdobeClean-Light"/>
               </a:rPr>
-              <a:t>help </a:t>
-            </a:r>
-            <a:r>
-              <a:rPr lang="en-US" sz="1000" spc="-10" dirty="0">
-                <a:solidFill>
-                  <a:srgbClr val="020302"/>
-                </a:solidFill>
-                <a:latin typeface="AdobeClean-Light"/>
-                <a:cs typeface="AdobeClean-Light"/>
-              </a:rPr>
-              <a:t>with case </a:t>
-            </a:r>
-            <a:r>
-              <a:rPr lang="en-US" sz="1000" spc="-20" dirty="0">
-                <a:solidFill>
-                  <a:srgbClr val="020302"/>
-                </a:solidFill>
-                <a:latin typeface="AdobeClean-Light"/>
-                <a:cs typeface="AdobeClean-Light"/>
-              </a:rPr>
-              <a:t>submission.</a:t>
+              <a:t>提交案例。</a:t>
             </a:r>
           </a:p>
           <a:p>
             <a:r>
-              <a:rPr lang="en-US" sz="1000" i="1" spc="-10" dirty="0">
+              <a:rPr lang="ja-jp" sz="1000" i="1" spc="-10" dirty="0">
                 <a:solidFill>
                   <a:srgbClr val="7A7A7A"/>
                 </a:solidFill>
                 <a:latin typeface="Adobe Clean Light" panose="020B0303020404020204" pitchFamily="34" charset="0"/>
                 <a:cs typeface="AdobeClean-LightIt"/>
               </a:rPr>
-              <a:t>Subject to local hours</a:t>
+              <a:t>以当地时间为准</a:t>
             </a:r>
             <a:endParaRPr lang="en-US" sz="1000" i="1" dirty="0">
               <a:latin typeface="Adobe Clean Light" panose="020B0303020404020204" pitchFamily="34" charset="0"/>
@@ -10674,12 +10378,12 @@
               </a:spcAft>
             </a:pPr>
             <a:r>
-              <a:rPr lang="en-US" sz="1200" b="1" dirty="0">
+              <a:rPr lang="ja-jp" sz="1200" b="1" dirty="0">
                 <a:latin typeface="Adobe Clean" panose="020B0503020404020204" pitchFamily="34" charset="0"/>
                 <a:ea typeface="Open Sans" pitchFamily="34" charset="0"/>
                 <a:cs typeface="Open Sans" pitchFamily="34" charset="0"/>
               </a:rPr>
-              <a:t>Web Case Submission</a:t>
+              <a:t>网络案例提交</a:t>
             </a:r>
           </a:p>
         </p:txBody>
@@ -10699,7 +10403,7 @@
         <p:spPr>
           <a:xfrm>
             <a:off x="4170025" y="8834114"/>
-            <a:ext cx="2148840" cy="707886"/>
+            <a:ext cx="2148840" cy="553998"/>
           </a:xfrm>
           <a:prstGeom prst="rect">
             <a:avLst/>
@@ -10712,19 +10416,43 @@
           <a:lstStyle/>
           <a:p>
             <a:r>
-              <a:rPr lang="en-US" sz="1000" dirty="0">
+              <a:rPr lang="ja-jp" sz="1000" dirty="0">
                 <a:solidFill>
                   <a:srgbClr val="020302"/>
                 </a:solidFill>
                 <a:latin typeface="AdobeClean-Light"/>
               </a:rPr>
-              <a:t>Authorized Users (Admins) </a:t>
-            </a:r>
-            <a:r>
-              <a:rPr lang="en-US" sz="1000" dirty="0">
+              <a:t>授权用户（管理员）</a:t>
+            </a:r>
+            <a:r>
+              <a:rPr lang="ja-jp" sz="1000" dirty="0">
                 <a:latin typeface="Adobe Clean Light"/>
               </a:rPr>
-              <a:t>can submit unlimited web cases at any time for support issues for review by our technical support team.</a:t>
+              <a:t>可以随时提交不限数量的网络</a:t>
+            </a:r>
+            <a:r>
+              <a:rPr lang="ja-jp" sz="1000">
+                <a:latin typeface="Adobe Clean Light"/>
+              </a:rPr>
+              <a:t>案例</a:t>
+            </a:r>
+            <a:r>
+              <a:rPr lang="ja-JP" altLang="en-US" sz="1000">
+                <a:latin typeface="Adobe Clean Light"/>
+              </a:rPr>
+              <a:t>、</a:t>
+            </a:r>
+            <a:r>
+              <a:rPr lang="ja-jp" sz="1000">
+                <a:latin typeface="Adobe Clean Light"/>
+              </a:rPr>
+              <a:t>供</a:t>
+            </a:r>
+            <a:r>
+              <a:rPr lang="ja-jp" sz="1000" dirty="0">
+                <a:latin typeface="Adobe Clean Light"/>
+              </a:rPr>
+              <a:t>技术支持团队审查支持问题。</a:t>
             </a:r>
             <a:endParaRPr lang="en-US" sz="1000" dirty="0">
               <a:solidFill>
@@ -10945,7 +10673,7 @@
         <p:spPr>
           <a:xfrm>
             <a:off x="449714" y="1271858"/>
-            <a:ext cx="2148840" cy="959237"/>
+            <a:ext cx="2148840" cy="497572"/>
           </a:xfrm>
           <a:prstGeom prst="rect">
             <a:avLst/>
@@ -10964,10 +10692,34 @@
               <a:defRPr/>
             </a:pPr>
             <a:r>
-              <a:rPr lang="en-US" sz="1000" dirty="0">
+              <a:rPr lang="ja-jp" sz="1000" dirty="0">
                 <a:latin typeface="Adobe Clean Light" panose="020B0303020404020204" pitchFamily="34" charset="0"/>
               </a:rPr>
-              <a:t>A designated Support Engineer who becomes familiar with your solution environment and business goals. The NSE is an experienced support engineer that helps coordinate your Enterprise Support experience.</a:t>
+              <a:t>熟悉您的解决方案环境和业务目标的指定支持工程师。NSE 是指经验丰富的支持工</a:t>
+            </a:r>
+            <a:r>
+              <a:rPr lang="ja-jp" sz="1000">
+                <a:latin typeface="Adobe Clean Light" panose="020B0303020404020204" pitchFamily="34" charset="0"/>
+              </a:rPr>
+              <a:t>程师</a:t>
+            </a:r>
+            <a:r>
+              <a:rPr lang="ja-JP" altLang="en-US" sz="1000">
+                <a:latin typeface="Adobe Clean Light" panose="020B0303020404020204" pitchFamily="34" charset="0"/>
+              </a:rPr>
+              <a:t>、</a:t>
+            </a:r>
+            <a:r>
+              <a:rPr lang="ja-jp" sz="1000">
+                <a:latin typeface="Adobe Clean Light" panose="020B0303020404020204" pitchFamily="34" charset="0"/>
+              </a:rPr>
+              <a:t>可</a:t>
+            </a:r>
+            <a:r>
+              <a:rPr lang="ja-jp" sz="1000" dirty="0">
+                <a:latin typeface="Adobe Clean Light" panose="020B0303020404020204" pitchFamily="34" charset="0"/>
+              </a:rPr>
+              <a:t>帮助协调企业支持体验。</a:t>
             </a:r>
           </a:p>
         </p:txBody>
@@ -11010,13 +10762,13 @@
               </a:spcAft>
             </a:pPr>
             <a:r>
-              <a:rPr lang="en-US" sz="1200" b="1" spc="-10" dirty="0">
+              <a:rPr lang="ja-jp" sz="1200" b="1" spc="-10" dirty="0">
                 <a:solidFill>
                   <a:srgbClr val="020302"/>
                 </a:solidFill>
                 <a:latin typeface="Adobe Clean" panose="020B0503020404020204" pitchFamily="34" charset="0"/>
               </a:rPr>
-              <a:t>Named Support Engineer</a:t>
+              <a:t>指定的支持工程师</a:t>
             </a:r>
           </a:p>
         </p:txBody>
@@ -11036,7 +10788,7 @@
         <p:spPr>
           <a:xfrm>
             <a:off x="2803357" y="1285201"/>
-            <a:ext cx="2148840" cy="497572"/>
+            <a:ext cx="2148840" cy="343684"/>
           </a:xfrm>
           <a:prstGeom prst="rect">
             <a:avLst/>
@@ -11054,11 +10806,39 @@
               </a:spcBef>
             </a:pPr>
             <a:r>
-              <a:rPr lang="en-US" sz="1000" dirty="0">
+              <a:rPr lang="ja-jp" sz="1000" dirty="0">
                 <a:latin typeface="Adobe Clean Light" panose="020B0303020404020204" pitchFamily="34" charset="0"/>
                 <a:cs typeface="AdobeClean-Light"/>
               </a:rPr>
-              <a:t>Receive prioritized routing to ensure faster connection to more senior support resources on submitted cases. </a:t>
+              <a:t>接收优先级</a:t>
+            </a:r>
+            <a:r>
+              <a:rPr lang="ja-jp" sz="1000">
+                <a:latin typeface="Adobe Clean Light" panose="020B0303020404020204" pitchFamily="34" charset="0"/>
+                <a:cs typeface="AdobeClean-Light"/>
+              </a:rPr>
+              <a:t>路由</a:t>
+            </a:r>
+            <a:r>
+              <a:rPr lang="ja-JP" altLang="en-US" sz="1000">
+                <a:latin typeface="Adobe Clean Light" panose="020B0303020404020204" pitchFamily="34" charset="0"/>
+                <a:cs typeface="AdobeClean-Light"/>
+              </a:rPr>
+              <a:t>、</a:t>
+            </a:r>
+            <a:r>
+              <a:rPr lang="ja-jp" sz="1000">
+                <a:latin typeface="Adobe Clean Light" panose="020B0303020404020204" pitchFamily="34" charset="0"/>
+                <a:cs typeface="AdobeClean-Light"/>
+              </a:rPr>
+              <a:t>确</a:t>
+            </a:r>
+            <a:r>
+              <a:rPr lang="ja-jp" sz="1000" dirty="0">
+                <a:latin typeface="Adobe Clean Light" panose="020B0303020404020204" pitchFamily="34" charset="0"/>
+                <a:cs typeface="AdobeClean-Light"/>
+              </a:rPr>
+              <a:t>保更快地连接到已提交案例的更高级支持资源。</a:t>
             </a:r>
           </a:p>
         </p:txBody>
@@ -11101,13 +10881,13 @@
               </a:spcAft>
             </a:pPr>
             <a:r>
-              <a:rPr lang="en-US" sz="1200" b="1" spc="-10" dirty="0">
+              <a:rPr lang="ja-jp" sz="1200" b="1" spc="-10" dirty="0">
                 <a:solidFill>
                   <a:srgbClr val="020302"/>
                 </a:solidFill>
                 <a:latin typeface="Adobe Clean" panose="020B0503020404020204" pitchFamily="34" charset="0"/>
               </a:rPr>
-              <a:t>Priority Case Routing</a:t>
+              <a:t>优先级案例路由</a:t>
             </a:r>
           </a:p>
         </p:txBody>
@@ -11127,7 +10907,7 @@
         <p:spPr>
           <a:xfrm>
             <a:off x="5356260" y="1287481"/>
-            <a:ext cx="2148840" cy="651460"/>
+            <a:ext cx="2148840" cy="497572"/>
           </a:xfrm>
           <a:prstGeom prst="rect">
             <a:avLst/>
@@ -11148,10 +10928,58 @@
               </a:spcBef>
             </a:pPr>
             <a:r>
-              <a:rPr lang="en-US" sz="1000" dirty="0">
+              <a:rPr lang="ja-jp" sz="1000" dirty="0">
                 <a:latin typeface="Adobe Clean Light" panose="020B0303020404020204" pitchFamily="34" charset="0"/>
               </a:rPr>
-              <a:t>A designated point of contact within Adobe who can provide escalation assistance, regular updates and ensure priority is given to your most critical open support requests.</a:t>
+              <a:t>Adobe 内部的指定联</a:t>
+            </a:r>
+            <a:r>
+              <a:rPr lang="ja-jp" sz="1000">
+                <a:latin typeface="Adobe Clean Light" panose="020B0303020404020204" pitchFamily="34" charset="0"/>
+              </a:rPr>
+              <a:t>系人</a:t>
+            </a:r>
+            <a:r>
+              <a:rPr lang="ja-JP" altLang="en-US" sz="1000">
+                <a:latin typeface="Adobe Clean Light" panose="020B0303020404020204" pitchFamily="34" charset="0"/>
+              </a:rPr>
+              <a:t>、</a:t>
+            </a:r>
+            <a:r>
+              <a:rPr lang="ja-jp" sz="1000">
+                <a:latin typeface="Adobe Clean Light" panose="020B0303020404020204" pitchFamily="34" charset="0"/>
+              </a:rPr>
+              <a:t>可</a:t>
+            </a:r>
+            <a:r>
+              <a:rPr lang="ja-jp" sz="1000" dirty="0">
+                <a:latin typeface="Adobe Clean Light" panose="020B0303020404020204" pitchFamily="34" charset="0"/>
+              </a:rPr>
+              <a:t>以提供上报协助和定期</a:t>
+            </a:r>
+            <a:r>
+              <a:rPr lang="ja-jp" sz="1000">
+                <a:latin typeface="Adobe Clean Light" panose="020B0303020404020204" pitchFamily="34" charset="0"/>
+              </a:rPr>
+              <a:t>更新</a:t>
+            </a:r>
+            <a:r>
+              <a:rPr lang="ja-JP" altLang="en-US" sz="1000">
+                <a:latin typeface="Adobe Clean Light" panose="020B0303020404020204" pitchFamily="34" charset="0"/>
+              </a:rPr>
+              <a:t>、</a:t>
+            </a:r>
+            <a:r>
+              <a:rPr lang="ja-jp" sz="1000">
+                <a:latin typeface="Adobe Clean Light" panose="020B0303020404020204" pitchFamily="34" charset="0"/>
+              </a:rPr>
+              <a:t>确</a:t>
+            </a:r>
+            <a:r>
+              <a:rPr lang="ja-jp" sz="1000" dirty="0">
+                <a:latin typeface="Adobe Clean Light" panose="020B0303020404020204" pitchFamily="34" charset="0"/>
+              </a:rPr>
+              <a:t>保优先处理最重要的未完成支持请求。</a:t>
             </a:r>
             <a:endParaRPr lang="en-US" sz="1000" dirty="0">
               <a:latin typeface="Adobe Clean Light" panose="020B0303020404020204" pitchFamily="34" charset="0"/>
@@ -11198,13 +11026,13 @@
               </a:spcAft>
             </a:pPr>
             <a:r>
-              <a:rPr lang="en-US" sz="1200" b="1" spc="-10" dirty="0">
+              <a:rPr lang="ja-jp" sz="1200" b="1" spc="-10" dirty="0">
                 <a:solidFill>
                   <a:srgbClr val="020302"/>
                 </a:solidFill>
                 <a:latin typeface="Adobe Clean" panose="020B0503020404020204" pitchFamily="34" charset="0"/>
               </a:rPr>
-              <a:t>Escalation Management</a:t>
+              <a:t>上报管理</a:t>
             </a:r>
           </a:p>
         </p:txBody>
@@ -11369,10 +11197,10 @@
           <a:lstStyle/>
           <a:p>
             <a:r>
-              <a:rPr lang="en-US" sz="1200" b="1" dirty="0">
+              <a:rPr lang="ja-jp" sz="1200" b="1" dirty="0">
                 <a:latin typeface="Adobe Clean" panose="020B0503020404020204" pitchFamily="34" charset="0"/>
               </a:rPr>
-              <a:t>Accelerated Issue Prioritization</a:t>
+              <a:t>已加快问题优先处理</a:t>
             </a:r>
           </a:p>
         </p:txBody>
@@ -11392,7 +11220,7 @@
         <p:spPr>
           <a:xfrm>
             <a:off x="430064" y="3050824"/>
-            <a:ext cx="2051550" cy="497572"/>
+            <a:ext cx="2051550" cy="343684"/>
           </a:xfrm>
           <a:prstGeom prst="rect">
             <a:avLst/>
@@ -11411,11 +11239,39 @@
               <a:defRPr/>
             </a:pPr>
             <a:r>
-              <a:rPr lang="en-US" sz="1000" dirty="0">
+              <a:rPr lang="ja-jp" sz="1000" dirty="0">
                 <a:latin typeface="Adobe Clean Light" panose="020B0303020404020204" pitchFamily="34" charset="0"/>
                 <a:cs typeface="Adobe Clean Light"/>
               </a:rPr>
-              <a:t>Receive higher prioritization on support case work through facilitated engagement with Engineering.</a:t>
+              <a:t>通过促进与工程部门的</a:t>
+            </a:r>
+            <a:r>
+              <a:rPr lang="ja-jp" sz="1000">
+                <a:latin typeface="Adobe Clean Light" panose="020B0303020404020204" pitchFamily="34" charset="0"/>
+                <a:cs typeface="Adobe Clean Light"/>
+              </a:rPr>
+              <a:t>合作</a:t>
+            </a:r>
+            <a:r>
+              <a:rPr lang="ja-JP" altLang="en-US" sz="1000">
+                <a:latin typeface="Adobe Clean Light" panose="020B0303020404020204" pitchFamily="34" charset="0"/>
+                <a:cs typeface="Adobe Clean Light"/>
+              </a:rPr>
+              <a:t>、</a:t>
+            </a:r>
+            <a:r>
+              <a:rPr lang="ja-jp" sz="1000">
+                <a:latin typeface="Adobe Clean Light" panose="020B0303020404020204" pitchFamily="34" charset="0"/>
+                <a:cs typeface="Adobe Clean Light"/>
+              </a:rPr>
+              <a:t>在</a:t>
+            </a:r>
+            <a:r>
+              <a:rPr lang="ja-jp" sz="1000" dirty="0">
+                <a:latin typeface="Adobe Clean Light" panose="020B0303020404020204" pitchFamily="34" charset="0"/>
+                <a:cs typeface="Adobe Clean Light"/>
+              </a:rPr>
+              <a:t>支持案例工作上获得更高的优先级。</a:t>
             </a:r>
           </a:p>
         </p:txBody>
@@ -11663,10 +11519,10 @@
           <a:lstStyle/>
           <a:p>
             <a:r>
-              <a:rPr lang="en-US" sz="1200" b="1" dirty="0">
+              <a:rPr lang="ja-jp" sz="1200" b="1" dirty="0">
                 <a:latin typeface="Adobe Clean" panose="020B0503020404020204" pitchFamily="34" charset="0"/>
               </a:rPr>
-              <a:t>Proactive Case Monitoring</a:t>
+              <a:t>主动案例监控</a:t>
             </a:r>
           </a:p>
         </p:txBody>
@@ -11686,7 +11542,7 @@
         <p:spPr>
           <a:xfrm>
             <a:off x="2761827" y="3033782"/>
-            <a:ext cx="2051550" cy="651460"/>
+            <a:ext cx="2051550" cy="497572"/>
           </a:xfrm>
           <a:prstGeom prst="rect">
             <a:avLst/>
@@ -11705,10 +11561,58 @@
               <a:defRPr/>
             </a:pPr>
             <a:r>
-              <a:rPr lang="en-US" sz="1000" dirty="0">
+              <a:rPr lang="ja-jp" sz="1000" dirty="0">
                 <a:latin typeface="Adobe Clean Light" panose="020B0303020404020204" pitchFamily="34" charset="0"/>
               </a:rPr>
-              <a:t>A designated point of contact within Adobe will actively monitor open cases and take proactive and preventive actions to ensure timely resolution.</a:t>
+              <a:t>Adobe 内的指定联系人会积极监控公开</a:t>
+            </a:r>
+            <a:r>
+              <a:rPr lang="ja-jp" sz="1000">
+                <a:latin typeface="Adobe Clean Light" panose="020B0303020404020204" pitchFamily="34" charset="0"/>
+              </a:rPr>
+              <a:t>案列</a:t>
+            </a:r>
+            <a:r>
+              <a:rPr lang="ja-JP" altLang="en-US" sz="1000">
+                <a:latin typeface="Adobe Clean Light" panose="020B0303020404020204" pitchFamily="34" charset="0"/>
+              </a:rPr>
+              <a:t>、</a:t>
+            </a:r>
+            <a:r>
+              <a:rPr lang="ja-jp" sz="1000">
+                <a:latin typeface="Adobe Clean Light" panose="020B0303020404020204" pitchFamily="34" charset="0"/>
+              </a:rPr>
+              <a:t>并</a:t>
+            </a:r>
+            <a:r>
+              <a:rPr lang="ja-jp" sz="1000" dirty="0">
+                <a:latin typeface="Adobe Clean Light" panose="020B0303020404020204" pitchFamily="34" charset="0"/>
+              </a:rPr>
+              <a:t>采取主动预防</a:t>
+            </a:r>
+            <a:r>
+              <a:rPr lang="ja-jp" sz="1000">
+                <a:latin typeface="Adobe Clean Light" panose="020B0303020404020204" pitchFamily="34" charset="0"/>
+              </a:rPr>
+              <a:t>措施</a:t>
+            </a:r>
+            <a:r>
+              <a:rPr lang="ja-JP" altLang="en-US" sz="1000">
+                <a:latin typeface="Adobe Clean Light" panose="020B0303020404020204" pitchFamily="34" charset="0"/>
+              </a:rPr>
+              <a:t>、</a:t>
+            </a:r>
+            <a:r>
+              <a:rPr lang="ja-jp" sz="1000">
+                <a:latin typeface="Adobe Clean Light" panose="020B0303020404020204" pitchFamily="34" charset="0"/>
+              </a:rPr>
+              <a:t>确</a:t>
+            </a:r>
+            <a:r>
+              <a:rPr lang="ja-jp" sz="1000" dirty="0">
+                <a:latin typeface="Adobe Clean Light" panose="020B0303020404020204" pitchFamily="34" charset="0"/>
+              </a:rPr>
+              <a:t>保及时解决问题。</a:t>
             </a:r>
             <a:endParaRPr lang="en-US" sz="1000" dirty="0">
               <a:latin typeface="Adobe Clean Light" panose="020B0303020404020204" pitchFamily="34" charset="0"/>
@@ -11790,39 +11694,35 @@
               </a:spcBef>
             </a:pPr>
             <a:r>
-              <a:rPr spc="-10" dirty="0"/>
-              <a:t>©202</a:t>
-            </a:r>
-            <a:r>
-              <a:rPr lang="en-US" spc="-10" dirty="0"/>
-              <a:t>2 </a:t>
-            </a:r>
-            <a:r>
-              <a:rPr spc="-5" dirty="0"/>
-              <a:t>Adobe. All</a:t>
-            </a:r>
-            <a:r>
-              <a:rPr spc="-10" dirty="0"/>
+              <a:rPr lang="ja-jp" spc="-10" dirty="0"/>
+              <a:t>©2022</a:t>
+            </a:r>
+            <a:r>
+              <a:rPr lang="ja-jp" spc="-5" dirty="0"/>
+              <a:t> Adobe.All</a:t>
+            </a:r>
+            <a:r>
+              <a:rPr lang="ja-jp" spc="-10" dirty="0"/>
               <a:t> Rights</a:t>
             </a:r>
             <a:r>
-              <a:rPr spc="-5" dirty="0"/>
+              <a:rPr lang="ja-jp" spc="-5" dirty="0"/>
               <a:t> </a:t>
             </a:r>
             <a:r>
-              <a:rPr spc="-10" dirty="0"/>
+              <a:rPr lang="ja-jp" spc="-10" dirty="0"/>
               <a:t>Reserved.</a:t>
             </a:r>
             <a:r>
-              <a:rPr spc="-5" dirty="0"/>
-              <a:t> Adobe</a:t>
-            </a:r>
-            <a:r>
-              <a:rPr spc="60" dirty="0"/>
+              <a:rPr lang="ja-jp" spc="-5" dirty="0"/>
+              <a:t>Adobe</a:t>
+            </a:r>
+            <a:r>
+              <a:rPr lang="ja-jp" spc="60" dirty="0"/>
               <a:t> </a:t>
             </a:r>
             <a:r>
-              <a:rPr spc="-10" dirty="0"/>
+              <a:rPr lang="ja-jp" spc="-10" dirty="0"/>
               <a:t>Confidential.</a:t>
             </a:r>
           </a:p>
@@ -11885,17 +11785,17 @@
               </a:lnSpc>
             </a:pPr>
             <a:r>
-              <a:rPr sz="500" spc="-5">
+              <a:rPr lang="ja-jp" sz="500" spc="-5">
                 <a:solidFill>
                   <a:srgbClr val="6C6C6C"/>
                 </a:solidFill>
                 <a:latin typeface="Adobe Clean"/>
                 <a:cs typeface="Adobe Clean"/>
               </a:rPr>
-              <a:t>©2020 Adobe. All Rights Reserved. </a:t>
-            </a:r>
-            <a:r>
-              <a:rPr sz="500">
+              <a:t>© 2020 Adobe. All Rights Reserved.</a:t>
+            </a:r>
+            <a:r>
+              <a:rPr lang="ja-jp" sz="500">
                 <a:solidFill>
                   <a:srgbClr val="6C6C6C"/>
                 </a:solidFill>
@@ -11905,7 +11805,7 @@
               <a:t>Adobe</a:t>
             </a:r>
             <a:r>
-              <a:rPr sz="500" spc="5">
+              <a:rPr lang="ja-jp" sz="500" spc="5">
                 <a:solidFill>
                   <a:srgbClr val="6C6C6C"/>
                 </a:solidFill>
@@ -11915,7 +11815,7 @@
               <a:t> </a:t>
             </a:r>
             <a:r>
-              <a:rPr sz="500" spc="-5">
+              <a:rPr lang="ja-jp" sz="500" spc="-5">
                 <a:solidFill>
                   <a:srgbClr val="6C6C6C"/>
                 </a:solidFill>
@@ -11953,17 +11853,17 @@
               </a:spcBef>
             </a:pPr>
             <a:r>
-              <a:rPr sz="800" spc="-5">
+              <a:rPr lang="ja-jp" sz="800" spc="-5">
                 <a:solidFill>
                   <a:srgbClr val="6D6D6D"/>
                 </a:solidFill>
                 <a:latin typeface="Adobe Clean"/>
                 <a:cs typeface="Adobe Clean"/>
               </a:rPr>
-              <a:t>©2020 Adobe. All Rights Reserved. Adobe</a:t>
-            </a:r>
-            <a:r>
-              <a:rPr sz="800" spc="75">
+              <a:t>© 2020 Adobe. All Rights Reserved.Adobe</a:t>
+            </a:r>
+            <a:r>
+              <a:rPr lang="ja-jp" sz="800" spc="75">
                 <a:solidFill>
                   <a:srgbClr val="6D6D6D"/>
                 </a:solidFill>
@@ -11973,7 +11873,7 @@
               <a:t> </a:t>
             </a:r>
             <a:r>
-              <a:rPr sz="800" spc="-5">
+              <a:rPr lang="ja-jp" sz="800" spc="-5">
                 <a:solidFill>
                   <a:srgbClr val="6D6D6D"/>
                 </a:solidFill>
@@ -12069,14 +11969,14 @@
               </a:spcBef>
             </a:pPr>
             <a:r>
-              <a:rPr lang="en-US" sz="1400" b="1" spc="-15">
+              <a:rPr lang="ja-jp" sz="1400" b="1" spc="-15">
                 <a:solidFill>
                   <a:srgbClr val="020302"/>
                 </a:solidFill>
                 <a:latin typeface="Adobe Clean"/>
                 <a:cs typeface="Adobe Clean"/>
               </a:rPr>
-              <a:t>Resources</a:t>
+              <a:t>资源</a:t>
             </a:r>
             <a:endParaRPr sz="1400">
               <a:latin typeface="Adobe Clean"/>
@@ -12094,7 +11994,7 @@
         <p:spPr>
           <a:xfrm>
             <a:off x="6754821" y="9283729"/>
-            <a:ext cx="930275" cy="662305"/>
+            <a:ext cx="930275" cy="758541"/>
           </a:xfrm>
           <a:prstGeom prst="rect">
             <a:avLst/>
@@ -12115,7 +12015,7 @@
               </a:spcBef>
             </a:pPr>
             <a:r>
-              <a:rPr sz="800" spc="-15">
+              <a:rPr lang="ja-jp" sz="800" spc="-15">
                 <a:solidFill>
                   <a:srgbClr val="777879"/>
                 </a:solidFill>
@@ -12124,7 +12024,7 @@
               </a:rPr>
               <a:t>Adobe</a:t>
             </a:r>
-            <a:endParaRPr sz="800">
+            <a:endParaRPr sz="800" dirty="0">
               <a:latin typeface="Adobe Clean"/>
               <a:cs typeface="Adobe Clean"/>
             </a:endParaRPr>
@@ -12136,7 +12036,7 @@
               </a:lnSpc>
             </a:pPr>
             <a:r>
-              <a:rPr sz="800" spc="-15">
+              <a:rPr lang="ja-jp" sz="800" spc="-15">
                 <a:solidFill>
                   <a:srgbClr val="777879"/>
                 </a:solidFill>
@@ -12146,7 +12046,7 @@
               <a:t>345 Park</a:t>
             </a:r>
             <a:r>
-              <a:rPr sz="800" spc="-100">
+              <a:rPr lang="ja-jp" sz="800" spc="-100">
                 <a:solidFill>
                   <a:srgbClr val="777879"/>
                 </a:solidFill>
@@ -12156,7 +12056,7 @@
               <a:t> </a:t>
             </a:r>
             <a:r>
-              <a:rPr sz="800" spc="-15">
+              <a:rPr lang="ja-jp" sz="800" spc="-15">
                 <a:solidFill>
                   <a:srgbClr val="777879"/>
                 </a:solidFill>
@@ -12165,7 +12065,7 @@
               </a:rPr>
               <a:t>Avenue</a:t>
             </a:r>
-            <a:endParaRPr sz="800">
+            <a:endParaRPr sz="800" dirty="0">
               <a:latin typeface="Adobe Clean"/>
               <a:cs typeface="Adobe Clean"/>
             </a:endParaRPr>
@@ -12177,7 +12077,7 @@
               </a:lnSpc>
             </a:pPr>
             <a:r>
-              <a:rPr sz="800" spc="-10">
+              <a:rPr lang="ja-jp" sz="800" spc="-10">
                 <a:solidFill>
                   <a:srgbClr val="777879"/>
                 </a:solidFill>
@@ -12187,36 +12087,46 @@
               <a:t>San </a:t>
             </a:r>
             <a:r>
-              <a:rPr sz="800" spc="-15">
+              <a:rPr lang="ja-jp" sz="800" spc="-15">
                 <a:solidFill>
                   <a:srgbClr val="777879"/>
                 </a:solidFill>
                 <a:latin typeface="Adobe Clean"/>
                 <a:cs typeface="Adobe Clean"/>
               </a:rPr>
-              <a:t>Jose,</a:t>
-            </a:r>
-            <a:r>
-              <a:rPr sz="800" spc="-140">
+              <a:t>Jose</a:t>
+            </a:r>
+            <a:r>
+              <a:rPr lang="ja-JP" altLang="en-US" sz="800" spc="-15">
                 <a:solidFill>
                   <a:srgbClr val="777879"/>
                 </a:solidFill>
                 <a:latin typeface="Adobe Clean"/>
                 <a:cs typeface="Adobe Clean"/>
               </a:rPr>
-              <a:t> </a:t>
-            </a:r>
-            <a:r>
-              <a:rPr sz="800" spc="-20">
+              <a:t>、</a:t>
+            </a:r>
+            <a:r>
+              <a:rPr lang="ja-jp" sz="800" spc="-140">
                 <a:solidFill>
                   <a:srgbClr val="777879"/>
                 </a:solidFill>
                 <a:latin typeface="Adobe Clean"/>
                 <a:cs typeface="Adobe Clean"/>
               </a:rPr>
+              <a:t> </a:t>
+            </a:r>
+            <a:r>
+              <a:rPr lang="ja-jp" sz="800" spc="-20">
+                <a:solidFill>
+                  <a:srgbClr val="777879"/>
+                </a:solidFill>
+                <a:latin typeface="Adobe Clean"/>
+                <a:cs typeface="Adobe Clean"/>
+              </a:rPr>
               <a:t>CA95110-2704</a:t>
             </a:r>
-            <a:endParaRPr sz="800">
+            <a:endParaRPr sz="800" dirty="0">
               <a:latin typeface="Adobe Clean"/>
               <a:cs typeface="Adobe Clean"/>
             </a:endParaRPr>
@@ -12231,7 +12141,7 @@
               </a:spcBef>
             </a:pPr>
             <a:r>
-              <a:rPr sz="800" spc="-10">
+              <a:rPr lang="ja-jp" sz="800" spc="-10">
                 <a:solidFill>
                   <a:srgbClr val="777879"/>
                 </a:solidFill>
@@ -12240,7 +12150,7 @@
               </a:rPr>
               <a:t>USA</a:t>
             </a:r>
-            <a:endParaRPr sz="800">
+            <a:endParaRPr sz="800" dirty="0">
               <a:latin typeface="Adobe Clean"/>
               <a:cs typeface="Adobe Clean"/>
             </a:endParaRPr>
@@ -12255,7 +12165,7 @@
               </a:spcBef>
             </a:pPr>
             <a:r>
-              <a:rPr sz="800" u="sng" spc="-25">
+              <a:rPr lang="ja-jp" sz="800" u="sng" spc="-25">
                 <a:solidFill>
                   <a:srgbClr val="5F5F5F"/>
                 </a:solidFill>
@@ -12268,9 +12178,9 @@
                 <a:cs typeface="Adobe Clean"/>
                 <a:hlinkClick r:id="rId4"/>
               </a:rPr>
-              <a:t>www.adobe.com</a:t>
-            </a:r>
-            <a:endParaRPr sz="800">
+              <a:t>www.adobe.com/cn/</a:t>
+            </a:r>
+            <a:endParaRPr sz="800" dirty="0">
               <a:latin typeface="Adobe Clean"/>
               <a:cs typeface="Adobe Clean"/>
             </a:endParaRPr>
@@ -12448,37 +12358,37 @@
               </a:spcBef>
             </a:pPr>
             <a:r>
-              <a:rPr sz="1100" i="1" spc="-10" dirty="0">
+              <a:rPr lang="ja-jp" sz="1100" i="1" spc="-10" dirty="0">
                 <a:solidFill>
                   <a:srgbClr val="777879"/>
                 </a:solidFill>
                 <a:latin typeface="AdobeClean-LightIt"/>
                 <a:cs typeface="AdobeClean-LightIt"/>
               </a:rPr>
-              <a:t>To</a:t>
-            </a:r>
-            <a:r>
-              <a:rPr sz="1100" i="1" spc="-50" dirty="0">
+              <a:t>要</a:t>
+            </a:r>
+            <a:r>
+              <a:rPr lang="ja-jp" sz="1100" i="1" spc="-15" dirty="0">
                 <a:solidFill>
                   <a:srgbClr val="777879"/>
                 </a:solidFill>
                 <a:latin typeface="AdobeClean-LightIt"/>
                 <a:cs typeface="AdobeClean-LightIt"/>
               </a:rPr>
-              <a:t> </a:t>
-            </a:r>
-            <a:r>
-              <a:rPr sz="1100" i="1" spc="-15" dirty="0">
+              <a:t>详细</a:t>
+            </a:r>
+            <a:r>
+              <a:rPr lang="ja-jp" sz="1100" i="1" spc="-40" dirty="0">
                 <a:solidFill>
                   <a:srgbClr val="777879"/>
                 </a:solidFill>
                 <a:latin typeface="AdobeClean-LightIt"/>
                 <a:cs typeface="AdobeClean-LightIt"/>
               </a:rPr>
-              <a:t>learn</a:t>
-            </a:r>
-            <a:r>
-              <a:rPr sz="1100" i="1" spc="-40" dirty="0">
+              <a:t> </a:t>
+            </a:r>
+            <a:r>
+              <a:rPr lang="ja-jp" sz="1100" i="1" spc="-45" dirty="0">
                 <a:solidFill>
                   <a:srgbClr val="777879"/>
                 </a:solidFill>
@@ -12488,17 +12398,17 @@
               <a:t> </a:t>
             </a:r>
             <a:r>
-              <a:rPr sz="1100" i="1" spc="-15" dirty="0">
+              <a:rPr lang="ja-jp" sz="1100" i="1" spc="-15" dirty="0">
                 <a:solidFill>
                   <a:srgbClr val="777879"/>
                 </a:solidFill>
                 <a:latin typeface="AdobeClean-LightIt"/>
                 <a:cs typeface="AdobeClean-LightIt"/>
               </a:rPr>
-              <a:t>more</a:t>
-            </a:r>
-            <a:r>
-              <a:rPr sz="1100" i="1" spc="-45" dirty="0">
+              <a:t>了解 </a:t>
+            </a:r>
+            <a:r>
+              <a:rPr lang="ja-jp" sz="1100" i="1" spc="-45" dirty="0">
                 <a:solidFill>
                   <a:srgbClr val="777879"/>
                 </a:solidFill>
@@ -12508,17 +12418,17 @@
               <a:t> </a:t>
             </a:r>
             <a:r>
-              <a:rPr sz="1100" i="1" spc="-15" dirty="0">
+              <a:rPr lang="ja-jp" sz="1100" i="1" spc="-15" dirty="0">
                 <a:solidFill>
                   <a:srgbClr val="777879"/>
                 </a:solidFill>
                 <a:latin typeface="AdobeClean-LightIt"/>
                 <a:cs typeface="AdobeClean-LightIt"/>
               </a:rPr>
-              <a:t>about</a:t>
-            </a:r>
-            <a:r>
-              <a:rPr sz="1100" i="1" spc="-45" dirty="0">
+              <a:t>Adobe</a:t>
+            </a:r>
+            <a:r>
+              <a:rPr lang="ja-jp" sz="1100" i="1" spc="-50" dirty="0">
                 <a:solidFill>
                   <a:srgbClr val="777879"/>
                 </a:solidFill>
@@ -12528,17 +12438,17 @@
               <a:t> </a:t>
             </a:r>
             <a:r>
-              <a:rPr sz="1100" i="1" spc="-15" dirty="0">
+              <a:rPr lang="ja-jp" sz="1100" i="1" spc="-15" dirty="0">
                 <a:solidFill>
                   <a:srgbClr val="777879"/>
                 </a:solidFill>
                 <a:latin typeface="AdobeClean-LightIt"/>
                 <a:cs typeface="AdobeClean-LightIt"/>
               </a:rPr>
-              <a:t>Adobe</a:t>
-            </a:r>
-            <a:r>
-              <a:rPr sz="1100" i="1" spc="-50" dirty="0">
+              <a:t> 支持产品/服务</a:t>
+            </a:r>
+            <a:r>
+              <a:rPr lang="ja-jp" sz="1100" i="1" spc="-75" dirty="0">
                 <a:solidFill>
                   <a:srgbClr val="777879"/>
                 </a:solidFill>
@@ -12548,107 +12458,107 @@
               <a:t> </a:t>
             </a:r>
             <a:r>
-              <a:rPr sz="1100" i="1" spc="-15" dirty="0">
+              <a:rPr lang="ja-jp" sz="1100" i="1" spc="-15" dirty="0">
                 <a:solidFill>
                   <a:srgbClr val="777879"/>
                 </a:solidFill>
                 <a:latin typeface="AdobeClean-LightIt"/>
                 <a:cs typeface="AdobeClean-LightIt"/>
               </a:rPr>
-              <a:t>Support</a:t>
-            </a:r>
-            <a:r>
-              <a:rPr lang="en-US" sz="1100" i="1" spc="-15" dirty="0">
+              <a:t>和</a:t>
+            </a:r>
+            <a:r>
+              <a:rPr lang="ja-jp" sz="1100" i="1" spc="-50" dirty="0">
                 <a:solidFill>
                   <a:srgbClr val="777879"/>
                 </a:solidFill>
                 <a:latin typeface="AdobeClean-LightIt"/>
                 <a:cs typeface="AdobeClean-LightIt"/>
               </a:rPr>
-              <a:t> Offerings</a:t>
-            </a:r>
-            <a:r>
-              <a:rPr sz="1100" i="1" spc="-75" dirty="0">
+              <a:t> </a:t>
+            </a:r>
+            <a:r>
+              <a:rPr lang="ja-jp" sz="1100" i="1" spc="-15" dirty="0">
                 <a:solidFill>
                   <a:srgbClr val="777879"/>
                 </a:solidFill>
                 <a:latin typeface="AdobeClean-LightIt"/>
                 <a:cs typeface="AdobeClean-LightIt"/>
               </a:rPr>
-              <a:t> </a:t>
-            </a:r>
-            <a:r>
-              <a:rPr sz="1100" i="1" spc="-15" dirty="0">
+              <a:t>您</a:t>
+            </a:r>
+            <a:r>
+              <a:rPr lang="ja-jp" sz="1100" i="1" spc="-55" dirty="0">
                 <a:solidFill>
                   <a:srgbClr val="777879"/>
                 </a:solidFill>
                 <a:latin typeface="AdobeClean-LightIt"/>
                 <a:cs typeface="AdobeClean-LightIt"/>
               </a:rPr>
-              <a:t>and</a:t>
-            </a:r>
-            <a:r>
-              <a:rPr sz="1100" i="1" spc="-50" dirty="0">
+              <a:t> </a:t>
+            </a:r>
+            <a:r>
+              <a:rPr lang="ja-jp" sz="1100" i="1" spc="-15" dirty="0">
                 <a:solidFill>
                   <a:srgbClr val="777879"/>
                 </a:solidFill>
                 <a:latin typeface="AdobeClean-LightIt"/>
                 <a:cs typeface="AdobeClean-LightIt"/>
               </a:rPr>
-              <a:t> </a:t>
-            </a:r>
-            <a:r>
-              <a:rPr sz="1100" i="1" spc="-15" dirty="0">
+              <a:t>的</a:t>
+            </a:r>
+            <a:r>
+              <a:rPr lang="ja-jp" sz="1100" i="1" spc="-95" dirty="0">
                 <a:solidFill>
                   <a:srgbClr val="777879"/>
                 </a:solidFill>
                 <a:latin typeface="AdobeClean-LightIt"/>
                 <a:cs typeface="AdobeClean-LightIt"/>
               </a:rPr>
-              <a:t>the</a:t>
-            </a:r>
-            <a:r>
-              <a:rPr sz="1100" i="1" spc="-55" dirty="0">
+              <a:t> </a:t>
+            </a:r>
+            <a:r>
+              <a:rPr lang="ja-jp" sz="1100" i="1" spc="-15" dirty="0">
                 <a:solidFill>
                   <a:srgbClr val="777879"/>
                 </a:solidFill>
                 <a:latin typeface="AdobeClean-LightIt"/>
                 <a:cs typeface="AdobeClean-LightIt"/>
               </a:rPr>
-              <a:t> </a:t>
-            </a:r>
-            <a:r>
-              <a:rPr sz="1100" i="1" spc="-15" dirty="0">
+              <a:t>适当</a:t>
+            </a:r>
+            <a:r>
+              <a:rPr lang="ja-jp" sz="1100" i="1" spc="-55" dirty="0">
                 <a:solidFill>
                   <a:srgbClr val="777879"/>
                 </a:solidFill>
                 <a:latin typeface="AdobeClean-LightIt"/>
                 <a:cs typeface="AdobeClean-LightIt"/>
               </a:rPr>
-              <a:t>right</a:t>
-            </a:r>
-            <a:r>
-              <a:rPr sz="1100" i="1" spc="-95" dirty="0">
+              <a:t> </a:t>
+            </a:r>
+            <a:r>
+              <a:rPr lang="ja-jp" sz="1100" i="1" spc="-15" dirty="0">
                 <a:solidFill>
                   <a:srgbClr val="777879"/>
                 </a:solidFill>
                 <a:latin typeface="AdobeClean-LightIt"/>
                 <a:cs typeface="AdobeClean-LightIt"/>
               </a:rPr>
-              <a:t> </a:t>
-            </a:r>
-            <a:r>
-              <a:rPr sz="1100" i="1" spc="-15" dirty="0">
+              <a:t>级</a:t>
+            </a:r>
+            <a:r>
+              <a:rPr lang="ja-jp" sz="1100" i="1" spc="-15">
                 <a:solidFill>
                   <a:srgbClr val="777879"/>
                 </a:solidFill>
                 <a:latin typeface="AdobeClean-LightIt"/>
                 <a:cs typeface="AdobeClean-LightIt"/>
               </a:rPr>
-              <a:t>level</a:t>
-            </a:r>
-            <a:r>
-              <a:rPr sz="1100" i="1" spc="-55" dirty="0">
+              <a:t>别</a:t>
+            </a:r>
+            <a:r>
+              <a:rPr lang="ja-jp" sz="1100" i="1" spc="-85">
                 <a:solidFill>
                   <a:srgbClr val="777879"/>
                 </a:solidFill>
@@ -12658,17 +12568,17 @@
               <a:t> </a:t>
             </a:r>
             <a:r>
-              <a:rPr sz="1100" i="1" spc="-15" dirty="0">
+              <a:rPr lang="ja-JP" altLang="en-US" sz="1100" i="1" spc="-15">
                 <a:solidFill>
                   <a:srgbClr val="777879"/>
                 </a:solidFill>
                 <a:latin typeface="AdobeClean-LightIt"/>
                 <a:cs typeface="AdobeClean-LightIt"/>
               </a:rPr>
-              <a:t>for</a:t>
-            </a:r>
-            <a:r>
-              <a:rPr sz="1100" i="1" spc="-85" dirty="0">
+              <a:t>、</a:t>
+            </a:r>
+            <a:r>
+              <a:rPr lang="ja-jp" sz="1100" i="1" spc="-65">
                 <a:solidFill>
                   <a:srgbClr val="777879"/>
                 </a:solidFill>
@@ -12678,17 +12588,17 @@
               <a:t> </a:t>
             </a:r>
             <a:r>
-              <a:rPr sz="1100" i="1" spc="-15" dirty="0">
+              <a:rPr lang="ja-jp" sz="1100" i="1" spc="-15" dirty="0">
                 <a:solidFill>
                   <a:srgbClr val="777879"/>
                 </a:solidFill>
                 <a:latin typeface="AdobeClean-LightIt"/>
                 <a:cs typeface="AdobeClean-LightIt"/>
               </a:rPr>
-              <a:t>you,</a:t>
-            </a:r>
-            <a:r>
-              <a:rPr sz="1100" i="1" spc="-65" dirty="0">
+              <a:t>请联系</a:t>
+            </a:r>
+            <a:r>
+              <a:rPr lang="ja-jp" sz="1100" i="1" spc="-85" dirty="0">
                 <a:solidFill>
                   <a:srgbClr val="777879"/>
                 </a:solidFill>
@@ -12698,184 +12608,124 @@
               <a:t> </a:t>
             </a:r>
             <a:r>
-              <a:rPr sz="1100" i="1" spc="-15" dirty="0">
+              <a:rPr lang="ja-jp" sz="1100" i="1" spc="-70" dirty="0">
                 <a:solidFill>
                   <a:srgbClr val="777879"/>
                 </a:solidFill>
                 <a:latin typeface="AdobeClean-LightIt"/>
                 <a:cs typeface="AdobeClean-LightIt"/>
               </a:rPr>
-              <a:t>contact</a:t>
-            </a:r>
-            <a:r>
-              <a:rPr sz="1100" i="1" spc="-85" dirty="0">
+              <a:t> </a:t>
+            </a:r>
+            <a:r>
+              <a:rPr lang="ja-jp" sz="1100" i="1" spc="-15" dirty="0">
                 <a:solidFill>
                   <a:srgbClr val="777879"/>
                 </a:solidFill>
                 <a:latin typeface="AdobeClean-LightIt"/>
                 <a:cs typeface="AdobeClean-LightIt"/>
               </a:rPr>
-              <a:t> </a:t>
-            </a:r>
-            <a:r>
-              <a:rPr sz="1100" i="1" spc="-15" dirty="0">
+              <a:t>指定</a:t>
+            </a:r>
+            <a:r>
+              <a:rPr lang="ja-jp" sz="1100" i="1" spc="-55" dirty="0">
                 <a:solidFill>
                   <a:srgbClr val="777879"/>
                 </a:solidFill>
                 <a:latin typeface="AdobeClean-LightIt"/>
                 <a:cs typeface="AdobeClean-LightIt"/>
               </a:rPr>
-              <a:t>your</a:t>
-            </a:r>
-            <a:r>
-              <a:rPr sz="1100" i="1" spc="-70" dirty="0">
+              <a:t> </a:t>
+            </a:r>
+            <a:r>
+              <a:rPr lang="ja-jp" sz="1100" i="1" spc="-25" dirty="0">
                 <a:solidFill>
                   <a:srgbClr val="777879"/>
                 </a:solidFill>
                 <a:latin typeface="AdobeClean-LightIt"/>
                 <a:cs typeface="AdobeClean-LightIt"/>
               </a:rPr>
-              <a:t> </a:t>
-            </a:r>
-            <a:r>
-              <a:rPr sz="1100" i="1" spc="-15" dirty="0">
+              <a:t>客户</a:t>
+            </a:r>
+            <a:r>
+              <a:rPr lang="ja-jp" sz="1100" i="1" spc="-120" dirty="0">
                 <a:solidFill>
                   <a:srgbClr val="777879"/>
                 </a:solidFill>
                 <a:latin typeface="AdobeClean-LightIt"/>
                 <a:cs typeface="AdobeClean-LightIt"/>
               </a:rPr>
-              <a:t>Named</a:t>
-            </a:r>
-            <a:r>
-              <a:rPr sz="1100" i="1" spc="-55" dirty="0">
+              <a:t> </a:t>
+            </a:r>
+            <a:r>
+              <a:rPr lang="ja-jp" sz="1100" i="1" spc="-20" dirty="0">
                 <a:solidFill>
                   <a:srgbClr val="777879"/>
                 </a:solidFill>
                 <a:latin typeface="AdobeClean-LightIt"/>
                 <a:cs typeface="AdobeClean-LightIt"/>
               </a:rPr>
-              <a:t> </a:t>
-            </a:r>
-            <a:r>
-              <a:rPr sz="1100" i="1" spc="-25" dirty="0">
+              <a:t>经理 </a:t>
+            </a:r>
+            <a:r>
+              <a:rPr lang="ja-jp" sz="1100" i="1" spc="-15" dirty="0">
                 <a:solidFill>
                   <a:srgbClr val="777879"/>
                 </a:solidFill>
                 <a:latin typeface="AdobeClean-LightIt"/>
                 <a:cs typeface="AdobeClean-LightIt"/>
               </a:rPr>
-              <a:t>Account</a:t>
-            </a:r>
-            <a:r>
-              <a:rPr sz="1100" i="1" spc="-120" dirty="0">
+              <a:t>(NAM) </a:t>
+            </a:r>
+            <a:r>
+              <a:rPr lang="ja-jp" sz="1100" i="1" spc="-10" dirty="0">
                 <a:solidFill>
                   <a:srgbClr val="777879"/>
                 </a:solidFill>
                 <a:latin typeface="AdobeClean-LightIt"/>
                 <a:cs typeface="AdobeClean-LightIt"/>
               </a:rPr>
-              <a:t> </a:t>
-            </a:r>
-            <a:r>
-              <a:rPr sz="1100" i="1" spc="-20" dirty="0">
+              <a:t>或</a:t>
+            </a:r>
+            <a:r>
+              <a:rPr lang="ja-jp" sz="1100" i="1" spc="-15" dirty="0">
                 <a:solidFill>
                   <a:srgbClr val="777879"/>
                 </a:solidFill>
                 <a:latin typeface="AdobeClean-LightIt"/>
                 <a:cs typeface="AdobeClean-LightIt"/>
               </a:rPr>
-              <a:t>Manager </a:t>
-            </a:r>
-            <a:r>
-              <a:rPr sz="1100" i="1" spc="-15" dirty="0">
+              <a:t>客户</a:t>
+            </a:r>
+            <a:r>
+              <a:rPr lang="ja-jp" sz="1100" i="1" spc="-20" dirty="0">
                 <a:solidFill>
                   <a:srgbClr val="777879"/>
                 </a:solidFill>
                 <a:latin typeface="AdobeClean-LightIt"/>
                 <a:cs typeface="AdobeClean-LightIt"/>
               </a:rPr>
-              <a:t>(NAM) </a:t>
-            </a:r>
-            <a:r>
-              <a:rPr sz="1100" i="1" spc="-10" dirty="0">
+              <a:t>成功</a:t>
+            </a:r>
+            <a:r>
+              <a:rPr lang="ja-jp" sz="1100" i="1" spc="-180" dirty="0">
                 <a:solidFill>
                   <a:srgbClr val="777879"/>
                 </a:solidFill>
                 <a:latin typeface="AdobeClean-LightIt"/>
                 <a:cs typeface="AdobeClean-LightIt"/>
               </a:rPr>
-              <a:t>or </a:t>
-            </a:r>
-            <a:r>
-              <a:rPr sz="1100" i="1" spc="-15" dirty="0">
+              <a:t> </a:t>
+            </a:r>
+            <a:r>
+              <a:rPr lang="ja-jp" sz="1100" i="1" spc="-15" dirty="0">
                 <a:solidFill>
                   <a:srgbClr val="777879"/>
                 </a:solidFill>
                 <a:latin typeface="AdobeClean-LightIt"/>
                 <a:cs typeface="AdobeClean-LightIt"/>
               </a:rPr>
-              <a:t>Customer </a:t>
-            </a:r>
-            <a:r>
-              <a:rPr sz="1100" i="1" spc="-20" dirty="0">
-                <a:solidFill>
-                  <a:srgbClr val="777879"/>
-                </a:solidFill>
-                <a:latin typeface="AdobeClean-LightIt"/>
-                <a:cs typeface="AdobeClean-LightIt"/>
-              </a:rPr>
-              <a:t>Success</a:t>
-            </a:r>
-            <a:r>
-              <a:rPr sz="1100" i="1" spc="-180" dirty="0">
-                <a:solidFill>
-                  <a:srgbClr val="777879"/>
-                </a:solidFill>
-                <a:latin typeface="AdobeClean-LightIt"/>
-                <a:cs typeface="AdobeClean-LightIt"/>
-              </a:rPr>
-              <a:t> </a:t>
-            </a:r>
-            <a:r>
-              <a:rPr sz="1100" i="1" spc="-15" dirty="0">
-                <a:solidFill>
-                  <a:srgbClr val="777879"/>
-                </a:solidFill>
-                <a:latin typeface="AdobeClean-LightIt"/>
-                <a:cs typeface="AdobeClean-LightIt"/>
-              </a:rPr>
-              <a:t>Manager</a:t>
-            </a:r>
-            <a:r>
-              <a:rPr lang="en-US" sz="1100" i="1" spc="-15" dirty="0">
-                <a:solidFill>
-                  <a:srgbClr val="777879"/>
-                </a:solidFill>
-                <a:latin typeface="AdobeClean-LightIt"/>
-                <a:cs typeface="AdobeClean-LightIt"/>
-              </a:rPr>
-              <a:t> </a:t>
-            </a:r>
-            <a:r>
-              <a:rPr sz="1100" i="1" spc="-15" dirty="0">
-                <a:solidFill>
-                  <a:srgbClr val="777879"/>
-                </a:solidFill>
-                <a:latin typeface="AdobeClean-LightIt"/>
-                <a:cs typeface="AdobeClean-LightIt"/>
-              </a:rPr>
-              <a:t>(CSM)</a:t>
-            </a:r>
-            <a:r>
-              <a:rPr lang="en-US" sz="1100" i="1" spc="-15" dirty="0">
-                <a:solidFill>
-                  <a:srgbClr val="777879"/>
-                </a:solidFill>
-                <a:latin typeface="AdobeClean-LightIt"/>
-                <a:cs typeface="AdobeClean-LightIt"/>
-              </a:rPr>
-              <a:t>.</a:t>
+              <a:t>经理  (CSM)。</a:t>
             </a:r>
             <a:endParaRPr sz="1100" dirty="0">
               <a:latin typeface="AdobeClean-LightIt"/>
@@ -12892,47 +12742,27 @@
               </a:spcBef>
             </a:pPr>
             <a:r>
-              <a:rPr sz="800" spc="-5" dirty="0">
+              <a:rPr lang="ja-jp" sz="800" spc="-5" dirty="0">
                 <a:solidFill>
                   <a:srgbClr val="6D6D6D"/>
                 </a:solidFill>
                 <a:latin typeface="Adobe Clean"/>
                 <a:cs typeface="Adobe Clean"/>
               </a:rPr>
-              <a:t>©202</a:t>
-            </a:r>
-            <a:r>
-              <a:rPr lang="en-US" sz="800" spc="-5" dirty="0">
+              <a:t>©2022 Adobe.All Rights Reserved.Adobe</a:t>
+            </a:r>
+            <a:r>
+              <a:rPr lang="ja-jp" sz="800" spc="75" dirty="0">
                 <a:solidFill>
                   <a:srgbClr val="6D6D6D"/>
                 </a:solidFill>
                 <a:latin typeface="Adobe Clean"/>
                 <a:cs typeface="Adobe Clean"/>
               </a:rPr>
-              <a:t>2</a:t>
-            </a:r>
-            <a:r>
-              <a:rPr sz="800" spc="-5" dirty="0">
-                <a:solidFill>
-                  <a:srgbClr val="6D6D6D"/>
-                </a:solidFill>
-                <a:latin typeface="Adobe Clean"/>
-                <a:cs typeface="Adobe Clean"/>
-              </a:rPr>
-              <a:t> Adobe. All Rights Reserved. Adobe</a:t>
-            </a:r>
-            <a:r>
-              <a:rPr sz="800" spc="75" dirty="0">
-                <a:solidFill>
-                  <a:srgbClr val="6D6D6D"/>
-                </a:solidFill>
-                <a:latin typeface="Adobe Clean"/>
-                <a:cs typeface="Adobe Clean"/>
-              </a:rPr>
               <a:t> </a:t>
             </a:r>
             <a:r>
-              <a:rPr sz="800" spc="-5" dirty="0">
+              <a:rPr lang="ja-jp" sz="800" spc="-5" dirty="0">
                 <a:solidFill>
                   <a:srgbClr val="6D6D6D"/>
                 </a:solidFill>
@@ -12981,14 +12811,14 @@
               </a:spcBef>
             </a:pPr>
             <a:r>
-              <a:rPr lang="en-US" sz="1400" b="1" spc="-15" dirty="0">
+              <a:rPr lang="ja-jp" sz="1400" b="1" spc="-15" dirty="0">
                 <a:solidFill>
                   <a:srgbClr val="020302"/>
                 </a:solidFill>
                 <a:latin typeface="Adobe Clean"/>
                 <a:cs typeface="Adobe Clean"/>
               </a:rPr>
-              <a:t>Regional scope of Adobe Support, Local Hours Of Operation And Language Support</a:t>
+              <a:t>Adobe 支持的区域范围、当地营业时间和语言支持</a:t>
             </a:r>
             <a:endParaRPr lang="en-US" sz="1400" spc="-15" dirty="0">
               <a:ea typeface="+mn-lt"/>
@@ -13002,13 +12832,13 @@
               </a:spcBef>
             </a:pPr>
             <a:r>
-              <a:rPr lang="en-US" sz="1000" spc="-15" dirty="0">
+              <a:rPr lang="ja-jp" sz="1000" spc="-15" dirty="0">
                 <a:solidFill>
                   <a:srgbClr val="1F1F1F"/>
                 </a:solidFill>
                 <a:latin typeface="AdobeClean-Light"/>
               </a:rPr>
-              <a:t>Adobe’s local business hours align to the customer’s billing region.</a:t>
+              <a:t>Adobe 的本地营业时间与客户的计费区域一致。</a:t>
             </a:r>
           </a:p>
         </p:txBody>
@@ -13035,7 +12865,7 @@
         </p:nvGraphicFramePr>
         <p:xfrm>
           <a:off x="171128" y="5907213"/>
-          <a:ext cx="7391400" cy="1224280"/>
+          <a:ext cx="7391400" cy="1168400"/>
         </p:xfrm>
         <a:graphic>
           <a:graphicData uri="http://schemas.openxmlformats.org/drawingml/2006/table">
@@ -13081,16 +12911,16 @@
                     <a:p>
                       <a:pPr algn="ctr"/>
                       <a:r>
-                        <a:rPr lang="en-US" sz="1100" dirty="0">
+                        <a:rPr lang="ja-jp" sz="1100" dirty="0">
                           <a:solidFill>
                             <a:schemeClr val="tx1"/>
                           </a:solidFill>
                           <a:latin typeface="Adobe Clean" panose="020B0503020404020204" pitchFamily="34" charset="0"/>
                         </a:rPr>
-                        <a:t>Americas </a:t>
+                        <a:t>美洲</a:t>
                       </a:r>
                       <a:r>
-                        <a:rPr lang="en-US" sz="1100" baseline="30000" dirty="0">
+                        <a:rPr lang="ja-jp" sz="1100" baseline="30000" dirty="0">
                           <a:solidFill>
                             <a:schemeClr val="tx1"/>
                           </a:solidFill>
@@ -13155,13 +12985,13 @@
                     <a:p>
                       <a:pPr algn="ctr"/>
                       <a:r>
-                        <a:rPr lang="en-US" sz="1100" dirty="0">
+                        <a:rPr lang="ja-jp" sz="1100" dirty="0">
                           <a:solidFill>
                             <a:schemeClr val="tx1"/>
                           </a:solidFill>
                           <a:latin typeface="Adobe Clean" panose="020B0503020404020204" pitchFamily="34" charset="0"/>
                         </a:rPr>
-                        <a:t>Europe, Middle East &amp; Africa</a:t>
+                        <a:t>欧洲、中东和非洲</a:t>
                       </a:r>
                     </a:p>
                   </a:txBody>
@@ -13220,13 +13050,13 @@
                     <a:p>
                       <a:pPr algn="ctr"/>
                       <a:r>
-                        <a:rPr lang="en-US" sz="1100" dirty="0">
+                        <a:rPr lang="ja-jp" sz="1100" dirty="0">
                           <a:solidFill>
                             <a:schemeClr val="tx1"/>
                           </a:solidFill>
                           <a:latin typeface="Adobe Clean" panose="020B0503020404020204" pitchFamily="34" charset="0"/>
                         </a:rPr>
-                        <a:t>Asia Pacific</a:t>
+                        <a:t>亚太地区</a:t>
                       </a:r>
                     </a:p>
                   </a:txBody>
@@ -13285,13 +13115,13 @@
                     <a:p>
                       <a:pPr algn="ctr"/>
                       <a:r>
-                        <a:rPr lang="en-US" sz="1100" dirty="0">
+                        <a:rPr lang="ja-jp" sz="1100" dirty="0">
                           <a:solidFill>
                             <a:schemeClr val="tx1"/>
                           </a:solidFill>
                           <a:latin typeface="Adobe Clean" panose="020B0503020404020204" pitchFamily="34" charset="0"/>
                         </a:rPr>
-                        <a:t>Japan </a:t>
+                        <a:t>日本</a:t>
                       </a:r>
                     </a:p>
                   </a:txBody>
@@ -13357,13 +13187,13 @@
                     <a:p>
                       <a:pPr algn="ctr"/>
                       <a:r>
-                        <a:rPr lang="en-US" sz="1100" dirty="0">
+                        <a:rPr lang="ja-jp" sz="1100" dirty="0">
                           <a:solidFill>
                             <a:schemeClr val="tx1"/>
                           </a:solidFill>
                           <a:latin typeface="Adobe Clean" panose="020B0503020404020204" pitchFamily="34" charset="0"/>
                         </a:rPr>
-                        <a:t>24x7</a:t>
+                        <a:t>全天侯</a:t>
                       </a:r>
                     </a:p>
                   </a:txBody>
@@ -13422,13 +13252,13 @@
                     <a:p>
                       <a:pPr algn="ctr"/>
                       <a:r>
-                        <a:rPr lang="en-US" sz="1100" dirty="0">
+                        <a:rPr lang="ja-jp" sz="1100" dirty="0">
                           <a:solidFill>
                             <a:schemeClr val="tx1"/>
                           </a:solidFill>
                           <a:latin typeface="Adobe Clean" panose="020B0503020404020204" pitchFamily="34" charset="0"/>
                         </a:rPr>
-                        <a:t>9 am – 5 pm</a:t>
+                        <a:t>上午 9:00 – 下午 5:00</a:t>
                       </a:r>
                     </a:p>
                   </a:txBody>
@@ -13487,13 +13317,13 @@
                     <a:p>
                       <a:pPr algn="ctr"/>
                       <a:r>
-                        <a:rPr lang="en-US" sz="1100" dirty="0">
+                        <a:rPr lang="ja-jp" sz="1100" dirty="0">
                           <a:solidFill>
                             <a:schemeClr val="tx1"/>
                           </a:solidFill>
                           <a:latin typeface="Adobe Clean" panose="020B0503020404020204" pitchFamily="34" charset="0"/>
                         </a:rPr>
-                        <a:t>9 am – 5 pm</a:t>
+                        <a:t>上午 9:00 – 下午 5:00</a:t>
                       </a:r>
                     </a:p>
                   </a:txBody>
@@ -13552,13 +13382,13 @@
                     <a:p>
                       <a:pPr algn="ctr"/>
                       <a:r>
-                        <a:rPr lang="en-US" sz="1100" dirty="0">
+                        <a:rPr lang="ja-jp" sz="1100" dirty="0">
                           <a:solidFill>
                             <a:schemeClr val="tx1"/>
                           </a:solidFill>
                           <a:latin typeface="Adobe Clean" panose="020B0503020404020204" pitchFamily="34" charset="0"/>
                         </a:rPr>
-                        <a:t>9 am – 5:30 pm</a:t>
+                        <a:t>上午 9:00 – 下午 5:30</a:t>
                       </a:r>
                     </a:p>
                   </a:txBody>
@@ -13665,7 +13495,7 @@
                         <a:defRPr/>
                       </a:pPr>
                       <a:r>
-                        <a:rPr lang="en-US" sz="1100" baseline="30000" dirty="0">
+                        <a:rPr lang="ja-jp" sz="1100" baseline="30000" dirty="0">
                           <a:solidFill>
                             <a:schemeClr val="tx1"/>
                           </a:solidFill>
@@ -13674,13 +13504,13 @@
                         <a:t>1</a:t>
                       </a:r>
                       <a:r>
-                        <a:rPr lang="en-US" sz="1100" dirty="0">
+                        <a:rPr lang="ja-jp" sz="1100" dirty="0">
                           <a:solidFill>
                             <a:schemeClr val="tx1"/>
                           </a:solidFill>
                           <a:latin typeface="Adobe Clean" panose="020B0503020404020204" pitchFamily="34" charset="0"/>
                         </a:rPr>
-                        <a:t>Americas Language support available in English only.</a:t>
+                        <a:t>美洲语言支持仅提供英文版本。</a:t>
                       </a:r>
                     </a:p>
                   </a:txBody>
@@ -14036,7 +13866,7 @@
           </a:bodyPr>
           <a:lstStyle/>
           <a:p>
-            <a:pPr marL="139065" marR="5080" indent="-139065">
+            <a:pPr marL="7938" marR="5080" indent="-7938" algn="ctr">
               <a:lnSpc>
                 <a:spcPts val="1390"/>
               </a:lnSpc>
@@ -14045,126 +13875,56 @@
               </a:spcBef>
             </a:pPr>
             <a:r>
-              <a:rPr sz="1200" b="1" spc="-15">
+              <a:rPr lang="ja-jp" sz="1200" b="1" spc="-15">
                 <a:solidFill>
                   <a:srgbClr val="FFFFFF"/>
                 </a:solidFill>
                 <a:latin typeface="Adobe Clean"/>
                 <a:cs typeface="Adobe Clean"/>
               </a:rPr>
-              <a:t>U</a:t>
-            </a:r>
-            <a:r>
-              <a:rPr sz="1200" b="1" spc="-20">
+              <a:t>无</a:t>
+            </a:r>
+            <a:r>
+              <a:rPr lang="ja-jp" sz="1200" b="1" spc="-20">
                 <a:solidFill>
                   <a:srgbClr val="FFFFFF"/>
                 </a:solidFill>
                 <a:latin typeface="Adobe Clean"/>
                 <a:cs typeface="Adobe Clean"/>
               </a:rPr>
-              <a:t>n</a:t>
-            </a:r>
-            <a:r>
-              <a:rPr sz="1200" b="1" spc="-25">
+              <a:t>与</a:t>
+            </a:r>
+            <a:r>
+              <a:rPr lang="ja-jp" sz="1200" b="1" spc="-25">
                 <a:solidFill>
                   <a:srgbClr val="FFFFFF"/>
                 </a:solidFill>
                 <a:latin typeface="Adobe Clean"/>
                 <a:cs typeface="Adobe Clean"/>
               </a:rPr>
-              <a:t>p</a:t>
-            </a:r>
-            <a:r>
-              <a:rPr sz="1200" b="1" spc="-15">
+              <a:t>伦</a:t>
+            </a:r>
+            <a:r>
+              <a:rPr lang="ja-jp" sz="1200" b="1" spc="-15">
                 <a:solidFill>
                   <a:srgbClr val="FFFFFF"/>
                 </a:solidFill>
                 <a:latin typeface="Adobe Clean"/>
                 <a:cs typeface="Adobe Clean"/>
               </a:rPr>
-              <a:t>a</a:t>
-            </a:r>
-            <a:r>
-              <a:rPr sz="1200" b="1" spc="-25">
+              <a:t>比</a:t>
+            </a:r>
+            <a:r>
+              <a:rPr lang="ja-jp" sz="1200" b="1" spc="-25">
                 <a:solidFill>
                   <a:srgbClr val="FFFFFF"/>
                 </a:solidFill>
                 <a:latin typeface="Adobe Clean"/>
                 <a:cs typeface="Adobe Clean"/>
               </a:rPr>
-              <a:t>r</a:t>
-            </a:r>
-            <a:r>
-              <a:rPr sz="1200" b="1" spc="-15">
-                <a:solidFill>
-                  <a:srgbClr val="FFFFFF"/>
-                </a:solidFill>
-                <a:latin typeface="Adobe Clean"/>
-                <a:cs typeface="Adobe Clean"/>
-              </a:rPr>
-              <a:t>a</a:t>
-            </a:r>
-            <a:r>
-              <a:rPr sz="1200" b="1" spc="-30">
-                <a:solidFill>
-                  <a:srgbClr val="FFFFFF"/>
-                </a:solidFill>
-                <a:latin typeface="Adobe Clean"/>
-                <a:cs typeface="Adobe Clean"/>
-              </a:rPr>
-              <a:t>ll</a:t>
-            </a:r>
-            <a:r>
-              <a:rPr sz="1200" b="1" spc="-25">
-                <a:solidFill>
-                  <a:srgbClr val="FFFFFF"/>
-                </a:solidFill>
-                <a:latin typeface="Adobe Clean"/>
-                <a:cs typeface="Adobe Clean"/>
-              </a:rPr>
-              <a:t>e</a:t>
-            </a:r>
-            <a:r>
-              <a:rPr sz="1200" b="1" spc="-30">
-                <a:solidFill>
-                  <a:srgbClr val="FFFFFF"/>
-                </a:solidFill>
-                <a:latin typeface="Adobe Clean"/>
-                <a:cs typeface="Adobe Clean"/>
-              </a:rPr>
-              <a:t>l</a:t>
-            </a:r>
-            <a:r>
-              <a:rPr sz="1200" b="1" spc="-25">
-                <a:solidFill>
-                  <a:srgbClr val="FFFFFF"/>
-                </a:solidFill>
-                <a:latin typeface="Adobe Clean"/>
-                <a:cs typeface="Adobe Clean"/>
-              </a:rPr>
-              <a:t>e</a:t>
-            </a:r>
-            <a:r>
-              <a:rPr sz="1200" b="1">
-                <a:solidFill>
-                  <a:srgbClr val="FFFFFF"/>
-                </a:solidFill>
-                <a:latin typeface="Adobe Clean"/>
-                <a:cs typeface="Adobe Clean"/>
-              </a:rPr>
-              <a:t>d  </a:t>
-            </a:r>
-            <a:r>
-              <a:rPr sz="1200" b="1" spc="-25">
-                <a:solidFill>
-                  <a:srgbClr val="FFFFFF"/>
-                </a:solidFill>
-                <a:latin typeface="Adobe Clean"/>
-                <a:cs typeface="Adobe Clean"/>
-              </a:rPr>
-              <a:t>Expertise</a:t>
-            </a:r>
-            <a:endParaRPr sz="1200">
+              <a:t>的专业知识</a:t>
+            </a:r>
+            <a:endParaRPr sz="1200" dirty="0">
               <a:latin typeface="Adobe Clean"/>
               <a:cs typeface="Adobe Clean"/>
             </a:endParaRPr>
@@ -14186,7 +13946,7 @@
         <p:spPr>
           <a:xfrm>
             <a:off x="4732495" y="8541244"/>
-            <a:ext cx="810895" cy="382797"/>
+            <a:ext cx="810895" cy="203261"/>
           </a:xfrm>
           <a:prstGeom prst="rect">
             <a:avLst/>
@@ -14198,7 +13958,7 @@
           </a:bodyPr>
           <a:lstStyle/>
           <a:p>
-            <a:pPr marL="139065" marR="5080" indent="-139065">
+            <a:pPr marL="7938" marR="5080" indent="-7938" algn="ctr">
               <a:lnSpc>
                 <a:spcPts val="1390"/>
               </a:lnSpc>
@@ -14207,16 +13967,16 @@
               </a:spcBef>
             </a:pPr>
             <a:r>
-              <a:rPr lang="en-US" sz="1200" b="1" spc="-15">
+              <a:rPr lang="ja-jp" sz="1200" b="1" spc="-15">
                 <a:solidFill>
                   <a:srgbClr val="FFFFFF"/>
                 </a:solidFill>
                 <a:latin typeface="Adobe Clean"/>
                 <a:cs typeface="Adobe Clean"/>
               </a:rPr>
-              <a:t>Accelerated Support</a:t>
-            </a:r>
-            <a:endParaRPr sz="1200">
+              <a:t>加速支持</a:t>
+            </a:r>
+            <a:endParaRPr sz="1200" dirty="0">
               <a:latin typeface="Adobe Clean"/>
               <a:cs typeface="Adobe Clean"/>
             </a:endParaRPr>
@@ -14250,7 +14010,7 @@
           </a:bodyPr>
           <a:lstStyle/>
           <a:p>
-            <a:pPr marL="50800" marR="5080" indent="-51435">
+            <a:pPr marL="7938" marR="5080" indent="-7938" algn="ctr">
               <a:lnSpc>
                 <a:spcPts val="1390"/>
               </a:lnSpc>
@@ -14259,106 +14019,46 @@
               </a:spcBef>
             </a:pPr>
             <a:r>
-              <a:rPr sz="1200" b="1" spc="-50">
+              <a:rPr lang="ja-jp" sz="1200" b="1" spc="-50">
                 <a:solidFill>
                   <a:srgbClr val="FFFFFF"/>
                 </a:solidFill>
                 <a:latin typeface="Adobe Clean"/>
                 <a:cs typeface="Adobe Clean"/>
               </a:rPr>
-              <a:t>S</a:t>
-            </a:r>
-            <a:r>
-              <a:rPr sz="1200" b="1" spc="-20">
+              <a:t>战</a:t>
+            </a:r>
+            <a:r>
+              <a:rPr lang="ja-jp" sz="1200" b="1" spc="-20">
                 <a:solidFill>
                   <a:srgbClr val="FFFFFF"/>
                 </a:solidFill>
                 <a:latin typeface="Adobe Clean"/>
                 <a:cs typeface="Adobe Clean"/>
               </a:rPr>
-              <a:t>t</a:t>
-            </a:r>
-            <a:r>
-              <a:rPr sz="1200" b="1" spc="-75">
+              <a:t>略</a:t>
+            </a:r>
+            <a:r>
+              <a:rPr lang="ja-jp" sz="1200" b="1" spc="-75">
                 <a:solidFill>
                   <a:srgbClr val="FFFFFF"/>
                 </a:solidFill>
                 <a:latin typeface="Adobe Clean"/>
                 <a:cs typeface="Adobe Clean"/>
               </a:rPr>
-              <a:t>r</a:t>
-            </a:r>
-            <a:r>
-              <a:rPr sz="1200" b="1" spc="-90">
+              <a:t>性</a:t>
+            </a:r>
+            <a:r>
+              <a:rPr lang="ja-jp" sz="1200" b="1" spc="-45">
                 <a:solidFill>
                   <a:srgbClr val="FFFFFF"/>
                 </a:solidFill>
                 <a:latin typeface="Adobe Clean"/>
                 <a:cs typeface="Adobe Clean"/>
               </a:rPr>
-              <a:t>a</a:t>
-            </a:r>
-            <a:r>
-              <a:rPr sz="1200" b="1" spc="-55">
-                <a:solidFill>
-                  <a:srgbClr val="FFFFFF"/>
-                </a:solidFill>
-                <a:latin typeface="Adobe Clean"/>
-                <a:cs typeface="Adobe Clean"/>
-              </a:rPr>
-              <a:t>t</a:t>
-            </a:r>
-            <a:r>
-              <a:rPr sz="1200" b="1" spc="-100">
-                <a:solidFill>
-                  <a:srgbClr val="FFFFFF"/>
-                </a:solidFill>
-                <a:latin typeface="Adobe Clean"/>
-                <a:cs typeface="Adobe Clean"/>
-              </a:rPr>
-              <a:t>e</a:t>
-            </a:r>
-            <a:r>
-              <a:rPr sz="1200" b="1" spc="-80">
-                <a:solidFill>
-                  <a:srgbClr val="FFFFFF"/>
-                </a:solidFill>
-                <a:latin typeface="Adobe Clean"/>
-                <a:cs typeface="Adobe Clean"/>
-              </a:rPr>
-              <a:t>g</a:t>
-            </a:r>
-            <a:r>
-              <a:rPr sz="1200" b="1" spc="-35">
-                <a:solidFill>
-                  <a:srgbClr val="FFFFFF"/>
-                </a:solidFill>
-                <a:latin typeface="Adobe Clean"/>
-                <a:cs typeface="Adobe Clean"/>
-              </a:rPr>
-              <a:t>i</a:t>
-            </a:r>
-            <a:r>
-              <a:rPr sz="1200" b="1">
-                <a:solidFill>
-                  <a:srgbClr val="FFFFFF"/>
-                </a:solidFill>
-                <a:latin typeface="Adobe Clean"/>
-                <a:cs typeface="Adobe Clean"/>
-              </a:rPr>
-              <a:t>c  </a:t>
-            </a:r>
-            <a:r>
-              <a:rPr sz="1200" b="1" spc="-45">
-                <a:solidFill>
-                  <a:srgbClr val="FFFFFF"/>
-                </a:solidFill>
-                <a:latin typeface="Adobe Clean"/>
-                <a:cs typeface="Adobe Clean"/>
-              </a:rPr>
-              <a:t>Advice</a:t>
-            </a:r>
-            <a:endParaRPr sz="1200">
+              <a:t>建议</a:t>
+            </a:r>
+            <a:endParaRPr sz="1200" dirty="0">
               <a:latin typeface="Adobe Clean"/>
               <a:cs typeface="Adobe Clean"/>
             </a:endParaRPr>
@@ -14380,14 +14080,14 @@
           <p:nvPr>
             <p:extLst>
               <p:ext uri="{D42A27DB-BD31-4B8C-83A1-F6EECF244321}">
-                <p14:modId xmlns:p14="http://schemas.microsoft.com/office/powerpoint/2010/main" val="1302639971"/>
+                <p14:modId xmlns:p14="http://schemas.microsoft.com/office/powerpoint/2010/main" val="3486097734"/>
               </p:ext>
             </p:extLst>
           </p:nvPr>
         </p:nvGraphicFramePr>
         <p:xfrm>
           <a:off x="194237" y="1272353"/>
-          <a:ext cx="7368291" cy="2473960"/>
+          <a:ext cx="7368291" cy="2016760"/>
         </p:xfrm>
         <a:graphic>
           <a:graphicData uri="http://schemas.openxmlformats.org/drawingml/2006/table">
@@ -14421,7 +14121,7 @@
                         <a:buNone/>
                       </a:pPr>
                       <a:r>
-                        <a:rPr lang="en-US" sz="1200" b="0" strike="noStrike" dirty="0">
+                        <a:rPr lang="ja-jp" sz="1200" b="0" strike="noStrike" dirty="0">
                           <a:solidFill>
                             <a:srgbClr val="5F5F5F"/>
                           </a:solidFill>
@@ -14430,9 +14130,9 @@
                           <a:cs typeface="+mn-cs"/>
                           <a:hlinkClick r:id="rId8"/>
                         </a:rPr>
-                        <a:t>Enterprise Learn &amp; Support</a:t>
+                        <a:t>企业学习和支持</a:t>
                       </a:r>
-                      <a:endParaRPr lang="en-US"/>
+                      <a:endParaRPr lang="en-US" dirty="0"/>
                     </a:p>
                   </a:txBody>
                   <a:tcPr marL="47625" marR="47625" marT="0" marB="0" anchor="ctr">
@@ -14504,7 +14204,7 @@
                         <a:buNone/>
                       </a:pPr>
                       <a:r>
-                        <a:rPr lang="en-US" sz="1000" b="0" strike="noStrike" kern="1200" dirty="0">
+                        <a:rPr lang="ja-jp" sz="1000" b="0" strike="noStrike" kern="1200" dirty="0">
                           <a:solidFill>
                             <a:schemeClr val="tx1"/>
                           </a:solidFill>
@@ -14512,7 +14212,50 @@
                           <a:ea typeface="+mn-ea"/>
                           <a:cs typeface="+mn-cs"/>
                         </a:rPr>
-                        <a:t>Enterprise Learn &amp; Support is a place where Adobe customers can find self-help tutorials, product documentation, instructor-led training, community and support for select Adobe Creative Cloud and Document products.</a:t>
+                        <a:t>企业学习和支持为 Adobe 客户提供针对精选 Adobe Creative Cloud 和文档产品的自助教程、产品文档、讲师指导的培</a:t>
+                      </a:r>
+                      <a:r>
+                        <a:rPr lang="ja-jp" sz="1000" b="0" strike="noStrike" kern="1200">
+                          <a:solidFill>
+                            <a:schemeClr val="tx1"/>
+                          </a:solidFill>
+                          <a:latin typeface="Adobe Clean Light"/>
+                          <a:ea typeface="+mn-ea"/>
+                          <a:cs typeface="+mn-cs"/>
+                        </a:rPr>
+                        <a:t>训、</a:t>
+                      </a:r>
+                      <a:br>
+                        <a:rPr lang="en-US" altLang="ja-JP" sz="1000" b="0" strike="noStrike" kern="1200" dirty="0">
+                          <a:solidFill>
+                            <a:schemeClr val="tx1"/>
+                          </a:solidFill>
+                          <a:latin typeface="Adobe Clean Light"/>
+                          <a:ea typeface="+mn-ea"/>
+                          <a:cs typeface="+mn-cs"/>
+                        </a:rPr>
+                      </a:br>
+                      <a:r>
+                        <a:rPr lang="ja-jp" sz="1000" b="0" strike="noStrike" kern="1200">
+                          <a:solidFill>
+                            <a:schemeClr val="tx1"/>
+                          </a:solidFill>
+                          <a:latin typeface="Adobe Clean Light"/>
+                          <a:ea typeface="+mn-ea"/>
+                          <a:cs typeface="+mn-cs"/>
+                        </a:rPr>
+                        <a:t>社</a:t>
+                      </a:r>
+                      <a:r>
+                        <a:rPr lang="ja-jp" sz="1000" b="0" strike="noStrike" kern="1200" dirty="0">
+                          <a:solidFill>
+                            <a:schemeClr val="tx1"/>
+                          </a:solidFill>
+                          <a:latin typeface="Adobe Clean Light"/>
+                          <a:ea typeface="+mn-ea"/>
+                          <a:cs typeface="+mn-cs"/>
+                        </a:rPr>
+                        <a:t>区和技术支持。</a:t>
                       </a:r>
                     </a:p>
                   </a:txBody>
@@ -14594,7 +14337,7 @@
                         <a:defRPr/>
                       </a:pPr>
                       <a:r>
-                        <a:rPr lang="en-US" sz="1200" strike="noStrike" dirty="0">
+                        <a:rPr lang="ja-jp" sz="1200" strike="noStrike" dirty="0">
                           <a:solidFill>
                             <a:srgbClr val="5F5F5F"/>
                           </a:solidFill>
@@ -14610,7 +14353,7 @@
                             </a:extLst>
                           </a:hlinkClick>
                         </a:rPr>
-                        <a:t>Adobe Support Community </a:t>
+                        <a:t>Adobe 支持社区</a:t>
                       </a:r>
                       <a:endParaRPr lang="en-US" sz="1200" strike="noStrike" dirty="0">
                         <a:solidFill>
@@ -14694,7 +14437,7 @@
                         <a:defRPr/>
                       </a:pPr>
                       <a:r>
-                        <a:rPr lang="en-US" sz="1000" strike="noStrike" kern="1200" dirty="0">
+                        <a:rPr lang="ja-jp" sz="1000" strike="noStrike" kern="1200" dirty="0">
                           <a:solidFill>
                             <a:schemeClr val="tx1"/>
                           </a:solidFill>
@@ -14702,7 +14445,7 @@
                           <a:ea typeface="+mn-ea"/>
                           <a:cs typeface="+mn-cs"/>
                         </a:rPr>
-                        <a:t>The Adobe Support Community is the place to ask questions, find answers, learn from experts and share your knowledge.</a:t>
+                        <a:t>Adobe 支持社区是提出问题、找到答案、向专家学习和分享知识的场所。</a:t>
                       </a:r>
                       <a:endParaRPr lang="en-US" sz="1000" strike="noStrike" kern="1200" dirty="0">
                         <a:solidFill>
@@ -14795,7 +14538,7 @@
                         <a:defRPr/>
                       </a:pPr>
                       <a:r>
-                        <a:rPr lang="en-US" sz="1200" dirty="0">
+                        <a:rPr lang="ja-jp" sz="1200" dirty="0">
                           <a:solidFill>
                             <a:srgbClr val="5F5F5F"/>
                           </a:solidFill>
@@ -14811,7 +14554,7 @@
                             </a:extLst>
                           </a:hlinkClick>
                         </a:rPr>
-                        <a:t>Production Issues &amp; System Outages</a:t>
+                        <a:t>生产问题和系统中断</a:t>
                       </a:r>
                       <a:endParaRPr lang="en-US" sz="1200" dirty="0">
                         <a:solidFill>
@@ -14895,7 +14638,7 @@
                         <a:defRPr/>
                       </a:pPr>
                       <a:r>
-                        <a:rPr lang="en-US" sz="1000" kern="1200" dirty="0">
+                        <a:rPr lang="ja-jp" sz="1000" kern="1200" dirty="0">
                           <a:solidFill>
                             <a:schemeClr val="tx1"/>
                           </a:solidFill>
@@ -14903,7 +14646,61 @@
                           <a:ea typeface="+mn-ea"/>
                           <a:cs typeface="+mn-cs"/>
                         </a:rPr>
-                        <a:t>Status.adobe.com conveys the health information of all Adobe products and services that are deployed in multi-tenant environments. Customers can choose their subscription preferences to get email notifications whenever Adobe creates, updates or resolves a product event. This can include scheduled maintenance or service issues of varying levels of severity. </a:t>
+                        <a:t>Status.adobe.com 传达在多租户环境中部署的所有 Adobe 产品和服务的运行状况信息。客户可以选择他们的订阅偏好</a:t>
+                      </a:r>
+                      <a:r>
+                        <a:rPr lang="ja-jp" sz="1000" kern="1200">
+                          <a:solidFill>
+                            <a:schemeClr val="tx1"/>
+                          </a:solidFill>
+                          <a:latin typeface="Adobe Clean Light" panose="020B0303020404020204" pitchFamily="34" charset="0"/>
+                          <a:ea typeface="+mn-ea"/>
+                          <a:cs typeface="+mn-cs"/>
+                        </a:rPr>
+                        <a:t>设置</a:t>
+                      </a:r>
+                      <a:r>
+                        <a:rPr lang="ja-JP" altLang="en-US" sz="1000" kern="1200">
+                          <a:solidFill>
+                            <a:schemeClr val="tx1"/>
+                          </a:solidFill>
+                          <a:latin typeface="Adobe Clean Light" panose="020B0303020404020204" pitchFamily="34" charset="0"/>
+                          <a:ea typeface="+mn-ea"/>
+                          <a:cs typeface="+mn-cs"/>
+                        </a:rPr>
+                        <a:t>、</a:t>
+                      </a:r>
+                      <a:br>
+                        <a:rPr lang="en-US" altLang="ja-JP" sz="1000" kern="1200">
+                          <a:solidFill>
+                            <a:schemeClr val="tx1"/>
+                          </a:solidFill>
+                          <a:latin typeface="Adobe Clean Light" panose="020B0303020404020204" pitchFamily="34" charset="0"/>
+                          <a:ea typeface="+mn-ea"/>
+                          <a:cs typeface="+mn-cs"/>
+                        </a:rPr>
+                      </a:br>
+                      <a:r>
+                        <a:rPr lang="ja-jp" sz="1000" kern="1200">
+                          <a:solidFill>
+                            <a:schemeClr val="tx1"/>
+                          </a:solidFill>
+                          <a:latin typeface="Adobe Clean Light" panose="020B0303020404020204" pitchFamily="34" charset="0"/>
+                          <a:ea typeface="+mn-ea"/>
+                          <a:cs typeface="+mn-cs"/>
+                        </a:rPr>
+                        <a:t>以</a:t>
+                      </a:r>
+                      <a:r>
+                        <a:rPr lang="ja-jp" sz="1000" kern="1200" dirty="0">
+                          <a:solidFill>
+                            <a:schemeClr val="tx1"/>
+                          </a:solidFill>
+                          <a:latin typeface="Adobe Clean Light" panose="020B0303020404020204" pitchFamily="34" charset="0"/>
+                          <a:ea typeface="+mn-ea"/>
+                          <a:cs typeface="+mn-cs"/>
+                        </a:rPr>
+                        <a:t>便在 Adobe 创建、更新或处理产品事件时收到电子邮件通知。这可能包括严重性不同的定期维护或服务问题。</a:t>
                       </a:r>
                     </a:p>
                   </a:txBody>
@@ -14985,7 +14782,7 @@
                         <a:defRPr/>
                       </a:pPr>
                       <a:r>
-                        <a:rPr lang="en-US" sz="1200" dirty="0">
+                        <a:rPr lang="ja-jp" sz="1200" dirty="0">
                           <a:solidFill>
                             <a:srgbClr val="5F5F5F"/>
                           </a:solidFill>
@@ -15001,7 +14798,7 @@
                             </a:extLst>
                           </a:hlinkClick>
                         </a:rPr>
-                        <a:t>Terms and Conditions</a:t>
+                        <a:t>条款和条件</a:t>
                       </a:r>
                       <a:endParaRPr lang="en-US" sz="1200" dirty="0">
                         <a:solidFill>
@@ -15068,7 +14865,7 @@
                     <a:lstStyle/>
                     <a:p>
                       <a:r>
-                        <a:rPr lang="en-US" sz="1000" kern="1200" dirty="0">
+                        <a:rPr lang="ja-jp" sz="1000" kern="1200" dirty="0">
                           <a:solidFill>
                             <a:schemeClr val="tx1"/>
                           </a:solidFill>
@@ -15076,7 +14873,7 @@
                           <a:ea typeface="+mn-ea"/>
                           <a:cs typeface="+mn-cs"/>
                         </a:rPr>
-                        <a:t>Terms and conditions detailing Support Services offerings.</a:t>
+                        <a:t>详细说明支持服务产品的条款和条件。</a:t>
                       </a:r>
                     </a:p>
                   </a:txBody>
@@ -15140,7 +14937,7 @@
       </p:graphicFrame>
       <p:pic>
         <p:nvPicPr>
-          <p:cNvPr id="8" name="Graphic 7" descr="Target outline">
+          <p:cNvPr id="8" name="Graphic 7" descr="目标轮廓图">
             <a:extLst>
               <a:ext uri="{FF2B5EF4-FFF2-40B4-BE49-F238E27FC236}">
                 <a16:creationId xmlns:a16="http://schemas.microsoft.com/office/drawing/2014/main" id="{1EAA263E-04A7-0D46-952E-EA3033B45116}"/>
@@ -15179,7 +14976,7 @@
       </p:pic>
       <p:pic>
         <p:nvPicPr>
-          <p:cNvPr id="10" name="Graphic 9" descr="Rocket outline">
+          <p:cNvPr id="10" name="Graphic 9" descr="火箭轮廓图">
             <a:extLst>
               <a:ext uri="{FF2B5EF4-FFF2-40B4-BE49-F238E27FC236}">
                 <a16:creationId xmlns:a16="http://schemas.microsoft.com/office/drawing/2014/main" id="{A068EBC3-B418-4E4A-A520-101CA4B39F23}"/>
@@ -15218,7 +15015,7 @@
       </p:pic>
       <p:pic>
         <p:nvPicPr>
-          <p:cNvPr id="12" name="Graphic 11" descr="Medal outline">
+          <p:cNvPr id="12" name="Graphic 11" descr="勋章轮廓图">
             <a:extLst>
               <a:ext uri="{FF2B5EF4-FFF2-40B4-BE49-F238E27FC236}">
                 <a16:creationId xmlns:a16="http://schemas.microsoft.com/office/drawing/2014/main" id="{C7BEFC2D-0CA6-0448-B9FA-6E1581CA6D36}"/>
@@ -15900,21 +15697,6 @@
 </file>
 
 <file path=customXml/item1.xml><?xml version="1.0" encoding="utf-8"?>
-<?mso-contentType ?>
-<FormTemplates xmlns="http://schemas.microsoft.com/sharepoint/v3/contenttype/forms">
-  <Display>DocumentLibraryForm</Display>
-  <Edit>DocumentLibraryForm</Edit>
-  <New>DocumentLibraryForm</New>
-</FormTemplates>
-</file>
-
-<file path=customXml/item2.xml><?xml version="1.0" encoding="utf-8"?>
-<p:properties xmlns:p="http://schemas.microsoft.com/office/2006/metadata/properties" xmlns:xsi="http://www.w3.org/2001/XMLSchema-instance" xmlns:pc="http://schemas.microsoft.com/office/infopath/2007/PartnerControls">
-  <documentManagement/>
-</p:properties>
-</file>
-
-<file path=customXml/item3.xml><?xml version="1.0" encoding="utf-8"?>
 <ct:contentTypeSchema xmlns:ct="http://schemas.microsoft.com/office/2006/metadata/contentType" xmlns:ma="http://schemas.microsoft.com/office/2006/metadata/properties/metaAttributes" ct:_="" ma:_="" ma:contentTypeName="Document" ma:contentTypeID="0x0101009423269C2B3A1A408FE719AA0C68584E" ma:contentTypeVersion="12" ma:contentTypeDescription="Create a new document." ma:contentTypeScope="" ma:versionID="bb0e62b6784238cdabe687d3bb80e52e">
   <xsd:schema xmlns:xsd="http://www.w3.org/2001/XMLSchema" xmlns:xs="http://www.w3.org/2001/XMLSchema" xmlns:p="http://schemas.microsoft.com/office/2006/metadata/properties" xmlns:ns2="01e63850-2818-4a9f-a0cd-2d4201ad5cd5" xmlns:ns3="281057cd-4f7e-4aa3-94a7-05201549cd15" targetNamespace="http://schemas.microsoft.com/office/2006/metadata/properties" ma:root="true" ma:fieldsID="8056aed6c30138b1a2c5f47f967a193a" ns2:_="" ns3:_="">
     <xsd:import namespace="01e63850-2818-4a9f-a0cd-2d4201ad5cd5"/>
@@ -16131,32 +15913,22 @@
 </ct:contentTypeSchema>
 </file>
 
-<file path=customXml/itemProps1.xml><?xml version="1.0" encoding="utf-8"?>
-<ds:datastoreItem xmlns:ds="http://schemas.openxmlformats.org/officeDocument/2006/customXml" ds:itemID="{941989CE-20BB-4A6A-A33F-71A1AE469C3E}">
-  <ds:schemaRefs>
-    <ds:schemaRef ds:uri="http://schemas.microsoft.com/sharepoint/v3/contenttype/forms"/>
-  </ds:schemaRefs>
-</ds:datastoreItem>
+<file path=customXml/item2.xml><?xml version="1.0" encoding="utf-8"?>
+<?mso-contentType ?>
+<FormTemplates xmlns="http://schemas.microsoft.com/sharepoint/v3/contenttype/forms">
+  <Display>DocumentLibraryForm</Display>
+  <Edit>DocumentLibraryForm</Edit>
+  <New>DocumentLibraryForm</New>
+</FormTemplates>
 </file>
 
-<file path=customXml/itemProps2.xml><?xml version="1.0" encoding="utf-8"?>
-<ds:datastoreItem xmlns:ds="http://schemas.openxmlformats.org/officeDocument/2006/customXml" ds:itemID="{ED4099BE-EDEC-4FF1-8378-446617236015}">
-  <ds:schemaRefs>
-    <ds:schemaRef ds:uri="http://schemas.openxmlformats.org/package/2006/metadata/core-properties"/>
-    <ds:schemaRef ds:uri="01e63850-2818-4a9f-a0cd-2d4201ad5cd5"/>
-    <ds:schemaRef ds:uri="http://www.w3.org/XML/1998/namespace"/>
-    <ds:schemaRef ds:uri="http://purl.org/dc/elements/1.1/"/>
-    <ds:schemaRef ds:uri="http://schemas.microsoft.com/office/2006/metadata/properties"/>
-    <ds:schemaRef ds:uri="http://purl.org/dc/dcmitype/"/>
-    <ds:schemaRef ds:uri="http://schemas.microsoft.com/office/2006/documentManagement/types"/>
-    <ds:schemaRef ds:uri="http://schemas.microsoft.com/office/infopath/2007/PartnerControls"/>
-    <ds:schemaRef ds:uri="281057cd-4f7e-4aa3-94a7-05201549cd15"/>
-    <ds:schemaRef ds:uri="http://purl.org/dc/terms/"/>
-  </ds:schemaRefs>
-</ds:datastoreItem>
+<file path=customXml/item3.xml><?xml version="1.0" encoding="utf-8"?>
+<p:properties xmlns:p="http://schemas.microsoft.com/office/2006/metadata/properties" xmlns:xsi="http://www.w3.org/2001/XMLSchema-instance" xmlns:pc="http://schemas.microsoft.com/office/infopath/2007/PartnerControls">
+  <documentManagement/>
+</p:properties>
 </file>
 
-<file path=customXml/itemProps3.xml><?xml version="1.0" encoding="utf-8"?>
+<file path=customXml/itemProps1.xml><?xml version="1.0" encoding="utf-8"?>
 <ds:datastoreItem xmlns:ds="http://schemas.openxmlformats.org/officeDocument/2006/customXml" ds:itemID="{C688342C-4DFE-4E47-A40D-C772A567C924}">
   <ds:schemaRefs>
     <ds:schemaRef ds:uri="http://schemas.microsoft.com/office/2006/metadata/contentType"/>
@@ -16173,4 +15945,29 @@
     <ds:schemaRef ds:uri="http://schemas.microsoft.com/internal/obd"/>
   </ds:schemaRefs>
 </ds:datastoreItem>
+</file>
+
+<file path=customXml/itemProps2.xml><?xml version="1.0" encoding="utf-8"?>
+<ds:datastoreItem xmlns:ds="http://schemas.openxmlformats.org/officeDocument/2006/customXml" ds:itemID="{941989CE-20BB-4A6A-A33F-71A1AE469C3E}">
+  <ds:schemaRefs>
+    <ds:schemaRef ds:uri="http://schemas.microsoft.com/sharepoint/v3/contenttype/forms"/>
+  </ds:schemaRefs>
+</ds:datastoreItem>
+</file>
+
+<file path=customXml/itemProps3.xml><?xml version="1.0" encoding="utf-8"?>
+<ds:datastoreItem xmlns:ds="http://schemas.openxmlformats.org/officeDocument/2006/customXml" ds:itemID="{ED4099BE-EDEC-4FF1-8378-446617236015}">
+  <ds:schemaRefs>
+    <ds:schemaRef ds:uri="http://schemas.openxmlformats.org/package/2006/metadata/core-properties"/>
+    <ds:schemaRef ds:uri="01e63850-2818-4a9f-a0cd-2d4201ad5cd5"/>
+    <ds:schemaRef ds:uri="http://www.w3.org/XML/1998/namespace"/>
+    <ds:schemaRef ds:uri="http://purl.org/dc/elements/1.1/"/>
+    <ds:schemaRef ds:uri="http://schemas.microsoft.com/office/2006/metadata/properties"/>
+    <ds:schemaRef ds:uri="http://purl.org/dc/dcmitype/"/>
+    <ds:schemaRef ds:uri="http://schemas.microsoft.com/office/2006/documentManagement/types"/>
+    <ds:schemaRef ds:uri="http://schemas.microsoft.com/office/infopath/2007/PartnerControls"/>
+    <ds:schemaRef ds:uri="281057cd-4f7e-4aa3-94a7-05201549cd15"/>
+    <ds:schemaRef ds:uri="http://purl.org/dc/terms/"/>
+  </ds:schemaRefs>
+</ds:datastoreItem>
 </file>